--- a/JavaScript语言/树相关/ppt/二叉树图形.pptx
+++ b/JavaScript语言/树相关/ppt/二叉树图形.pptx
@@ -9,6 +9,9 @@
     <p:sldId id="257" r:id="rId3"/>
     <p:sldId id="258" r:id="rId4"/>
     <p:sldId id="259" r:id="rId5"/>
+    <p:sldId id="260" r:id="rId6"/>
+    <p:sldId id="261" r:id="rId7"/>
+    <p:sldId id="262" r:id="rId8"/>
   </p:sldIdLst>
   <p:sldSz cx="12192000" cy="6858000"/>
   <p:notesSz cx="6858000" cy="9144000"/>
@@ -107,6 +110,11 @@
       </a:defRPr>
     </a:lvl9pPr>
   </p:defaultTextStyle>
+  <p:extLst>
+    <p:ext uri="{EFAFB233-063F-42B5-8137-9DF3F51BA10A}">
+      <p15:sldGuideLst xmlns:p15="http://schemas.microsoft.com/office/powerpoint/2012/main"/>
+    </p:ext>
+  </p:extLst>
 </p:presentation>
 </file>
 
@@ -257,7 +265,7 @@
           <a:p>
             <a:fld id="{2C6B8C16-DC2C-4054-986C-3B7F238C339C}" type="datetimeFigureOut">
               <a:rPr lang="zh-CN" altLang="en-US" smtClean="0"/>
-              <a:t>2022/3/1</a:t>
+              <a:t>2022/3/9</a:t>
             </a:fld>
             <a:endParaRPr lang="zh-CN" altLang="en-US"/>
           </a:p>
@@ -455,7 +463,7 @@
           <a:p>
             <a:fld id="{2C6B8C16-DC2C-4054-986C-3B7F238C339C}" type="datetimeFigureOut">
               <a:rPr lang="zh-CN" altLang="en-US" smtClean="0"/>
-              <a:t>2022/3/1</a:t>
+              <a:t>2022/3/9</a:t>
             </a:fld>
             <a:endParaRPr lang="zh-CN" altLang="en-US"/>
           </a:p>
@@ -663,7 +671,7 @@
           <a:p>
             <a:fld id="{2C6B8C16-DC2C-4054-986C-3B7F238C339C}" type="datetimeFigureOut">
               <a:rPr lang="zh-CN" altLang="en-US" smtClean="0"/>
-              <a:t>2022/3/1</a:t>
+              <a:t>2022/3/9</a:t>
             </a:fld>
             <a:endParaRPr lang="zh-CN" altLang="en-US"/>
           </a:p>
@@ -861,7 +869,7 @@
           <a:p>
             <a:fld id="{2C6B8C16-DC2C-4054-986C-3B7F238C339C}" type="datetimeFigureOut">
               <a:rPr lang="zh-CN" altLang="en-US" smtClean="0"/>
-              <a:t>2022/3/1</a:t>
+              <a:t>2022/3/9</a:t>
             </a:fld>
             <a:endParaRPr lang="zh-CN" altLang="en-US"/>
           </a:p>
@@ -1136,7 +1144,7 @@
           <a:p>
             <a:fld id="{2C6B8C16-DC2C-4054-986C-3B7F238C339C}" type="datetimeFigureOut">
               <a:rPr lang="zh-CN" altLang="en-US" smtClean="0"/>
-              <a:t>2022/3/1</a:t>
+              <a:t>2022/3/9</a:t>
             </a:fld>
             <a:endParaRPr lang="zh-CN" altLang="en-US"/>
           </a:p>
@@ -1401,7 +1409,7 @@
           <a:p>
             <a:fld id="{2C6B8C16-DC2C-4054-986C-3B7F238C339C}" type="datetimeFigureOut">
               <a:rPr lang="zh-CN" altLang="en-US" smtClean="0"/>
-              <a:t>2022/3/1</a:t>
+              <a:t>2022/3/9</a:t>
             </a:fld>
             <a:endParaRPr lang="zh-CN" altLang="en-US"/>
           </a:p>
@@ -1813,7 +1821,7 @@
           <a:p>
             <a:fld id="{2C6B8C16-DC2C-4054-986C-3B7F238C339C}" type="datetimeFigureOut">
               <a:rPr lang="zh-CN" altLang="en-US" smtClean="0"/>
-              <a:t>2022/3/1</a:t>
+              <a:t>2022/3/9</a:t>
             </a:fld>
             <a:endParaRPr lang="zh-CN" altLang="en-US"/>
           </a:p>
@@ -1954,7 +1962,7 @@
           <a:p>
             <a:fld id="{2C6B8C16-DC2C-4054-986C-3B7F238C339C}" type="datetimeFigureOut">
               <a:rPr lang="zh-CN" altLang="en-US" smtClean="0"/>
-              <a:t>2022/3/1</a:t>
+              <a:t>2022/3/9</a:t>
             </a:fld>
             <a:endParaRPr lang="zh-CN" altLang="en-US"/>
           </a:p>
@@ -2067,7 +2075,7 @@
           <a:p>
             <a:fld id="{2C6B8C16-DC2C-4054-986C-3B7F238C339C}" type="datetimeFigureOut">
               <a:rPr lang="zh-CN" altLang="en-US" smtClean="0"/>
-              <a:t>2022/3/1</a:t>
+              <a:t>2022/3/9</a:t>
             </a:fld>
             <a:endParaRPr lang="zh-CN" altLang="en-US"/>
           </a:p>
@@ -2378,7 +2386,7 @@
           <a:p>
             <a:fld id="{2C6B8C16-DC2C-4054-986C-3B7F238C339C}" type="datetimeFigureOut">
               <a:rPr lang="zh-CN" altLang="en-US" smtClean="0"/>
-              <a:t>2022/3/1</a:t>
+              <a:t>2022/3/9</a:t>
             </a:fld>
             <a:endParaRPr lang="zh-CN" altLang="en-US"/>
           </a:p>
@@ -2666,7 +2674,7 @@
           <a:p>
             <a:fld id="{2C6B8C16-DC2C-4054-986C-3B7F238C339C}" type="datetimeFigureOut">
               <a:rPr lang="zh-CN" altLang="en-US" smtClean="0"/>
-              <a:t>2022/3/1</a:t>
+              <a:t>2022/3/9</a:t>
             </a:fld>
             <a:endParaRPr lang="zh-CN" altLang="en-US"/>
           </a:p>
@@ -2907,7 +2915,7 @@
           <a:p>
             <a:fld id="{2C6B8C16-DC2C-4054-986C-3B7F238C339C}" type="datetimeFigureOut">
               <a:rPr lang="zh-CN" altLang="en-US" smtClean="0"/>
-              <a:t>2022/3/1</a:t>
+              <a:t>2022/3/9</a:t>
             </a:fld>
             <a:endParaRPr lang="zh-CN" altLang="en-US"/>
           </a:p>
@@ -7129,6 +7137,4166 @@
 </p:sld>
 </file>
 
+<file path=ppt/slides/slide5.xml><?xml version="1.0" encoding="utf-8"?>
+<p:sld xmlns:a="http://schemas.openxmlformats.org/drawingml/2006/main" xmlns:r="http://schemas.openxmlformats.org/officeDocument/2006/relationships" xmlns:p="http://schemas.openxmlformats.org/presentationml/2006/main">
+  <p:cSld>
+    <p:spTree>
+      <p:nvGrpSpPr>
+        <p:cNvPr id="1" name=""/>
+        <p:cNvGrpSpPr/>
+        <p:nvPr/>
+      </p:nvGrpSpPr>
+      <p:grpSpPr>
+        <a:xfrm>
+          <a:off x="0" y="0"/>
+          <a:ext cx="0" cy="0"/>
+          <a:chOff x="0" y="0"/>
+          <a:chExt cx="0" cy="0"/>
+        </a:xfrm>
+      </p:grpSpPr>
+      <p:sp>
+        <p:nvSpPr>
+          <p:cNvPr id="4" name="椭圆 3">
+            <a:extLst>
+              <a:ext uri="{FF2B5EF4-FFF2-40B4-BE49-F238E27FC236}">
+                <a16:creationId xmlns:a16="http://schemas.microsoft.com/office/drawing/2014/main" id="{9FC5BAF5-B216-492A-9E06-191CECFE4BDB}"/>
+              </a:ext>
+            </a:extLst>
+          </p:cNvPr>
+          <p:cNvSpPr/>
+          <p:nvPr/>
+        </p:nvSpPr>
+        <p:spPr>
+          <a:xfrm>
+            <a:off x="5046294" y="4909400"/>
+            <a:ext cx="722812" cy="722812"/>
+          </a:xfrm>
+          <a:prstGeom prst="ellipse">
+            <a:avLst/>
+          </a:prstGeom>
+        </p:spPr>
+        <p:style>
+          <a:lnRef idx="2">
+            <a:schemeClr val="accent1">
+              <a:shade val="50000"/>
+            </a:schemeClr>
+          </a:lnRef>
+          <a:fillRef idx="1">
+            <a:schemeClr val="accent1"/>
+          </a:fillRef>
+          <a:effectRef idx="0">
+            <a:schemeClr val="accent1"/>
+          </a:effectRef>
+          <a:fontRef idx="minor">
+            <a:schemeClr val="lt1"/>
+          </a:fontRef>
+        </p:style>
+        <p:txBody>
+          <a:bodyPr rtlCol="0" anchor="ctr"/>
+          <a:lstStyle/>
+          <a:p>
+            <a:pPr algn="ctr"/>
+            <a:r>
+              <a:rPr lang="en-US" altLang="zh-CN" dirty="0"/>
+              <a:t>20</a:t>
+            </a:r>
+            <a:endParaRPr lang="zh-CN" altLang="en-US" dirty="0"/>
+          </a:p>
+        </p:txBody>
+      </p:sp>
+      <p:sp>
+        <p:nvSpPr>
+          <p:cNvPr id="5" name="椭圆 4">
+            <a:extLst>
+              <a:ext uri="{FF2B5EF4-FFF2-40B4-BE49-F238E27FC236}">
+                <a16:creationId xmlns:a16="http://schemas.microsoft.com/office/drawing/2014/main" id="{BC739FC5-7537-4E4F-AF06-ECDD15A0C309}"/>
+              </a:ext>
+            </a:extLst>
+          </p:cNvPr>
+          <p:cNvSpPr/>
+          <p:nvPr/>
+        </p:nvSpPr>
+        <p:spPr>
+          <a:xfrm>
+            <a:off x="4246704" y="1047751"/>
+            <a:ext cx="722812" cy="722812"/>
+          </a:xfrm>
+          <a:prstGeom prst="ellipse">
+            <a:avLst/>
+          </a:prstGeom>
+        </p:spPr>
+        <p:style>
+          <a:lnRef idx="2">
+            <a:schemeClr val="accent1">
+              <a:shade val="50000"/>
+            </a:schemeClr>
+          </a:lnRef>
+          <a:fillRef idx="1">
+            <a:schemeClr val="accent1"/>
+          </a:fillRef>
+          <a:effectRef idx="0">
+            <a:schemeClr val="accent1"/>
+          </a:effectRef>
+          <a:fontRef idx="minor">
+            <a:schemeClr val="lt1"/>
+          </a:fontRef>
+        </p:style>
+        <p:txBody>
+          <a:bodyPr rtlCol="0" anchor="ctr"/>
+          <a:lstStyle/>
+          <a:p>
+            <a:pPr algn="ctr"/>
+            <a:r>
+              <a:rPr lang="en-US" altLang="zh-CN" dirty="0"/>
+              <a:t>12</a:t>
+            </a:r>
+            <a:endParaRPr lang="zh-CN" altLang="en-US" dirty="0"/>
+          </a:p>
+        </p:txBody>
+      </p:sp>
+      <p:sp>
+        <p:nvSpPr>
+          <p:cNvPr id="6" name="椭圆 5">
+            <a:extLst>
+              <a:ext uri="{FF2B5EF4-FFF2-40B4-BE49-F238E27FC236}">
+                <a16:creationId xmlns:a16="http://schemas.microsoft.com/office/drawing/2014/main" id="{49C94D06-607D-4472-85A4-FE125617D4E2}"/>
+              </a:ext>
+            </a:extLst>
+          </p:cNvPr>
+          <p:cNvSpPr/>
+          <p:nvPr/>
+        </p:nvSpPr>
+        <p:spPr>
+          <a:xfrm>
+            <a:off x="4311525" y="3518674"/>
+            <a:ext cx="722812" cy="722812"/>
+          </a:xfrm>
+          <a:prstGeom prst="ellipse">
+            <a:avLst/>
+          </a:prstGeom>
+        </p:spPr>
+        <p:style>
+          <a:lnRef idx="2">
+            <a:schemeClr val="accent1">
+              <a:shade val="50000"/>
+            </a:schemeClr>
+          </a:lnRef>
+          <a:fillRef idx="1">
+            <a:schemeClr val="accent1"/>
+          </a:fillRef>
+          <a:effectRef idx="0">
+            <a:schemeClr val="accent1"/>
+          </a:effectRef>
+          <a:fontRef idx="minor">
+            <a:schemeClr val="lt1"/>
+          </a:fontRef>
+        </p:style>
+        <p:txBody>
+          <a:bodyPr rtlCol="0" anchor="ctr"/>
+          <a:lstStyle/>
+          <a:p>
+            <a:pPr algn="ctr"/>
+            <a:r>
+              <a:rPr lang="en-US" altLang="zh-CN" dirty="0"/>
+              <a:t>13</a:t>
+            </a:r>
+            <a:endParaRPr lang="zh-CN" altLang="en-US" dirty="0"/>
+          </a:p>
+        </p:txBody>
+      </p:sp>
+      <p:sp>
+        <p:nvSpPr>
+          <p:cNvPr id="7" name="椭圆 6">
+            <a:extLst>
+              <a:ext uri="{FF2B5EF4-FFF2-40B4-BE49-F238E27FC236}">
+                <a16:creationId xmlns:a16="http://schemas.microsoft.com/office/drawing/2014/main" id="{AEA913B0-5AF1-47F6-B99F-7CAF31098451}"/>
+              </a:ext>
+            </a:extLst>
+          </p:cNvPr>
+          <p:cNvSpPr/>
+          <p:nvPr/>
+        </p:nvSpPr>
+        <p:spPr>
+          <a:xfrm>
+            <a:off x="5935675" y="3518674"/>
+            <a:ext cx="722812" cy="722812"/>
+          </a:xfrm>
+          <a:prstGeom prst="ellipse">
+            <a:avLst/>
+          </a:prstGeom>
+        </p:spPr>
+        <p:style>
+          <a:lnRef idx="2">
+            <a:schemeClr val="accent1">
+              <a:shade val="50000"/>
+            </a:schemeClr>
+          </a:lnRef>
+          <a:fillRef idx="1">
+            <a:schemeClr val="accent1"/>
+          </a:fillRef>
+          <a:effectRef idx="0">
+            <a:schemeClr val="accent1"/>
+          </a:effectRef>
+          <a:fontRef idx="minor">
+            <a:schemeClr val="lt1"/>
+          </a:fontRef>
+        </p:style>
+        <p:txBody>
+          <a:bodyPr rtlCol="0" anchor="ctr"/>
+          <a:lstStyle/>
+          <a:p>
+            <a:pPr algn="ctr"/>
+            <a:r>
+              <a:rPr lang="en-US" altLang="zh-CN" dirty="0"/>
+              <a:t>35</a:t>
+            </a:r>
+            <a:endParaRPr lang="zh-CN" altLang="en-US" dirty="0"/>
+          </a:p>
+        </p:txBody>
+      </p:sp>
+      <p:sp>
+        <p:nvSpPr>
+          <p:cNvPr id="9" name="椭圆 8">
+            <a:extLst>
+              <a:ext uri="{FF2B5EF4-FFF2-40B4-BE49-F238E27FC236}">
+                <a16:creationId xmlns:a16="http://schemas.microsoft.com/office/drawing/2014/main" id="{E2AE1198-C9E2-4EF7-A21F-856493699047}"/>
+              </a:ext>
+            </a:extLst>
+          </p:cNvPr>
+          <p:cNvSpPr/>
+          <p:nvPr/>
+        </p:nvSpPr>
+        <p:spPr>
+          <a:xfrm>
+            <a:off x="5017992" y="2148605"/>
+            <a:ext cx="722812" cy="722812"/>
+          </a:xfrm>
+          <a:prstGeom prst="ellipse">
+            <a:avLst/>
+          </a:prstGeom>
+        </p:spPr>
+        <p:style>
+          <a:lnRef idx="2">
+            <a:schemeClr val="accent1">
+              <a:shade val="50000"/>
+            </a:schemeClr>
+          </a:lnRef>
+          <a:fillRef idx="1">
+            <a:schemeClr val="accent1"/>
+          </a:fillRef>
+          <a:effectRef idx="0">
+            <a:schemeClr val="accent1"/>
+          </a:effectRef>
+          <a:fontRef idx="minor">
+            <a:schemeClr val="lt1"/>
+          </a:fontRef>
+        </p:style>
+        <p:txBody>
+          <a:bodyPr rtlCol="0" anchor="ctr"/>
+          <a:lstStyle/>
+          <a:p>
+            <a:pPr algn="ctr"/>
+            <a:r>
+              <a:rPr lang="en-US" altLang="zh-CN" dirty="0"/>
+              <a:t>15</a:t>
+            </a:r>
+            <a:endParaRPr lang="zh-CN" altLang="en-US" dirty="0"/>
+          </a:p>
+        </p:txBody>
+      </p:sp>
+      <p:sp>
+        <p:nvSpPr>
+          <p:cNvPr id="10" name="椭圆 9">
+            <a:extLst>
+              <a:ext uri="{FF2B5EF4-FFF2-40B4-BE49-F238E27FC236}">
+                <a16:creationId xmlns:a16="http://schemas.microsoft.com/office/drawing/2014/main" id="{0E5998B5-4E42-4460-ADD1-D2EB0EF47293}"/>
+              </a:ext>
+            </a:extLst>
+          </p:cNvPr>
+          <p:cNvSpPr/>
+          <p:nvPr/>
+        </p:nvSpPr>
+        <p:spPr>
+          <a:xfrm>
+            <a:off x="3333160" y="2148605"/>
+            <a:ext cx="722812" cy="722812"/>
+          </a:xfrm>
+          <a:prstGeom prst="ellipse">
+            <a:avLst/>
+          </a:prstGeom>
+        </p:spPr>
+        <p:style>
+          <a:lnRef idx="2">
+            <a:schemeClr val="accent1">
+              <a:shade val="50000"/>
+            </a:schemeClr>
+          </a:lnRef>
+          <a:fillRef idx="1">
+            <a:schemeClr val="accent1"/>
+          </a:fillRef>
+          <a:effectRef idx="0">
+            <a:schemeClr val="accent1"/>
+          </a:effectRef>
+          <a:fontRef idx="minor">
+            <a:schemeClr val="lt1"/>
+          </a:fontRef>
+        </p:style>
+        <p:txBody>
+          <a:bodyPr rtlCol="0" anchor="ctr"/>
+          <a:lstStyle/>
+          <a:p>
+            <a:pPr algn="ctr"/>
+            <a:r>
+              <a:rPr lang="en-US" altLang="zh-CN" dirty="0"/>
+              <a:t>7</a:t>
+            </a:r>
+            <a:endParaRPr lang="zh-CN" altLang="en-US" dirty="0"/>
+          </a:p>
+        </p:txBody>
+      </p:sp>
+      <p:cxnSp>
+        <p:nvCxnSpPr>
+          <p:cNvPr id="12" name="直接连接符 11">
+            <a:extLst>
+              <a:ext uri="{FF2B5EF4-FFF2-40B4-BE49-F238E27FC236}">
+                <a16:creationId xmlns:a16="http://schemas.microsoft.com/office/drawing/2014/main" id="{9DAEBAB3-62B8-4C4F-AD31-581C8426A633}"/>
+              </a:ext>
+            </a:extLst>
+          </p:cNvPr>
+          <p:cNvCxnSpPr>
+            <a:cxnSpLocks/>
+            <a:stCxn id="5" idx="3"/>
+            <a:endCxn id="10" idx="7"/>
+          </p:cNvCxnSpPr>
+          <p:nvPr/>
+        </p:nvCxnSpPr>
+        <p:spPr>
+          <a:xfrm flipH="1">
+            <a:off x="3950119" y="1664710"/>
+            <a:ext cx="402438" cy="589748"/>
+          </a:xfrm>
+          <a:prstGeom prst="line">
+            <a:avLst/>
+          </a:prstGeom>
+          <a:ln w="28575"/>
+        </p:spPr>
+        <p:style>
+          <a:lnRef idx="1">
+            <a:schemeClr val="accent1"/>
+          </a:lnRef>
+          <a:fillRef idx="0">
+            <a:schemeClr val="accent1"/>
+          </a:fillRef>
+          <a:effectRef idx="0">
+            <a:schemeClr val="accent1"/>
+          </a:effectRef>
+          <a:fontRef idx="minor">
+            <a:schemeClr val="tx1"/>
+          </a:fontRef>
+        </p:style>
+      </p:cxnSp>
+      <p:cxnSp>
+        <p:nvCxnSpPr>
+          <p:cNvPr id="14" name="直接连接符 13">
+            <a:extLst>
+              <a:ext uri="{FF2B5EF4-FFF2-40B4-BE49-F238E27FC236}">
+                <a16:creationId xmlns:a16="http://schemas.microsoft.com/office/drawing/2014/main" id="{1465CB55-F576-41F9-922E-F88D994260A5}"/>
+              </a:ext>
+            </a:extLst>
+          </p:cNvPr>
+          <p:cNvCxnSpPr>
+            <a:cxnSpLocks/>
+            <a:stCxn id="5" idx="5"/>
+            <a:endCxn id="9" idx="1"/>
+          </p:cNvCxnSpPr>
+          <p:nvPr/>
+        </p:nvCxnSpPr>
+        <p:spPr>
+          <a:xfrm>
+            <a:off x="4863663" y="1664710"/>
+            <a:ext cx="260182" cy="589748"/>
+          </a:xfrm>
+          <a:prstGeom prst="line">
+            <a:avLst/>
+          </a:prstGeom>
+          <a:ln w="28575"/>
+        </p:spPr>
+        <p:style>
+          <a:lnRef idx="1">
+            <a:schemeClr val="accent1"/>
+          </a:lnRef>
+          <a:fillRef idx="0">
+            <a:schemeClr val="accent1"/>
+          </a:fillRef>
+          <a:effectRef idx="0">
+            <a:schemeClr val="accent1"/>
+          </a:effectRef>
+          <a:fontRef idx="minor">
+            <a:schemeClr val="tx1"/>
+          </a:fontRef>
+        </p:style>
+      </p:cxnSp>
+      <p:cxnSp>
+        <p:nvCxnSpPr>
+          <p:cNvPr id="20" name="直接连接符 19">
+            <a:extLst>
+              <a:ext uri="{FF2B5EF4-FFF2-40B4-BE49-F238E27FC236}">
+                <a16:creationId xmlns:a16="http://schemas.microsoft.com/office/drawing/2014/main" id="{E208921C-FEBF-4144-B5EF-5F8D6FE2E4B2}"/>
+              </a:ext>
+            </a:extLst>
+          </p:cNvPr>
+          <p:cNvCxnSpPr>
+            <a:cxnSpLocks/>
+            <a:endCxn id="6" idx="0"/>
+          </p:cNvCxnSpPr>
+          <p:nvPr/>
+        </p:nvCxnSpPr>
+        <p:spPr>
+          <a:xfrm flipH="1">
+            <a:off x="4672931" y="2703074"/>
+            <a:ext cx="467259" cy="815600"/>
+          </a:xfrm>
+          <a:prstGeom prst="line">
+            <a:avLst/>
+          </a:prstGeom>
+          <a:ln w="28575"/>
+        </p:spPr>
+        <p:style>
+          <a:lnRef idx="1">
+            <a:schemeClr val="accent1"/>
+          </a:lnRef>
+          <a:fillRef idx="0">
+            <a:schemeClr val="accent1"/>
+          </a:fillRef>
+          <a:effectRef idx="0">
+            <a:schemeClr val="accent1"/>
+          </a:effectRef>
+          <a:fontRef idx="minor">
+            <a:schemeClr val="tx1"/>
+          </a:fontRef>
+        </p:style>
+      </p:cxnSp>
+      <p:cxnSp>
+        <p:nvCxnSpPr>
+          <p:cNvPr id="23" name="直接连接符 22">
+            <a:extLst>
+              <a:ext uri="{FF2B5EF4-FFF2-40B4-BE49-F238E27FC236}">
+                <a16:creationId xmlns:a16="http://schemas.microsoft.com/office/drawing/2014/main" id="{5CED9F59-6E79-48AC-9F86-772D974ADA70}"/>
+              </a:ext>
+            </a:extLst>
+          </p:cNvPr>
+          <p:cNvCxnSpPr>
+            <a:cxnSpLocks/>
+            <a:endCxn id="7" idx="0"/>
+          </p:cNvCxnSpPr>
+          <p:nvPr/>
+        </p:nvCxnSpPr>
+        <p:spPr>
+          <a:xfrm>
+            <a:off x="5651296" y="2703074"/>
+            <a:ext cx="645785" cy="815600"/>
+          </a:xfrm>
+          <a:prstGeom prst="line">
+            <a:avLst/>
+          </a:prstGeom>
+          <a:ln w="28575"/>
+        </p:spPr>
+        <p:style>
+          <a:lnRef idx="1">
+            <a:schemeClr val="accent1"/>
+          </a:lnRef>
+          <a:fillRef idx="0">
+            <a:schemeClr val="accent1"/>
+          </a:fillRef>
+          <a:effectRef idx="0">
+            <a:schemeClr val="accent1"/>
+          </a:effectRef>
+          <a:fontRef idx="minor">
+            <a:schemeClr val="tx1"/>
+          </a:fontRef>
+        </p:style>
+      </p:cxnSp>
+      <p:cxnSp>
+        <p:nvCxnSpPr>
+          <p:cNvPr id="26" name="直接连接符 25">
+            <a:extLst>
+              <a:ext uri="{FF2B5EF4-FFF2-40B4-BE49-F238E27FC236}">
+                <a16:creationId xmlns:a16="http://schemas.microsoft.com/office/drawing/2014/main" id="{B51AF569-9669-4E56-A639-3BB1255943E1}"/>
+              </a:ext>
+            </a:extLst>
+          </p:cNvPr>
+          <p:cNvCxnSpPr>
+            <a:cxnSpLocks/>
+            <a:stCxn id="7" idx="4"/>
+            <a:endCxn id="4" idx="7"/>
+          </p:cNvCxnSpPr>
+          <p:nvPr/>
+        </p:nvCxnSpPr>
+        <p:spPr>
+          <a:xfrm flipH="1">
+            <a:off x="5663253" y="4241486"/>
+            <a:ext cx="633828" cy="773767"/>
+          </a:xfrm>
+          <a:prstGeom prst="line">
+            <a:avLst/>
+          </a:prstGeom>
+          <a:ln w="28575"/>
+        </p:spPr>
+        <p:style>
+          <a:lnRef idx="1">
+            <a:schemeClr val="accent1"/>
+          </a:lnRef>
+          <a:fillRef idx="0">
+            <a:schemeClr val="accent1"/>
+          </a:fillRef>
+          <a:effectRef idx="0">
+            <a:schemeClr val="accent1"/>
+          </a:effectRef>
+          <a:fontRef idx="minor">
+            <a:schemeClr val="tx1"/>
+          </a:fontRef>
+        </p:style>
+      </p:cxnSp>
+      <p:sp>
+        <p:nvSpPr>
+          <p:cNvPr id="30" name="文本框 29">
+            <a:extLst>
+              <a:ext uri="{FF2B5EF4-FFF2-40B4-BE49-F238E27FC236}">
+                <a16:creationId xmlns:a16="http://schemas.microsoft.com/office/drawing/2014/main" id="{71ABB8A5-A757-4018-A8B6-5F1B54B26F7C}"/>
+              </a:ext>
+            </a:extLst>
+          </p:cNvPr>
+          <p:cNvSpPr txBox="1"/>
+          <p:nvPr/>
+        </p:nvSpPr>
+        <p:spPr>
+          <a:xfrm>
+            <a:off x="2049585" y="1047751"/>
+            <a:ext cx="2006387" cy="461665"/>
+          </a:xfrm>
+          <a:prstGeom prst="rect">
+            <a:avLst/>
+          </a:prstGeom>
+          <a:noFill/>
+        </p:spPr>
+        <p:txBody>
+          <a:bodyPr wrap="square">
+            <a:spAutoFit/>
+          </a:bodyPr>
+          <a:lstStyle/>
+          <a:p>
+            <a:pPr marL="0" marR="0"/>
+            <a:r>
+              <a:rPr lang="zh-CN" altLang="en-US" sz="2400" b="1" dirty="0">
+                <a:effectLst/>
+              </a:rPr>
+              <a:t>二叉搜索树</a:t>
+            </a:r>
+          </a:p>
+        </p:txBody>
+      </p:sp>
+      <p:sp>
+        <p:nvSpPr>
+          <p:cNvPr id="16" name="文本框 15">
+            <a:extLst>
+              <a:ext uri="{FF2B5EF4-FFF2-40B4-BE49-F238E27FC236}">
+                <a16:creationId xmlns:a16="http://schemas.microsoft.com/office/drawing/2014/main" id="{5DD850E7-FA75-4A63-BC09-EA87D3CACD75}"/>
+              </a:ext>
+            </a:extLst>
+          </p:cNvPr>
+          <p:cNvSpPr txBox="1"/>
+          <p:nvPr/>
+        </p:nvSpPr>
+        <p:spPr>
+          <a:xfrm>
+            <a:off x="5278174" y="1186807"/>
+            <a:ext cx="3049326" cy="1107996"/>
+          </a:xfrm>
+          <a:prstGeom prst="rect">
+            <a:avLst/>
+          </a:prstGeom>
+          <a:noFill/>
+        </p:spPr>
+        <p:txBody>
+          <a:bodyPr wrap="square" rtlCol="0">
+            <a:spAutoFit/>
+          </a:bodyPr>
+          <a:lstStyle/>
+          <a:p>
+            <a:r>
+              <a:rPr lang="zh-CN" altLang="en-US" sz="1600" dirty="0">
+                <a:effectLst/>
+              </a:rPr>
+              <a:t>有排序的效果，左子树的节点都比当前节点小，右子树的节点都比当前节点大</a:t>
+            </a:r>
+          </a:p>
+          <a:p>
+            <a:endParaRPr lang="zh-CN" altLang="en-US" dirty="0"/>
+          </a:p>
+        </p:txBody>
+      </p:sp>
+    </p:spTree>
+    <p:extLst>
+      <p:ext uri="{BB962C8B-B14F-4D97-AF65-F5344CB8AC3E}">
+        <p14:creationId xmlns:p14="http://schemas.microsoft.com/office/powerpoint/2010/main" val="1443173139"/>
+      </p:ext>
+    </p:extLst>
+  </p:cSld>
+  <p:clrMapOvr>
+    <a:masterClrMapping/>
+  </p:clrMapOvr>
+</p:sld>
+</file>
+
+<file path=ppt/slides/slide6.xml><?xml version="1.0" encoding="utf-8"?>
+<p:sld xmlns:a="http://schemas.openxmlformats.org/drawingml/2006/main" xmlns:r="http://schemas.openxmlformats.org/officeDocument/2006/relationships" xmlns:p="http://schemas.openxmlformats.org/presentationml/2006/main">
+  <p:cSld>
+    <p:spTree>
+      <p:nvGrpSpPr>
+        <p:cNvPr id="1" name=""/>
+        <p:cNvGrpSpPr/>
+        <p:nvPr/>
+      </p:nvGrpSpPr>
+      <p:grpSpPr>
+        <a:xfrm>
+          <a:off x="0" y="0"/>
+          <a:ext cx="0" cy="0"/>
+          <a:chOff x="0" y="0"/>
+          <a:chExt cx="0" cy="0"/>
+        </a:xfrm>
+      </p:grpSpPr>
+      <p:sp>
+        <p:nvSpPr>
+          <p:cNvPr id="4" name="椭圆 3">
+            <a:extLst>
+              <a:ext uri="{FF2B5EF4-FFF2-40B4-BE49-F238E27FC236}">
+                <a16:creationId xmlns:a16="http://schemas.microsoft.com/office/drawing/2014/main" id="{9FC5BAF5-B216-492A-9E06-191CECFE4BDB}"/>
+              </a:ext>
+            </a:extLst>
+          </p:cNvPr>
+          <p:cNvSpPr/>
+          <p:nvPr/>
+        </p:nvSpPr>
+        <p:spPr>
+          <a:xfrm>
+            <a:off x="2795908" y="4435199"/>
+            <a:ext cx="722812" cy="722812"/>
+          </a:xfrm>
+          <a:prstGeom prst="ellipse">
+            <a:avLst/>
+          </a:prstGeom>
+        </p:spPr>
+        <p:style>
+          <a:lnRef idx="2">
+            <a:schemeClr val="accent1">
+              <a:shade val="50000"/>
+            </a:schemeClr>
+          </a:lnRef>
+          <a:fillRef idx="1">
+            <a:schemeClr val="accent1"/>
+          </a:fillRef>
+          <a:effectRef idx="0">
+            <a:schemeClr val="accent1"/>
+          </a:effectRef>
+          <a:fontRef idx="minor">
+            <a:schemeClr val="lt1"/>
+          </a:fontRef>
+        </p:style>
+        <p:txBody>
+          <a:bodyPr rtlCol="0" anchor="ctr"/>
+          <a:lstStyle/>
+          <a:p>
+            <a:pPr algn="ctr"/>
+            <a:r>
+              <a:rPr lang="en-US" altLang="zh-CN" dirty="0"/>
+              <a:t>H</a:t>
+            </a:r>
+            <a:endParaRPr lang="zh-CN" altLang="en-US" dirty="0"/>
+          </a:p>
+        </p:txBody>
+      </p:sp>
+      <p:sp>
+        <p:nvSpPr>
+          <p:cNvPr id="5" name="椭圆 4">
+            <a:extLst>
+              <a:ext uri="{FF2B5EF4-FFF2-40B4-BE49-F238E27FC236}">
+                <a16:creationId xmlns:a16="http://schemas.microsoft.com/office/drawing/2014/main" id="{BC739FC5-7537-4E4F-AF06-ECDD15A0C309}"/>
+              </a:ext>
+            </a:extLst>
+          </p:cNvPr>
+          <p:cNvSpPr/>
+          <p:nvPr/>
+        </p:nvSpPr>
+        <p:spPr>
+          <a:xfrm>
+            <a:off x="4246704" y="1047751"/>
+            <a:ext cx="722812" cy="722812"/>
+          </a:xfrm>
+          <a:prstGeom prst="ellipse">
+            <a:avLst/>
+          </a:prstGeom>
+        </p:spPr>
+        <p:style>
+          <a:lnRef idx="2">
+            <a:schemeClr val="accent1">
+              <a:shade val="50000"/>
+            </a:schemeClr>
+          </a:lnRef>
+          <a:fillRef idx="1">
+            <a:schemeClr val="accent1"/>
+          </a:fillRef>
+          <a:effectRef idx="0">
+            <a:schemeClr val="accent1"/>
+          </a:effectRef>
+          <a:fontRef idx="minor">
+            <a:schemeClr val="lt1"/>
+          </a:fontRef>
+        </p:style>
+        <p:txBody>
+          <a:bodyPr rtlCol="0" anchor="ctr"/>
+          <a:lstStyle/>
+          <a:p>
+            <a:pPr algn="ctr"/>
+            <a:r>
+              <a:rPr lang="en-US" altLang="zh-CN" dirty="0"/>
+              <a:t>A</a:t>
+            </a:r>
+            <a:endParaRPr lang="zh-CN" altLang="en-US" dirty="0"/>
+          </a:p>
+        </p:txBody>
+      </p:sp>
+      <p:sp>
+        <p:nvSpPr>
+          <p:cNvPr id="6" name="椭圆 5">
+            <a:extLst>
+              <a:ext uri="{FF2B5EF4-FFF2-40B4-BE49-F238E27FC236}">
+                <a16:creationId xmlns:a16="http://schemas.microsoft.com/office/drawing/2014/main" id="{49C94D06-607D-4472-85A4-FE125617D4E2}"/>
+              </a:ext>
+            </a:extLst>
+          </p:cNvPr>
+          <p:cNvSpPr/>
+          <p:nvPr/>
+        </p:nvSpPr>
+        <p:spPr>
+          <a:xfrm>
+            <a:off x="5633953" y="3350331"/>
+            <a:ext cx="722812" cy="722812"/>
+          </a:xfrm>
+          <a:prstGeom prst="ellipse">
+            <a:avLst/>
+          </a:prstGeom>
+        </p:spPr>
+        <p:style>
+          <a:lnRef idx="2">
+            <a:schemeClr val="accent1">
+              <a:shade val="50000"/>
+            </a:schemeClr>
+          </a:lnRef>
+          <a:fillRef idx="1">
+            <a:schemeClr val="accent1"/>
+          </a:fillRef>
+          <a:effectRef idx="0">
+            <a:schemeClr val="accent1"/>
+          </a:effectRef>
+          <a:fontRef idx="minor">
+            <a:schemeClr val="lt1"/>
+          </a:fontRef>
+        </p:style>
+        <p:txBody>
+          <a:bodyPr rtlCol="0" anchor="ctr"/>
+          <a:lstStyle/>
+          <a:p>
+            <a:pPr algn="ctr"/>
+            <a:r>
+              <a:rPr lang="en-US" altLang="zh-CN" dirty="0"/>
+              <a:t>F</a:t>
+            </a:r>
+            <a:endParaRPr lang="zh-CN" altLang="en-US" dirty="0"/>
+          </a:p>
+        </p:txBody>
+      </p:sp>
+      <p:sp>
+        <p:nvSpPr>
+          <p:cNvPr id="7" name="椭圆 6">
+            <a:extLst>
+              <a:ext uri="{FF2B5EF4-FFF2-40B4-BE49-F238E27FC236}">
+                <a16:creationId xmlns:a16="http://schemas.microsoft.com/office/drawing/2014/main" id="{AEA913B0-5AF1-47F6-B99F-7CAF31098451}"/>
+              </a:ext>
+            </a:extLst>
+          </p:cNvPr>
+          <p:cNvSpPr/>
+          <p:nvPr/>
+        </p:nvSpPr>
+        <p:spPr>
+          <a:xfrm>
+            <a:off x="7258103" y="3350331"/>
+            <a:ext cx="722812" cy="722812"/>
+          </a:xfrm>
+          <a:prstGeom prst="ellipse">
+            <a:avLst/>
+          </a:prstGeom>
+        </p:spPr>
+        <p:style>
+          <a:lnRef idx="2">
+            <a:schemeClr val="accent1">
+              <a:shade val="50000"/>
+            </a:schemeClr>
+          </a:lnRef>
+          <a:fillRef idx="1">
+            <a:schemeClr val="accent1"/>
+          </a:fillRef>
+          <a:effectRef idx="0">
+            <a:schemeClr val="accent1"/>
+          </a:effectRef>
+          <a:fontRef idx="minor">
+            <a:schemeClr val="lt1"/>
+          </a:fontRef>
+        </p:style>
+        <p:txBody>
+          <a:bodyPr rtlCol="0" anchor="ctr"/>
+          <a:lstStyle/>
+          <a:p>
+            <a:pPr algn="ctr"/>
+            <a:r>
+              <a:rPr lang="en-US" altLang="zh-CN" dirty="0"/>
+              <a:t>G</a:t>
+            </a:r>
+            <a:endParaRPr lang="zh-CN" altLang="en-US" dirty="0"/>
+          </a:p>
+        </p:txBody>
+      </p:sp>
+      <p:sp>
+        <p:nvSpPr>
+          <p:cNvPr id="9" name="椭圆 8">
+            <a:extLst>
+              <a:ext uri="{FF2B5EF4-FFF2-40B4-BE49-F238E27FC236}">
+                <a16:creationId xmlns:a16="http://schemas.microsoft.com/office/drawing/2014/main" id="{E2AE1198-C9E2-4EF7-A21F-856493699047}"/>
+              </a:ext>
+            </a:extLst>
+          </p:cNvPr>
+          <p:cNvSpPr/>
+          <p:nvPr/>
+        </p:nvSpPr>
+        <p:spPr>
+          <a:xfrm>
+            <a:off x="6340420" y="1980262"/>
+            <a:ext cx="722812" cy="722812"/>
+          </a:xfrm>
+          <a:prstGeom prst="ellipse">
+            <a:avLst/>
+          </a:prstGeom>
+        </p:spPr>
+        <p:style>
+          <a:lnRef idx="2">
+            <a:schemeClr val="accent1">
+              <a:shade val="50000"/>
+            </a:schemeClr>
+          </a:lnRef>
+          <a:fillRef idx="1">
+            <a:schemeClr val="accent1"/>
+          </a:fillRef>
+          <a:effectRef idx="0">
+            <a:schemeClr val="accent1"/>
+          </a:effectRef>
+          <a:fontRef idx="minor">
+            <a:schemeClr val="lt1"/>
+          </a:fontRef>
+        </p:style>
+        <p:txBody>
+          <a:bodyPr rtlCol="0" anchor="ctr"/>
+          <a:lstStyle/>
+          <a:p>
+            <a:pPr algn="ctr"/>
+            <a:r>
+              <a:rPr lang="en-US" altLang="zh-CN" dirty="0"/>
+              <a:t>C</a:t>
+            </a:r>
+            <a:endParaRPr lang="zh-CN" altLang="en-US" dirty="0"/>
+          </a:p>
+        </p:txBody>
+      </p:sp>
+      <p:sp>
+        <p:nvSpPr>
+          <p:cNvPr id="10" name="椭圆 9">
+            <a:extLst>
+              <a:ext uri="{FF2B5EF4-FFF2-40B4-BE49-F238E27FC236}">
+                <a16:creationId xmlns:a16="http://schemas.microsoft.com/office/drawing/2014/main" id="{0E5998B5-4E42-4460-ADD1-D2EB0EF47293}"/>
+              </a:ext>
+            </a:extLst>
+          </p:cNvPr>
+          <p:cNvSpPr/>
+          <p:nvPr/>
+        </p:nvSpPr>
+        <p:spPr>
+          <a:xfrm>
+            <a:off x="2795908" y="1980262"/>
+            <a:ext cx="722812" cy="722812"/>
+          </a:xfrm>
+          <a:prstGeom prst="ellipse">
+            <a:avLst/>
+          </a:prstGeom>
+        </p:spPr>
+        <p:style>
+          <a:lnRef idx="2">
+            <a:schemeClr val="accent1">
+              <a:shade val="50000"/>
+            </a:schemeClr>
+          </a:lnRef>
+          <a:fillRef idx="1">
+            <a:schemeClr val="accent1"/>
+          </a:fillRef>
+          <a:effectRef idx="0">
+            <a:schemeClr val="accent1"/>
+          </a:effectRef>
+          <a:fontRef idx="minor">
+            <a:schemeClr val="lt1"/>
+          </a:fontRef>
+        </p:style>
+        <p:txBody>
+          <a:bodyPr rtlCol="0" anchor="ctr"/>
+          <a:lstStyle/>
+          <a:p>
+            <a:pPr algn="ctr"/>
+            <a:r>
+              <a:rPr lang="en-US" altLang="zh-CN" dirty="0"/>
+              <a:t>B</a:t>
+            </a:r>
+            <a:endParaRPr lang="zh-CN" altLang="en-US" dirty="0"/>
+          </a:p>
+        </p:txBody>
+      </p:sp>
+      <p:cxnSp>
+        <p:nvCxnSpPr>
+          <p:cNvPr id="12" name="直接连接符 11">
+            <a:extLst>
+              <a:ext uri="{FF2B5EF4-FFF2-40B4-BE49-F238E27FC236}">
+                <a16:creationId xmlns:a16="http://schemas.microsoft.com/office/drawing/2014/main" id="{9DAEBAB3-62B8-4C4F-AD31-581C8426A633}"/>
+              </a:ext>
+            </a:extLst>
+          </p:cNvPr>
+          <p:cNvCxnSpPr>
+            <a:cxnSpLocks/>
+            <a:stCxn id="5" idx="3"/>
+            <a:endCxn id="10" idx="7"/>
+          </p:cNvCxnSpPr>
+          <p:nvPr/>
+        </p:nvCxnSpPr>
+        <p:spPr>
+          <a:xfrm flipH="1">
+            <a:off x="3412867" y="1664710"/>
+            <a:ext cx="939690" cy="421405"/>
+          </a:xfrm>
+          <a:prstGeom prst="line">
+            <a:avLst/>
+          </a:prstGeom>
+          <a:ln w="28575"/>
+        </p:spPr>
+        <p:style>
+          <a:lnRef idx="1">
+            <a:schemeClr val="accent1"/>
+          </a:lnRef>
+          <a:fillRef idx="0">
+            <a:schemeClr val="accent1"/>
+          </a:fillRef>
+          <a:effectRef idx="0">
+            <a:schemeClr val="accent1"/>
+          </a:effectRef>
+          <a:fontRef idx="minor">
+            <a:schemeClr val="tx1"/>
+          </a:fontRef>
+        </p:style>
+      </p:cxnSp>
+      <p:cxnSp>
+        <p:nvCxnSpPr>
+          <p:cNvPr id="14" name="直接连接符 13">
+            <a:extLst>
+              <a:ext uri="{FF2B5EF4-FFF2-40B4-BE49-F238E27FC236}">
+                <a16:creationId xmlns:a16="http://schemas.microsoft.com/office/drawing/2014/main" id="{1465CB55-F576-41F9-922E-F88D994260A5}"/>
+              </a:ext>
+            </a:extLst>
+          </p:cNvPr>
+          <p:cNvCxnSpPr>
+            <a:cxnSpLocks/>
+            <a:stCxn id="5" idx="5"/>
+            <a:endCxn id="9" idx="1"/>
+          </p:cNvCxnSpPr>
+          <p:nvPr/>
+        </p:nvCxnSpPr>
+        <p:spPr>
+          <a:xfrm>
+            <a:off x="4863663" y="1664710"/>
+            <a:ext cx="1582610" cy="421405"/>
+          </a:xfrm>
+          <a:prstGeom prst="line">
+            <a:avLst/>
+          </a:prstGeom>
+          <a:ln w="28575"/>
+        </p:spPr>
+        <p:style>
+          <a:lnRef idx="1">
+            <a:schemeClr val="accent1"/>
+          </a:lnRef>
+          <a:fillRef idx="0">
+            <a:schemeClr val="accent1"/>
+          </a:fillRef>
+          <a:effectRef idx="0">
+            <a:schemeClr val="accent1"/>
+          </a:effectRef>
+          <a:fontRef idx="minor">
+            <a:schemeClr val="tx1"/>
+          </a:fontRef>
+        </p:style>
+      </p:cxnSp>
+      <p:cxnSp>
+        <p:nvCxnSpPr>
+          <p:cNvPr id="20" name="直接连接符 19">
+            <a:extLst>
+              <a:ext uri="{FF2B5EF4-FFF2-40B4-BE49-F238E27FC236}">
+                <a16:creationId xmlns:a16="http://schemas.microsoft.com/office/drawing/2014/main" id="{E208921C-FEBF-4144-B5EF-5F8D6FE2E4B2}"/>
+              </a:ext>
+            </a:extLst>
+          </p:cNvPr>
+          <p:cNvCxnSpPr>
+            <a:cxnSpLocks/>
+            <a:endCxn id="6" idx="0"/>
+          </p:cNvCxnSpPr>
+          <p:nvPr/>
+        </p:nvCxnSpPr>
+        <p:spPr>
+          <a:xfrm flipH="1">
+            <a:off x="5995359" y="2534731"/>
+            <a:ext cx="467259" cy="815600"/>
+          </a:xfrm>
+          <a:prstGeom prst="line">
+            <a:avLst/>
+          </a:prstGeom>
+          <a:ln w="28575"/>
+        </p:spPr>
+        <p:style>
+          <a:lnRef idx="1">
+            <a:schemeClr val="accent1"/>
+          </a:lnRef>
+          <a:fillRef idx="0">
+            <a:schemeClr val="accent1"/>
+          </a:fillRef>
+          <a:effectRef idx="0">
+            <a:schemeClr val="accent1"/>
+          </a:effectRef>
+          <a:fontRef idx="minor">
+            <a:schemeClr val="tx1"/>
+          </a:fontRef>
+        </p:style>
+      </p:cxnSp>
+      <p:cxnSp>
+        <p:nvCxnSpPr>
+          <p:cNvPr id="23" name="直接连接符 22">
+            <a:extLst>
+              <a:ext uri="{FF2B5EF4-FFF2-40B4-BE49-F238E27FC236}">
+                <a16:creationId xmlns:a16="http://schemas.microsoft.com/office/drawing/2014/main" id="{5CED9F59-6E79-48AC-9F86-772D974ADA70}"/>
+              </a:ext>
+            </a:extLst>
+          </p:cNvPr>
+          <p:cNvCxnSpPr>
+            <a:cxnSpLocks/>
+            <a:endCxn id="7" idx="0"/>
+          </p:cNvCxnSpPr>
+          <p:nvPr/>
+        </p:nvCxnSpPr>
+        <p:spPr>
+          <a:xfrm>
+            <a:off x="6973724" y="2534731"/>
+            <a:ext cx="645785" cy="815600"/>
+          </a:xfrm>
+          <a:prstGeom prst="line">
+            <a:avLst/>
+          </a:prstGeom>
+          <a:ln w="28575"/>
+        </p:spPr>
+        <p:style>
+          <a:lnRef idx="1">
+            <a:schemeClr val="accent1"/>
+          </a:lnRef>
+          <a:fillRef idx="0">
+            <a:schemeClr val="accent1"/>
+          </a:fillRef>
+          <a:effectRef idx="0">
+            <a:schemeClr val="accent1"/>
+          </a:effectRef>
+          <a:fontRef idx="minor">
+            <a:schemeClr val="tx1"/>
+          </a:fontRef>
+        </p:style>
+      </p:cxnSp>
+      <p:cxnSp>
+        <p:nvCxnSpPr>
+          <p:cNvPr id="26" name="直接连接符 25">
+            <a:extLst>
+              <a:ext uri="{FF2B5EF4-FFF2-40B4-BE49-F238E27FC236}">
+                <a16:creationId xmlns:a16="http://schemas.microsoft.com/office/drawing/2014/main" id="{B51AF569-9669-4E56-A639-3BB1255943E1}"/>
+              </a:ext>
+            </a:extLst>
+          </p:cNvPr>
+          <p:cNvCxnSpPr>
+            <a:cxnSpLocks/>
+            <a:stCxn id="15" idx="5"/>
+            <a:endCxn id="4" idx="1"/>
+          </p:cNvCxnSpPr>
+          <p:nvPr/>
+        </p:nvCxnSpPr>
+        <p:spPr>
+          <a:xfrm>
+            <a:off x="2411890" y="3877616"/>
+            <a:ext cx="489871" cy="663436"/>
+          </a:xfrm>
+          <a:prstGeom prst="line">
+            <a:avLst/>
+          </a:prstGeom>
+          <a:ln w="28575"/>
+        </p:spPr>
+        <p:style>
+          <a:lnRef idx="1">
+            <a:schemeClr val="accent1"/>
+          </a:lnRef>
+          <a:fillRef idx="0">
+            <a:schemeClr val="accent1"/>
+          </a:fillRef>
+          <a:effectRef idx="0">
+            <a:schemeClr val="accent1"/>
+          </a:effectRef>
+          <a:fontRef idx="minor">
+            <a:schemeClr val="tx1"/>
+          </a:fontRef>
+        </p:style>
+      </p:cxnSp>
+      <p:sp>
+        <p:nvSpPr>
+          <p:cNvPr id="30" name="文本框 29">
+            <a:extLst>
+              <a:ext uri="{FF2B5EF4-FFF2-40B4-BE49-F238E27FC236}">
+                <a16:creationId xmlns:a16="http://schemas.microsoft.com/office/drawing/2014/main" id="{71ABB8A5-A757-4018-A8B6-5F1B54B26F7C}"/>
+              </a:ext>
+            </a:extLst>
+          </p:cNvPr>
+          <p:cNvSpPr txBox="1"/>
+          <p:nvPr/>
+        </p:nvSpPr>
+        <p:spPr>
+          <a:xfrm>
+            <a:off x="2078024" y="979506"/>
+            <a:ext cx="2006387" cy="461665"/>
+          </a:xfrm>
+          <a:prstGeom prst="rect">
+            <a:avLst/>
+          </a:prstGeom>
+          <a:noFill/>
+        </p:spPr>
+        <p:txBody>
+          <a:bodyPr wrap="square">
+            <a:spAutoFit/>
+          </a:bodyPr>
+          <a:lstStyle/>
+          <a:p>
+            <a:pPr marL="0" marR="0"/>
+            <a:r>
+              <a:rPr lang="zh-CN" altLang="en-US" sz="2400" b="1" dirty="0">
+                <a:effectLst/>
+              </a:rPr>
+              <a:t>二叉平衡树</a:t>
+            </a:r>
+          </a:p>
+        </p:txBody>
+      </p:sp>
+      <p:sp>
+        <p:nvSpPr>
+          <p:cNvPr id="2" name="文本框 1">
+            <a:extLst>
+              <a:ext uri="{FF2B5EF4-FFF2-40B4-BE49-F238E27FC236}">
+                <a16:creationId xmlns:a16="http://schemas.microsoft.com/office/drawing/2014/main" id="{F3A032FB-F0C7-4299-8E01-0DFFF8A3A6FA}"/>
+              </a:ext>
+            </a:extLst>
+          </p:cNvPr>
+          <p:cNvSpPr txBox="1"/>
+          <p:nvPr/>
+        </p:nvSpPr>
+        <p:spPr>
+          <a:xfrm>
+            <a:off x="5376000" y="885315"/>
+            <a:ext cx="4501331" cy="830997"/>
+          </a:xfrm>
+          <a:prstGeom prst="rect">
+            <a:avLst/>
+          </a:prstGeom>
+          <a:noFill/>
+        </p:spPr>
+        <p:txBody>
+          <a:bodyPr wrap="square" rtlCol="0">
+            <a:spAutoFit/>
+          </a:bodyPr>
+          <a:lstStyle/>
+          <a:p>
+            <a:pPr marL="228600" indent="-228600">
+              <a:buAutoNum type="arabicPeriod"/>
+            </a:pPr>
+            <a:r>
+              <a:rPr lang="zh-CN" altLang="en-US" sz="1600" dirty="0"/>
+              <a:t>根节点的左子树与右子树的高度差不能超过</a:t>
+            </a:r>
+            <a:r>
+              <a:rPr lang="en-US" altLang="zh-CN" sz="1600" dirty="0"/>
+              <a:t>1</a:t>
+            </a:r>
+          </a:p>
+          <a:p>
+            <a:pPr marL="228600" indent="-228600">
+              <a:buAutoNum type="arabicPeriod"/>
+            </a:pPr>
+            <a:endParaRPr lang="en-US" altLang="zh-CN" sz="1600" dirty="0"/>
+          </a:p>
+          <a:p>
+            <a:r>
+              <a:rPr lang="en-US" altLang="zh-CN" sz="1600" dirty="0"/>
+              <a:t>2.  </a:t>
+            </a:r>
+            <a:r>
+              <a:rPr lang="zh-CN" altLang="en-US" sz="1600" dirty="0"/>
+              <a:t>这颗二叉树的每个子树都符合第一条</a:t>
+            </a:r>
+          </a:p>
+        </p:txBody>
+      </p:sp>
+      <p:sp>
+        <p:nvSpPr>
+          <p:cNvPr id="15" name="椭圆 14">
+            <a:extLst>
+              <a:ext uri="{FF2B5EF4-FFF2-40B4-BE49-F238E27FC236}">
+                <a16:creationId xmlns:a16="http://schemas.microsoft.com/office/drawing/2014/main" id="{ECC05ED4-EE39-4AFD-9FE1-273AE2659B4B}"/>
+              </a:ext>
+            </a:extLst>
+          </p:cNvPr>
+          <p:cNvSpPr/>
+          <p:nvPr/>
+        </p:nvSpPr>
+        <p:spPr>
+          <a:xfrm>
+            <a:off x="1794931" y="3260657"/>
+            <a:ext cx="722812" cy="722812"/>
+          </a:xfrm>
+          <a:prstGeom prst="ellipse">
+            <a:avLst/>
+          </a:prstGeom>
+        </p:spPr>
+        <p:style>
+          <a:lnRef idx="2">
+            <a:schemeClr val="accent1">
+              <a:shade val="50000"/>
+            </a:schemeClr>
+          </a:lnRef>
+          <a:fillRef idx="1">
+            <a:schemeClr val="accent1"/>
+          </a:fillRef>
+          <a:effectRef idx="0">
+            <a:schemeClr val="accent1"/>
+          </a:effectRef>
+          <a:fontRef idx="minor">
+            <a:schemeClr val="lt1"/>
+          </a:fontRef>
+        </p:style>
+        <p:txBody>
+          <a:bodyPr rtlCol="0" anchor="ctr"/>
+          <a:lstStyle/>
+          <a:p>
+            <a:pPr algn="ctr"/>
+            <a:r>
+              <a:rPr lang="en-US" altLang="zh-CN" dirty="0"/>
+              <a:t>D</a:t>
+            </a:r>
+            <a:endParaRPr lang="zh-CN" altLang="en-US" dirty="0"/>
+          </a:p>
+        </p:txBody>
+      </p:sp>
+      <p:cxnSp>
+        <p:nvCxnSpPr>
+          <p:cNvPr id="16" name="直接连接符 15">
+            <a:extLst>
+              <a:ext uri="{FF2B5EF4-FFF2-40B4-BE49-F238E27FC236}">
+                <a16:creationId xmlns:a16="http://schemas.microsoft.com/office/drawing/2014/main" id="{2E7F2EE6-ED89-4D07-B064-E602FA74BB2C}"/>
+              </a:ext>
+            </a:extLst>
+          </p:cNvPr>
+          <p:cNvCxnSpPr>
+            <a:cxnSpLocks/>
+            <a:stCxn id="10" idx="3"/>
+            <a:endCxn id="15" idx="7"/>
+          </p:cNvCxnSpPr>
+          <p:nvPr/>
+        </p:nvCxnSpPr>
+        <p:spPr>
+          <a:xfrm flipH="1">
+            <a:off x="2411890" y="2597221"/>
+            <a:ext cx="489871" cy="769289"/>
+          </a:xfrm>
+          <a:prstGeom prst="line">
+            <a:avLst/>
+          </a:prstGeom>
+          <a:ln w="28575"/>
+        </p:spPr>
+        <p:style>
+          <a:lnRef idx="1">
+            <a:schemeClr val="accent1"/>
+          </a:lnRef>
+          <a:fillRef idx="0">
+            <a:schemeClr val="accent1"/>
+          </a:fillRef>
+          <a:effectRef idx="0">
+            <a:schemeClr val="accent1"/>
+          </a:effectRef>
+          <a:fontRef idx="minor">
+            <a:schemeClr val="tx1"/>
+          </a:fontRef>
+        </p:style>
+      </p:cxnSp>
+      <p:sp>
+        <p:nvSpPr>
+          <p:cNvPr id="21" name="椭圆 20">
+            <a:extLst>
+              <a:ext uri="{FF2B5EF4-FFF2-40B4-BE49-F238E27FC236}">
+                <a16:creationId xmlns:a16="http://schemas.microsoft.com/office/drawing/2014/main" id="{77AB80D8-3755-4D80-B9A8-95897DBA6AD1}"/>
+              </a:ext>
+            </a:extLst>
+          </p:cNvPr>
+          <p:cNvSpPr/>
+          <p:nvPr/>
+        </p:nvSpPr>
+        <p:spPr>
+          <a:xfrm>
+            <a:off x="3725748" y="3260657"/>
+            <a:ext cx="722812" cy="722812"/>
+          </a:xfrm>
+          <a:prstGeom prst="ellipse">
+            <a:avLst/>
+          </a:prstGeom>
+        </p:spPr>
+        <p:style>
+          <a:lnRef idx="2">
+            <a:schemeClr val="accent1">
+              <a:shade val="50000"/>
+            </a:schemeClr>
+          </a:lnRef>
+          <a:fillRef idx="1">
+            <a:schemeClr val="accent1"/>
+          </a:fillRef>
+          <a:effectRef idx="0">
+            <a:schemeClr val="accent1"/>
+          </a:effectRef>
+          <a:fontRef idx="minor">
+            <a:schemeClr val="lt1"/>
+          </a:fontRef>
+        </p:style>
+        <p:txBody>
+          <a:bodyPr rtlCol="0" anchor="ctr"/>
+          <a:lstStyle/>
+          <a:p>
+            <a:pPr algn="ctr"/>
+            <a:r>
+              <a:rPr lang="en-US" altLang="zh-CN" dirty="0"/>
+              <a:t>E</a:t>
+            </a:r>
+            <a:endParaRPr lang="zh-CN" altLang="en-US" dirty="0"/>
+          </a:p>
+        </p:txBody>
+      </p:sp>
+      <p:sp>
+        <p:nvSpPr>
+          <p:cNvPr id="28" name="椭圆 27">
+            <a:extLst>
+              <a:ext uri="{FF2B5EF4-FFF2-40B4-BE49-F238E27FC236}">
+                <a16:creationId xmlns:a16="http://schemas.microsoft.com/office/drawing/2014/main" id="{CC48CDDE-E179-476F-B8C3-A65E383B6573}"/>
+              </a:ext>
+            </a:extLst>
+          </p:cNvPr>
+          <p:cNvSpPr/>
+          <p:nvPr/>
+        </p:nvSpPr>
+        <p:spPr>
+          <a:xfrm>
+            <a:off x="4448560" y="4435199"/>
+            <a:ext cx="722812" cy="722812"/>
+          </a:xfrm>
+          <a:prstGeom prst="ellipse">
+            <a:avLst/>
+          </a:prstGeom>
+        </p:spPr>
+        <p:style>
+          <a:lnRef idx="2">
+            <a:schemeClr val="accent1">
+              <a:shade val="50000"/>
+            </a:schemeClr>
+          </a:lnRef>
+          <a:fillRef idx="1">
+            <a:schemeClr val="accent1"/>
+          </a:fillRef>
+          <a:effectRef idx="0">
+            <a:schemeClr val="accent1"/>
+          </a:effectRef>
+          <a:fontRef idx="minor">
+            <a:schemeClr val="lt1"/>
+          </a:fontRef>
+        </p:style>
+        <p:txBody>
+          <a:bodyPr rtlCol="0" anchor="ctr"/>
+          <a:lstStyle/>
+          <a:p>
+            <a:pPr algn="ctr"/>
+            <a:r>
+              <a:rPr lang="en-US" altLang="zh-CN" dirty="0"/>
+              <a:t>I</a:t>
+            </a:r>
+            <a:endParaRPr lang="zh-CN" altLang="en-US" dirty="0"/>
+          </a:p>
+        </p:txBody>
+      </p:sp>
+      <p:cxnSp>
+        <p:nvCxnSpPr>
+          <p:cNvPr id="33" name="直接连接符 32">
+            <a:extLst>
+              <a:ext uri="{FF2B5EF4-FFF2-40B4-BE49-F238E27FC236}">
+                <a16:creationId xmlns:a16="http://schemas.microsoft.com/office/drawing/2014/main" id="{22DC9458-37D1-4607-B344-265AB6CBD381}"/>
+              </a:ext>
+            </a:extLst>
+          </p:cNvPr>
+          <p:cNvCxnSpPr>
+            <a:cxnSpLocks/>
+            <a:stCxn id="10" idx="5"/>
+            <a:endCxn id="21" idx="1"/>
+          </p:cNvCxnSpPr>
+          <p:nvPr/>
+        </p:nvCxnSpPr>
+        <p:spPr>
+          <a:xfrm>
+            <a:off x="3412867" y="2597221"/>
+            <a:ext cx="418734" cy="769289"/>
+          </a:xfrm>
+          <a:prstGeom prst="line">
+            <a:avLst/>
+          </a:prstGeom>
+          <a:ln w="28575"/>
+        </p:spPr>
+        <p:style>
+          <a:lnRef idx="1">
+            <a:schemeClr val="accent1"/>
+          </a:lnRef>
+          <a:fillRef idx="0">
+            <a:schemeClr val="accent1"/>
+          </a:fillRef>
+          <a:effectRef idx="0">
+            <a:schemeClr val="accent1"/>
+          </a:effectRef>
+          <a:fontRef idx="minor">
+            <a:schemeClr val="tx1"/>
+          </a:fontRef>
+        </p:style>
+      </p:cxnSp>
+      <p:cxnSp>
+        <p:nvCxnSpPr>
+          <p:cNvPr id="37" name="直接连接符 36">
+            <a:extLst>
+              <a:ext uri="{FF2B5EF4-FFF2-40B4-BE49-F238E27FC236}">
+                <a16:creationId xmlns:a16="http://schemas.microsoft.com/office/drawing/2014/main" id="{9EEEE23D-5010-4161-8E57-52A8E0C358B6}"/>
+              </a:ext>
+            </a:extLst>
+          </p:cNvPr>
+          <p:cNvCxnSpPr>
+            <a:cxnSpLocks/>
+            <a:stCxn id="21" idx="5"/>
+            <a:endCxn id="28" idx="0"/>
+          </p:cNvCxnSpPr>
+          <p:nvPr/>
+        </p:nvCxnSpPr>
+        <p:spPr>
+          <a:xfrm>
+            <a:off x="4342707" y="3877616"/>
+            <a:ext cx="467259" cy="557583"/>
+          </a:xfrm>
+          <a:prstGeom prst="line">
+            <a:avLst/>
+          </a:prstGeom>
+          <a:ln w="28575"/>
+        </p:spPr>
+        <p:style>
+          <a:lnRef idx="1">
+            <a:schemeClr val="accent1"/>
+          </a:lnRef>
+          <a:fillRef idx="0">
+            <a:schemeClr val="accent1"/>
+          </a:fillRef>
+          <a:effectRef idx="0">
+            <a:schemeClr val="accent1"/>
+          </a:effectRef>
+          <a:fontRef idx="minor">
+            <a:schemeClr val="tx1"/>
+          </a:fontRef>
+        </p:style>
+      </p:cxnSp>
+    </p:spTree>
+    <p:extLst>
+      <p:ext uri="{BB962C8B-B14F-4D97-AF65-F5344CB8AC3E}">
+        <p14:creationId xmlns:p14="http://schemas.microsoft.com/office/powerpoint/2010/main" val="4230333202"/>
+      </p:ext>
+    </p:extLst>
+  </p:cSld>
+  <p:clrMapOvr>
+    <a:masterClrMapping/>
+  </p:clrMapOvr>
+</p:sld>
+</file>
+
+<file path=ppt/slides/slide7.xml><?xml version="1.0" encoding="utf-8"?>
+<p:sld xmlns:a="http://schemas.openxmlformats.org/drawingml/2006/main" xmlns:r="http://schemas.openxmlformats.org/officeDocument/2006/relationships" xmlns:p="http://schemas.openxmlformats.org/presentationml/2006/main">
+  <p:cSld>
+    <p:spTree>
+      <p:nvGrpSpPr>
+        <p:cNvPr id="1" name=""/>
+        <p:cNvGrpSpPr/>
+        <p:nvPr/>
+      </p:nvGrpSpPr>
+      <p:grpSpPr>
+        <a:xfrm>
+          <a:off x="0" y="0"/>
+          <a:ext cx="0" cy="0"/>
+          <a:chOff x="0" y="0"/>
+          <a:chExt cx="0" cy="0"/>
+        </a:xfrm>
+      </p:grpSpPr>
+      <p:sp>
+        <p:nvSpPr>
+          <p:cNvPr id="5" name="椭圆 4">
+            <a:extLst>
+              <a:ext uri="{FF2B5EF4-FFF2-40B4-BE49-F238E27FC236}">
+                <a16:creationId xmlns:a16="http://schemas.microsoft.com/office/drawing/2014/main" id="{BC739FC5-7537-4E4F-AF06-ECDD15A0C309}"/>
+              </a:ext>
+            </a:extLst>
+          </p:cNvPr>
+          <p:cNvSpPr/>
+          <p:nvPr/>
+        </p:nvSpPr>
+        <p:spPr>
+          <a:xfrm>
+            <a:off x="5097685" y="74030"/>
+            <a:ext cx="722812" cy="722812"/>
+          </a:xfrm>
+          <a:prstGeom prst="ellipse">
+            <a:avLst/>
+          </a:prstGeom>
+        </p:spPr>
+        <p:style>
+          <a:lnRef idx="2">
+            <a:schemeClr val="accent1">
+              <a:shade val="50000"/>
+            </a:schemeClr>
+          </a:lnRef>
+          <a:fillRef idx="1">
+            <a:schemeClr val="accent1"/>
+          </a:fillRef>
+          <a:effectRef idx="0">
+            <a:schemeClr val="accent1"/>
+          </a:effectRef>
+          <a:fontRef idx="minor">
+            <a:schemeClr val="lt1"/>
+          </a:fontRef>
+        </p:style>
+        <p:txBody>
+          <a:bodyPr rtlCol="0" anchor="ctr"/>
+          <a:lstStyle/>
+          <a:p>
+            <a:pPr algn="ctr"/>
+            <a:r>
+              <a:rPr lang="en-US" altLang="zh-CN" dirty="0"/>
+              <a:t>A</a:t>
+            </a:r>
+            <a:endParaRPr lang="zh-CN" altLang="en-US" dirty="0"/>
+          </a:p>
+        </p:txBody>
+      </p:sp>
+      <p:sp>
+        <p:nvSpPr>
+          <p:cNvPr id="6" name="椭圆 5">
+            <a:extLst>
+              <a:ext uri="{FF2B5EF4-FFF2-40B4-BE49-F238E27FC236}">
+                <a16:creationId xmlns:a16="http://schemas.microsoft.com/office/drawing/2014/main" id="{49C94D06-607D-4472-85A4-FE125617D4E2}"/>
+              </a:ext>
+            </a:extLst>
+          </p:cNvPr>
+          <p:cNvSpPr/>
+          <p:nvPr/>
+        </p:nvSpPr>
+        <p:spPr>
+          <a:xfrm>
+            <a:off x="5122811" y="1883356"/>
+            <a:ext cx="722812" cy="722812"/>
+          </a:xfrm>
+          <a:prstGeom prst="ellipse">
+            <a:avLst/>
+          </a:prstGeom>
+        </p:spPr>
+        <p:style>
+          <a:lnRef idx="2">
+            <a:schemeClr val="accent1">
+              <a:shade val="50000"/>
+            </a:schemeClr>
+          </a:lnRef>
+          <a:fillRef idx="1">
+            <a:schemeClr val="accent1"/>
+          </a:fillRef>
+          <a:effectRef idx="0">
+            <a:schemeClr val="accent1"/>
+          </a:effectRef>
+          <a:fontRef idx="minor">
+            <a:schemeClr val="lt1"/>
+          </a:fontRef>
+        </p:style>
+        <p:txBody>
+          <a:bodyPr rtlCol="0" anchor="ctr"/>
+          <a:lstStyle/>
+          <a:p>
+            <a:pPr algn="ctr"/>
+            <a:r>
+              <a:rPr lang="en-US" altLang="zh-CN" dirty="0"/>
+              <a:t>F</a:t>
+            </a:r>
+            <a:endParaRPr lang="zh-CN" altLang="en-US" dirty="0"/>
+          </a:p>
+        </p:txBody>
+      </p:sp>
+      <p:sp>
+        <p:nvSpPr>
+          <p:cNvPr id="7" name="椭圆 6">
+            <a:extLst>
+              <a:ext uri="{FF2B5EF4-FFF2-40B4-BE49-F238E27FC236}">
+                <a16:creationId xmlns:a16="http://schemas.microsoft.com/office/drawing/2014/main" id="{AEA913B0-5AF1-47F6-B99F-7CAF31098451}"/>
+              </a:ext>
+            </a:extLst>
+          </p:cNvPr>
+          <p:cNvSpPr/>
+          <p:nvPr/>
+        </p:nvSpPr>
+        <p:spPr>
+          <a:xfrm>
+            <a:off x="6615215" y="1878249"/>
+            <a:ext cx="722812" cy="722812"/>
+          </a:xfrm>
+          <a:prstGeom prst="ellipse">
+            <a:avLst/>
+          </a:prstGeom>
+        </p:spPr>
+        <p:style>
+          <a:lnRef idx="2">
+            <a:schemeClr val="accent1">
+              <a:shade val="50000"/>
+            </a:schemeClr>
+          </a:lnRef>
+          <a:fillRef idx="1">
+            <a:schemeClr val="accent1"/>
+          </a:fillRef>
+          <a:effectRef idx="0">
+            <a:schemeClr val="accent1"/>
+          </a:effectRef>
+          <a:fontRef idx="minor">
+            <a:schemeClr val="lt1"/>
+          </a:fontRef>
+        </p:style>
+        <p:txBody>
+          <a:bodyPr rtlCol="0" anchor="ctr"/>
+          <a:lstStyle/>
+          <a:p>
+            <a:pPr algn="ctr"/>
+            <a:r>
+              <a:rPr lang="en-US" altLang="zh-CN" dirty="0"/>
+              <a:t>G</a:t>
+            </a:r>
+            <a:endParaRPr lang="zh-CN" altLang="en-US" dirty="0"/>
+          </a:p>
+        </p:txBody>
+      </p:sp>
+      <p:sp>
+        <p:nvSpPr>
+          <p:cNvPr id="9" name="椭圆 8">
+            <a:extLst>
+              <a:ext uri="{FF2B5EF4-FFF2-40B4-BE49-F238E27FC236}">
+                <a16:creationId xmlns:a16="http://schemas.microsoft.com/office/drawing/2014/main" id="{E2AE1198-C9E2-4EF7-A21F-856493699047}"/>
+              </a:ext>
+            </a:extLst>
+          </p:cNvPr>
+          <p:cNvSpPr/>
+          <p:nvPr/>
+        </p:nvSpPr>
+        <p:spPr>
+          <a:xfrm>
+            <a:off x="5895480" y="921818"/>
+            <a:ext cx="722812" cy="722812"/>
+          </a:xfrm>
+          <a:prstGeom prst="ellipse">
+            <a:avLst/>
+          </a:prstGeom>
+        </p:spPr>
+        <p:style>
+          <a:lnRef idx="2">
+            <a:schemeClr val="accent1">
+              <a:shade val="50000"/>
+            </a:schemeClr>
+          </a:lnRef>
+          <a:fillRef idx="1">
+            <a:schemeClr val="accent1"/>
+          </a:fillRef>
+          <a:effectRef idx="0">
+            <a:schemeClr val="accent1"/>
+          </a:effectRef>
+          <a:fontRef idx="minor">
+            <a:schemeClr val="lt1"/>
+          </a:fontRef>
+        </p:style>
+        <p:txBody>
+          <a:bodyPr rtlCol="0" anchor="ctr"/>
+          <a:lstStyle/>
+          <a:p>
+            <a:pPr algn="ctr"/>
+            <a:r>
+              <a:rPr lang="en-US" altLang="zh-CN" dirty="0"/>
+              <a:t>C</a:t>
+            </a:r>
+            <a:endParaRPr lang="zh-CN" altLang="en-US" dirty="0"/>
+          </a:p>
+        </p:txBody>
+      </p:sp>
+      <p:cxnSp>
+        <p:nvCxnSpPr>
+          <p:cNvPr id="14" name="直接连接符 13">
+            <a:extLst>
+              <a:ext uri="{FF2B5EF4-FFF2-40B4-BE49-F238E27FC236}">
+                <a16:creationId xmlns:a16="http://schemas.microsoft.com/office/drawing/2014/main" id="{1465CB55-F576-41F9-922E-F88D994260A5}"/>
+              </a:ext>
+            </a:extLst>
+          </p:cNvPr>
+          <p:cNvCxnSpPr>
+            <a:cxnSpLocks/>
+            <a:stCxn id="5" idx="5"/>
+            <a:endCxn id="9" idx="1"/>
+          </p:cNvCxnSpPr>
+          <p:nvPr/>
+        </p:nvCxnSpPr>
+        <p:spPr>
+          <a:xfrm>
+            <a:off x="5714644" y="690989"/>
+            <a:ext cx="286689" cy="336682"/>
+          </a:xfrm>
+          <a:prstGeom prst="line">
+            <a:avLst/>
+          </a:prstGeom>
+          <a:ln w="28575"/>
+        </p:spPr>
+        <p:style>
+          <a:lnRef idx="1">
+            <a:schemeClr val="accent1"/>
+          </a:lnRef>
+          <a:fillRef idx="0">
+            <a:schemeClr val="accent1"/>
+          </a:fillRef>
+          <a:effectRef idx="0">
+            <a:schemeClr val="accent1"/>
+          </a:effectRef>
+          <a:fontRef idx="minor">
+            <a:schemeClr val="tx1"/>
+          </a:fontRef>
+        </p:style>
+      </p:cxnSp>
+      <p:cxnSp>
+        <p:nvCxnSpPr>
+          <p:cNvPr id="20" name="直接连接符 19">
+            <a:extLst>
+              <a:ext uri="{FF2B5EF4-FFF2-40B4-BE49-F238E27FC236}">
+                <a16:creationId xmlns:a16="http://schemas.microsoft.com/office/drawing/2014/main" id="{E208921C-FEBF-4144-B5EF-5F8D6FE2E4B2}"/>
+              </a:ext>
+            </a:extLst>
+          </p:cNvPr>
+          <p:cNvCxnSpPr>
+            <a:cxnSpLocks/>
+            <a:stCxn id="9" idx="3"/>
+            <a:endCxn id="6" idx="7"/>
+          </p:cNvCxnSpPr>
+          <p:nvPr/>
+        </p:nvCxnSpPr>
+        <p:spPr>
+          <a:xfrm flipH="1">
+            <a:off x="5739770" y="1538777"/>
+            <a:ext cx="261563" cy="450432"/>
+          </a:xfrm>
+          <a:prstGeom prst="line">
+            <a:avLst/>
+          </a:prstGeom>
+          <a:ln w="28575"/>
+        </p:spPr>
+        <p:style>
+          <a:lnRef idx="1">
+            <a:schemeClr val="accent1"/>
+          </a:lnRef>
+          <a:fillRef idx="0">
+            <a:schemeClr val="accent1"/>
+          </a:fillRef>
+          <a:effectRef idx="0">
+            <a:schemeClr val="accent1"/>
+          </a:effectRef>
+          <a:fontRef idx="minor">
+            <a:schemeClr val="tx1"/>
+          </a:fontRef>
+        </p:style>
+      </p:cxnSp>
+      <p:cxnSp>
+        <p:nvCxnSpPr>
+          <p:cNvPr id="23" name="直接连接符 22">
+            <a:extLst>
+              <a:ext uri="{FF2B5EF4-FFF2-40B4-BE49-F238E27FC236}">
+                <a16:creationId xmlns:a16="http://schemas.microsoft.com/office/drawing/2014/main" id="{5CED9F59-6E79-48AC-9F86-772D974ADA70}"/>
+              </a:ext>
+            </a:extLst>
+          </p:cNvPr>
+          <p:cNvCxnSpPr>
+            <a:cxnSpLocks/>
+            <a:stCxn id="9" idx="5"/>
+            <a:endCxn id="7" idx="1"/>
+          </p:cNvCxnSpPr>
+          <p:nvPr/>
+        </p:nvCxnSpPr>
+        <p:spPr>
+          <a:xfrm>
+            <a:off x="6512439" y="1538777"/>
+            <a:ext cx="208629" cy="445325"/>
+          </a:xfrm>
+          <a:prstGeom prst="line">
+            <a:avLst/>
+          </a:prstGeom>
+          <a:ln w="28575"/>
+        </p:spPr>
+        <p:style>
+          <a:lnRef idx="1">
+            <a:schemeClr val="accent1"/>
+          </a:lnRef>
+          <a:fillRef idx="0">
+            <a:schemeClr val="accent1"/>
+          </a:fillRef>
+          <a:effectRef idx="0">
+            <a:schemeClr val="accent1"/>
+          </a:effectRef>
+          <a:fontRef idx="minor">
+            <a:schemeClr val="tx1"/>
+          </a:fontRef>
+        </p:style>
+      </p:cxnSp>
+      <p:sp>
+        <p:nvSpPr>
+          <p:cNvPr id="30" name="文本框 29">
+            <a:extLst>
+              <a:ext uri="{FF2B5EF4-FFF2-40B4-BE49-F238E27FC236}">
+                <a16:creationId xmlns:a16="http://schemas.microsoft.com/office/drawing/2014/main" id="{71ABB8A5-A757-4018-A8B6-5F1B54B26F7C}"/>
+              </a:ext>
+            </a:extLst>
+          </p:cNvPr>
+          <p:cNvSpPr txBox="1"/>
+          <p:nvPr/>
+        </p:nvSpPr>
+        <p:spPr>
+          <a:xfrm>
+            <a:off x="59060" y="253527"/>
+            <a:ext cx="2988942" cy="830997"/>
+          </a:xfrm>
+          <a:prstGeom prst="rect">
+            <a:avLst/>
+          </a:prstGeom>
+          <a:noFill/>
+        </p:spPr>
+        <p:txBody>
+          <a:bodyPr wrap="square">
+            <a:spAutoFit/>
+          </a:bodyPr>
+          <a:lstStyle/>
+          <a:p>
+            <a:pPr marL="0" marR="0"/>
+            <a:r>
+              <a:rPr lang="zh-CN" altLang="en-US" sz="2400" b="1" dirty="0">
+                <a:effectLst/>
+              </a:rPr>
+              <a:t>二叉树</a:t>
+            </a:r>
+            <a:r>
+              <a:rPr lang="zh-CN" altLang="en-US" sz="2400" b="1" dirty="0"/>
+              <a:t>的单旋操作</a:t>
+            </a:r>
+            <a:endParaRPr lang="en-US" altLang="zh-CN" sz="2400" b="1" dirty="0"/>
+          </a:p>
+          <a:p>
+            <a:pPr marL="0" marR="0"/>
+            <a:r>
+              <a:rPr lang="zh-CN" altLang="en-US" sz="2400" b="1" dirty="0">
+                <a:effectLst/>
+              </a:rPr>
+              <a:t>（左单旋、右单旋）</a:t>
+            </a:r>
+          </a:p>
+        </p:txBody>
+      </p:sp>
+      <p:sp>
+        <p:nvSpPr>
+          <p:cNvPr id="2" name="文本框 1">
+            <a:extLst>
+              <a:ext uri="{FF2B5EF4-FFF2-40B4-BE49-F238E27FC236}">
+                <a16:creationId xmlns:a16="http://schemas.microsoft.com/office/drawing/2014/main" id="{F3A032FB-F0C7-4299-8E01-0DFFF8A3A6FA}"/>
+              </a:ext>
+            </a:extLst>
+          </p:cNvPr>
+          <p:cNvSpPr txBox="1"/>
+          <p:nvPr/>
+        </p:nvSpPr>
+        <p:spPr>
+          <a:xfrm>
+            <a:off x="41140" y="1389405"/>
+            <a:ext cx="4501331" cy="5509200"/>
+          </a:xfrm>
+          <a:prstGeom prst="rect">
+            <a:avLst/>
+          </a:prstGeom>
+          <a:noFill/>
+        </p:spPr>
+        <p:txBody>
+          <a:bodyPr wrap="square" rtlCol="0">
+            <a:spAutoFit/>
+          </a:bodyPr>
+          <a:lstStyle/>
+          <a:p>
+            <a:r>
+              <a:rPr lang="zh-CN" altLang="en-US" sz="1600" dirty="0"/>
+              <a:t>某一节点不平衡</a:t>
+            </a:r>
+            <a:endParaRPr lang="en-US" altLang="zh-CN" sz="1600" dirty="0"/>
+          </a:p>
+          <a:p>
+            <a:r>
+              <a:rPr lang="zh-CN" altLang="en-US" sz="1600" dirty="0"/>
+              <a:t>如果左边浅，右边深，进行左单旋；右边浅，左边深，进行右单旋</a:t>
+            </a:r>
+            <a:endParaRPr lang="en-US" altLang="zh-CN" sz="1600" dirty="0"/>
+          </a:p>
+          <a:p>
+            <a:endParaRPr lang="en-US" altLang="zh-CN" sz="1600" dirty="0"/>
+          </a:p>
+          <a:p>
+            <a:r>
+              <a:rPr lang="zh-CN" altLang="en-US" sz="1600" dirty="0"/>
+              <a:t>旋转节点：不平衡的节点为旋转节点（单旋前</a:t>
+            </a:r>
+            <a:r>
+              <a:rPr lang="en-US" altLang="zh-CN" sz="1600" dirty="0"/>
+              <a:t>A</a:t>
+            </a:r>
+            <a:r>
+              <a:rPr lang="zh-CN" altLang="en-US" sz="1600" dirty="0"/>
+              <a:t>）</a:t>
+            </a:r>
+            <a:endParaRPr lang="en-US" altLang="zh-CN" sz="1600" dirty="0"/>
+          </a:p>
+          <a:p>
+            <a:r>
+              <a:rPr lang="zh-CN" altLang="en-US" sz="1600" dirty="0"/>
+              <a:t>新根：旋转之后称为根节点的节点（单旋前</a:t>
+            </a:r>
+            <a:r>
+              <a:rPr lang="en-US" altLang="zh-CN" sz="1600" dirty="0"/>
+              <a:t>C</a:t>
+            </a:r>
+            <a:r>
+              <a:rPr lang="zh-CN" altLang="en-US" sz="1600" dirty="0"/>
+              <a:t>）</a:t>
+            </a:r>
+            <a:endParaRPr lang="en-US" altLang="zh-CN" sz="1600" dirty="0"/>
+          </a:p>
+          <a:p>
+            <a:r>
+              <a:rPr lang="zh-CN" altLang="en-US" sz="1600" dirty="0"/>
+              <a:t>变化分支：父级节点发生变化的那个分支</a:t>
+            </a:r>
+            <a:endParaRPr lang="en-US" altLang="zh-CN" sz="1600" dirty="0"/>
+          </a:p>
+          <a:p>
+            <a:r>
+              <a:rPr lang="zh-CN" altLang="en-US" sz="1600" dirty="0"/>
+              <a:t>不变分支：父级节点不变的那个分支</a:t>
+            </a:r>
+            <a:endParaRPr lang="en-US" altLang="zh-CN" sz="1600" dirty="0"/>
+          </a:p>
+          <a:p>
+            <a:endParaRPr lang="en-US" altLang="zh-CN" sz="1600" dirty="0"/>
+          </a:p>
+          <a:p>
+            <a:r>
+              <a:rPr lang="zh-CN" altLang="en-US" sz="1600" dirty="0"/>
+              <a:t>左单旋时：</a:t>
+            </a:r>
+            <a:endParaRPr lang="en-US" altLang="zh-CN" sz="1600" dirty="0"/>
+          </a:p>
+          <a:p>
+            <a:r>
+              <a:rPr lang="zh-CN" altLang="en-US" sz="1600" dirty="0"/>
+              <a:t>旋转节点：当前不平衡的节点</a:t>
+            </a:r>
+            <a:endParaRPr lang="en-US" altLang="zh-CN" sz="1600" dirty="0"/>
+          </a:p>
+          <a:p>
+            <a:r>
+              <a:rPr lang="zh-CN" altLang="en-US" sz="1600" dirty="0"/>
+              <a:t>新根：右子树的根节点</a:t>
+            </a:r>
+            <a:endParaRPr lang="en-US" altLang="zh-CN" sz="1600" dirty="0"/>
+          </a:p>
+          <a:p>
+            <a:r>
+              <a:rPr lang="zh-CN" altLang="en-US" sz="1600" dirty="0"/>
+              <a:t>变化分支：旋转节点的右子树的左子树，单旋后为旋转节点的右子树</a:t>
+            </a:r>
+            <a:endParaRPr lang="en-US" altLang="zh-CN" sz="1600" dirty="0"/>
+          </a:p>
+          <a:p>
+            <a:r>
+              <a:rPr lang="zh-CN" altLang="en-US" sz="1600" dirty="0"/>
+              <a:t>不变分支：旋转节点的右子树的右子树</a:t>
+            </a:r>
+            <a:endParaRPr lang="en-US" altLang="zh-CN" sz="1600" dirty="0"/>
+          </a:p>
+          <a:p>
+            <a:endParaRPr lang="en-US" altLang="zh-CN" sz="1600" dirty="0"/>
+          </a:p>
+          <a:p>
+            <a:r>
+              <a:rPr lang="zh-CN" altLang="en-US" sz="1600" dirty="0"/>
+              <a:t>右单旋时：</a:t>
+            </a:r>
+            <a:endParaRPr lang="en-US" altLang="zh-CN" sz="1600" dirty="0"/>
+          </a:p>
+          <a:p>
+            <a:r>
+              <a:rPr lang="zh-CN" altLang="en-US" sz="1600" dirty="0"/>
+              <a:t>旋转节点：当前不平衡的节点</a:t>
+            </a:r>
+            <a:endParaRPr lang="en-US" altLang="zh-CN" sz="1600" dirty="0"/>
+          </a:p>
+          <a:p>
+            <a:r>
+              <a:rPr lang="zh-CN" altLang="en-US" sz="1600" dirty="0"/>
+              <a:t>新根：左子树的根节点</a:t>
+            </a:r>
+            <a:endParaRPr lang="en-US" altLang="zh-CN" sz="1600" dirty="0"/>
+          </a:p>
+          <a:p>
+            <a:r>
+              <a:rPr lang="zh-CN" altLang="en-US" sz="1600" dirty="0"/>
+              <a:t>变化分支：旋转节点的左子树的右子树，单旋后为旋转节点的左子树</a:t>
+            </a:r>
+            <a:endParaRPr lang="en-US" altLang="zh-CN" sz="1600" dirty="0"/>
+          </a:p>
+          <a:p>
+            <a:r>
+              <a:rPr lang="zh-CN" altLang="en-US" sz="1600" dirty="0"/>
+              <a:t>不变分支：旋转节点的左子树的左子树</a:t>
+            </a:r>
+          </a:p>
+        </p:txBody>
+      </p:sp>
+      <p:sp>
+        <p:nvSpPr>
+          <p:cNvPr id="8" name="文本框 7">
+            <a:extLst>
+              <a:ext uri="{FF2B5EF4-FFF2-40B4-BE49-F238E27FC236}">
+                <a16:creationId xmlns:a16="http://schemas.microsoft.com/office/drawing/2014/main" id="{FB685E0D-C714-4291-9BA1-4862A97D9F73}"/>
+              </a:ext>
+            </a:extLst>
+          </p:cNvPr>
+          <p:cNvSpPr txBox="1"/>
+          <p:nvPr/>
+        </p:nvSpPr>
+        <p:spPr>
+          <a:xfrm>
+            <a:off x="5752229" y="2997257"/>
+            <a:ext cx="1884915" cy="369332"/>
+          </a:xfrm>
+          <a:prstGeom prst="rect">
+            <a:avLst/>
+          </a:prstGeom>
+          <a:noFill/>
+        </p:spPr>
+        <p:txBody>
+          <a:bodyPr wrap="square" rtlCol="0">
+            <a:spAutoFit/>
+          </a:bodyPr>
+          <a:lstStyle/>
+          <a:p>
+            <a:r>
+              <a:rPr lang="zh-CN" altLang="en-US" dirty="0"/>
+              <a:t>左单旋前</a:t>
+            </a:r>
+          </a:p>
+        </p:txBody>
+      </p:sp>
+      <p:sp>
+        <p:nvSpPr>
+          <p:cNvPr id="24" name="文本框 23">
+            <a:extLst>
+              <a:ext uri="{FF2B5EF4-FFF2-40B4-BE49-F238E27FC236}">
+                <a16:creationId xmlns:a16="http://schemas.microsoft.com/office/drawing/2014/main" id="{627494D1-C733-479F-9FDB-A8305A0A568B}"/>
+              </a:ext>
+            </a:extLst>
+          </p:cNvPr>
+          <p:cNvSpPr txBox="1"/>
+          <p:nvPr/>
+        </p:nvSpPr>
+        <p:spPr>
+          <a:xfrm>
+            <a:off x="5838567" y="226951"/>
+            <a:ext cx="1249859" cy="369332"/>
+          </a:xfrm>
+          <a:prstGeom prst="rect">
+            <a:avLst/>
+          </a:prstGeom>
+          <a:noFill/>
+        </p:spPr>
+        <p:txBody>
+          <a:bodyPr wrap="square">
+            <a:spAutoFit/>
+          </a:bodyPr>
+          <a:lstStyle/>
+          <a:p>
+            <a:r>
+              <a:rPr lang="zh-CN" altLang="en-US" sz="1800" dirty="0"/>
+              <a:t>旋转节点</a:t>
+            </a:r>
+            <a:endParaRPr lang="zh-CN" altLang="en-US" dirty="0"/>
+          </a:p>
+        </p:txBody>
+      </p:sp>
+      <p:sp>
+        <p:nvSpPr>
+          <p:cNvPr id="27" name="文本框 26">
+            <a:extLst>
+              <a:ext uri="{FF2B5EF4-FFF2-40B4-BE49-F238E27FC236}">
+                <a16:creationId xmlns:a16="http://schemas.microsoft.com/office/drawing/2014/main" id="{2F5499E3-ECD7-4462-916B-27BCC248747A}"/>
+              </a:ext>
+            </a:extLst>
+          </p:cNvPr>
+          <p:cNvSpPr txBox="1"/>
+          <p:nvPr/>
+        </p:nvSpPr>
+        <p:spPr>
+          <a:xfrm>
+            <a:off x="5269755" y="1177462"/>
+            <a:ext cx="722812" cy="369332"/>
+          </a:xfrm>
+          <a:prstGeom prst="rect">
+            <a:avLst/>
+          </a:prstGeom>
+          <a:noFill/>
+        </p:spPr>
+        <p:txBody>
+          <a:bodyPr wrap="square">
+            <a:spAutoFit/>
+          </a:bodyPr>
+          <a:lstStyle/>
+          <a:p>
+            <a:r>
+              <a:rPr lang="zh-CN" altLang="en-US" sz="1800" dirty="0"/>
+              <a:t>新根</a:t>
+            </a:r>
+            <a:endParaRPr lang="zh-CN" altLang="en-US" dirty="0"/>
+          </a:p>
+        </p:txBody>
+      </p:sp>
+      <p:sp>
+        <p:nvSpPr>
+          <p:cNvPr id="29" name="文本框 28">
+            <a:extLst>
+              <a:ext uri="{FF2B5EF4-FFF2-40B4-BE49-F238E27FC236}">
+                <a16:creationId xmlns:a16="http://schemas.microsoft.com/office/drawing/2014/main" id="{F94C321C-8F0A-485C-9D1F-4A3FA07B9B40}"/>
+              </a:ext>
+            </a:extLst>
+          </p:cNvPr>
+          <p:cNvSpPr txBox="1"/>
+          <p:nvPr/>
+        </p:nvSpPr>
+        <p:spPr>
+          <a:xfrm>
+            <a:off x="4970865" y="6110732"/>
+            <a:ext cx="1103197" cy="369332"/>
+          </a:xfrm>
+          <a:prstGeom prst="rect">
+            <a:avLst/>
+          </a:prstGeom>
+          <a:noFill/>
+        </p:spPr>
+        <p:txBody>
+          <a:bodyPr wrap="square">
+            <a:spAutoFit/>
+          </a:bodyPr>
+          <a:lstStyle/>
+          <a:p>
+            <a:r>
+              <a:rPr lang="zh-CN" altLang="en-US" dirty="0"/>
+              <a:t>不变</a:t>
+            </a:r>
+            <a:r>
+              <a:rPr lang="zh-CN" altLang="en-US" sz="1800" dirty="0"/>
+              <a:t>分支</a:t>
+            </a:r>
+            <a:endParaRPr lang="zh-CN" altLang="en-US" dirty="0"/>
+          </a:p>
+        </p:txBody>
+      </p:sp>
+      <p:sp>
+        <p:nvSpPr>
+          <p:cNvPr id="32" name="文本框 31">
+            <a:extLst>
+              <a:ext uri="{FF2B5EF4-FFF2-40B4-BE49-F238E27FC236}">
+                <a16:creationId xmlns:a16="http://schemas.microsoft.com/office/drawing/2014/main" id="{4E9C80A2-4D31-4901-9EB8-35775E869097}"/>
+              </a:ext>
+            </a:extLst>
+          </p:cNvPr>
+          <p:cNvSpPr txBox="1"/>
+          <p:nvPr/>
+        </p:nvSpPr>
+        <p:spPr>
+          <a:xfrm>
+            <a:off x="5083597" y="2609418"/>
+            <a:ext cx="1153413" cy="369332"/>
+          </a:xfrm>
+          <a:prstGeom prst="rect">
+            <a:avLst/>
+          </a:prstGeom>
+          <a:noFill/>
+        </p:spPr>
+        <p:txBody>
+          <a:bodyPr wrap="square">
+            <a:spAutoFit/>
+          </a:bodyPr>
+          <a:lstStyle/>
+          <a:p>
+            <a:r>
+              <a:rPr lang="zh-CN" altLang="en-US" sz="1800" dirty="0"/>
+              <a:t>变化分支</a:t>
+            </a:r>
+            <a:endParaRPr lang="zh-CN" altLang="en-US" dirty="0"/>
+          </a:p>
+        </p:txBody>
+      </p:sp>
+      <p:sp>
+        <p:nvSpPr>
+          <p:cNvPr id="35" name="椭圆 34">
+            <a:extLst>
+              <a:ext uri="{FF2B5EF4-FFF2-40B4-BE49-F238E27FC236}">
+                <a16:creationId xmlns:a16="http://schemas.microsoft.com/office/drawing/2014/main" id="{1D13F186-D095-4A53-9BB2-A4F37627953B}"/>
+              </a:ext>
+            </a:extLst>
+          </p:cNvPr>
+          <p:cNvSpPr/>
+          <p:nvPr/>
+        </p:nvSpPr>
+        <p:spPr>
+          <a:xfrm>
+            <a:off x="6562654" y="3533654"/>
+            <a:ext cx="722812" cy="722812"/>
+          </a:xfrm>
+          <a:prstGeom prst="ellipse">
+            <a:avLst/>
+          </a:prstGeom>
+        </p:spPr>
+        <p:style>
+          <a:lnRef idx="2">
+            <a:schemeClr val="accent1">
+              <a:shade val="50000"/>
+            </a:schemeClr>
+          </a:lnRef>
+          <a:fillRef idx="1">
+            <a:schemeClr val="accent1"/>
+          </a:fillRef>
+          <a:effectRef idx="0">
+            <a:schemeClr val="accent1"/>
+          </a:effectRef>
+          <a:fontRef idx="minor">
+            <a:schemeClr val="lt1"/>
+          </a:fontRef>
+        </p:style>
+        <p:txBody>
+          <a:bodyPr rtlCol="0" anchor="ctr"/>
+          <a:lstStyle/>
+          <a:p>
+            <a:pPr algn="ctr"/>
+            <a:r>
+              <a:rPr lang="en-US" altLang="zh-CN" dirty="0"/>
+              <a:t>A</a:t>
+            </a:r>
+            <a:endParaRPr lang="zh-CN" altLang="en-US" dirty="0"/>
+          </a:p>
+        </p:txBody>
+      </p:sp>
+      <p:sp>
+        <p:nvSpPr>
+          <p:cNvPr id="36" name="椭圆 35">
+            <a:extLst>
+              <a:ext uri="{FF2B5EF4-FFF2-40B4-BE49-F238E27FC236}">
+                <a16:creationId xmlns:a16="http://schemas.microsoft.com/office/drawing/2014/main" id="{DCCEBFC6-909B-446F-AFBC-E78ECBA50F35}"/>
+              </a:ext>
+            </a:extLst>
+          </p:cNvPr>
+          <p:cNvSpPr/>
+          <p:nvPr/>
+        </p:nvSpPr>
+        <p:spPr>
+          <a:xfrm>
+            <a:off x="5153157" y="5271169"/>
+            <a:ext cx="722812" cy="722812"/>
+          </a:xfrm>
+          <a:prstGeom prst="ellipse">
+            <a:avLst/>
+          </a:prstGeom>
+        </p:spPr>
+        <p:style>
+          <a:lnRef idx="2">
+            <a:schemeClr val="accent1">
+              <a:shade val="50000"/>
+            </a:schemeClr>
+          </a:lnRef>
+          <a:fillRef idx="1">
+            <a:schemeClr val="accent1"/>
+          </a:fillRef>
+          <a:effectRef idx="0">
+            <a:schemeClr val="accent1"/>
+          </a:effectRef>
+          <a:fontRef idx="minor">
+            <a:schemeClr val="lt1"/>
+          </a:fontRef>
+        </p:style>
+        <p:txBody>
+          <a:bodyPr rtlCol="0" anchor="ctr"/>
+          <a:lstStyle/>
+          <a:p>
+            <a:pPr algn="ctr"/>
+            <a:r>
+              <a:rPr lang="en-US" altLang="zh-CN" dirty="0"/>
+              <a:t>F</a:t>
+            </a:r>
+            <a:endParaRPr lang="zh-CN" altLang="en-US" dirty="0"/>
+          </a:p>
+        </p:txBody>
+      </p:sp>
+      <p:sp>
+        <p:nvSpPr>
+          <p:cNvPr id="37" name="椭圆 36">
+            <a:extLst>
+              <a:ext uri="{FF2B5EF4-FFF2-40B4-BE49-F238E27FC236}">
+                <a16:creationId xmlns:a16="http://schemas.microsoft.com/office/drawing/2014/main" id="{609CA8A8-06D4-4C8B-88D7-3FDF4B4CB474}"/>
+              </a:ext>
+            </a:extLst>
+          </p:cNvPr>
+          <p:cNvSpPr/>
+          <p:nvPr/>
+        </p:nvSpPr>
+        <p:spPr>
+          <a:xfrm>
+            <a:off x="6583729" y="5315012"/>
+            <a:ext cx="722812" cy="722812"/>
+          </a:xfrm>
+          <a:prstGeom prst="ellipse">
+            <a:avLst/>
+          </a:prstGeom>
+        </p:spPr>
+        <p:style>
+          <a:lnRef idx="2">
+            <a:schemeClr val="accent1">
+              <a:shade val="50000"/>
+            </a:schemeClr>
+          </a:lnRef>
+          <a:fillRef idx="1">
+            <a:schemeClr val="accent1"/>
+          </a:fillRef>
+          <a:effectRef idx="0">
+            <a:schemeClr val="accent1"/>
+          </a:effectRef>
+          <a:fontRef idx="minor">
+            <a:schemeClr val="lt1"/>
+          </a:fontRef>
+        </p:style>
+        <p:txBody>
+          <a:bodyPr rtlCol="0" anchor="ctr"/>
+          <a:lstStyle/>
+          <a:p>
+            <a:pPr algn="ctr"/>
+            <a:r>
+              <a:rPr lang="en-US" altLang="zh-CN" dirty="0"/>
+              <a:t>G</a:t>
+            </a:r>
+            <a:endParaRPr lang="zh-CN" altLang="en-US" dirty="0"/>
+          </a:p>
+        </p:txBody>
+      </p:sp>
+      <p:sp>
+        <p:nvSpPr>
+          <p:cNvPr id="38" name="椭圆 37">
+            <a:extLst>
+              <a:ext uri="{FF2B5EF4-FFF2-40B4-BE49-F238E27FC236}">
+                <a16:creationId xmlns:a16="http://schemas.microsoft.com/office/drawing/2014/main" id="{E546628C-7A17-4456-8E8C-D32D5280EEC5}"/>
+              </a:ext>
+            </a:extLst>
+          </p:cNvPr>
+          <p:cNvSpPr/>
+          <p:nvPr/>
+        </p:nvSpPr>
+        <p:spPr>
+          <a:xfrm>
+            <a:off x="5827281" y="4272293"/>
+            <a:ext cx="722812" cy="722812"/>
+          </a:xfrm>
+          <a:prstGeom prst="ellipse">
+            <a:avLst/>
+          </a:prstGeom>
+        </p:spPr>
+        <p:style>
+          <a:lnRef idx="2">
+            <a:schemeClr val="accent1">
+              <a:shade val="50000"/>
+            </a:schemeClr>
+          </a:lnRef>
+          <a:fillRef idx="1">
+            <a:schemeClr val="accent1"/>
+          </a:fillRef>
+          <a:effectRef idx="0">
+            <a:schemeClr val="accent1"/>
+          </a:effectRef>
+          <a:fontRef idx="minor">
+            <a:schemeClr val="lt1"/>
+          </a:fontRef>
+        </p:style>
+        <p:txBody>
+          <a:bodyPr rtlCol="0" anchor="ctr"/>
+          <a:lstStyle/>
+          <a:p>
+            <a:pPr algn="ctr"/>
+            <a:r>
+              <a:rPr lang="en-US" altLang="zh-CN" dirty="0"/>
+              <a:t>C</a:t>
+            </a:r>
+            <a:endParaRPr lang="zh-CN" altLang="en-US" dirty="0"/>
+          </a:p>
+        </p:txBody>
+      </p:sp>
+      <p:cxnSp>
+        <p:nvCxnSpPr>
+          <p:cNvPr id="39" name="直接连接符 38">
+            <a:extLst>
+              <a:ext uri="{FF2B5EF4-FFF2-40B4-BE49-F238E27FC236}">
+                <a16:creationId xmlns:a16="http://schemas.microsoft.com/office/drawing/2014/main" id="{A2AA70A4-FC64-44A5-8F9C-CB9D90AE019C}"/>
+              </a:ext>
+            </a:extLst>
+          </p:cNvPr>
+          <p:cNvCxnSpPr>
+            <a:cxnSpLocks/>
+            <a:stCxn id="35" idx="3"/>
+            <a:endCxn id="38" idx="7"/>
+          </p:cNvCxnSpPr>
+          <p:nvPr/>
+        </p:nvCxnSpPr>
+        <p:spPr>
+          <a:xfrm flipH="1">
+            <a:off x="6444240" y="4150613"/>
+            <a:ext cx="224267" cy="227533"/>
+          </a:xfrm>
+          <a:prstGeom prst="line">
+            <a:avLst/>
+          </a:prstGeom>
+          <a:ln w="28575"/>
+        </p:spPr>
+        <p:style>
+          <a:lnRef idx="1">
+            <a:schemeClr val="accent1"/>
+          </a:lnRef>
+          <a:fillRef idx="0">
+            <a:schemeClr val="accent1"/>
+          </a:fillRef>
+          <a:effectRef idx="0">
+            <a:schemeClr val="accent1"/>
+          </a:effectRef>
+          <a:fontRef idx="minor">
+            <a:schemeClr val="tx1"/>
+          </a:fontRef>
+        </p:style>
+      </p:cxnSp>
+      <p:cxnSp>
+        <p:nvCxnSpPr>
+          <p:cNvPr id="40" name="直接连接符 39">
+            <a:extLst>
+              <a:ext uri="{FF2B5EF4-FFF2-40B4-BE49-F238E27FC236}">
+                <a16:creationId xmlns:a16="http://schemas.microsoft.com/office/drawing/2014/main" id="{94F324A6-B580-4E50-BA74-084272708E54}"/>
+              </a:ext>
+            </a:extLst>
+          </p:cNvPr>
+          <p:cNvCxnSpPr>
+            <a:cxnSpLocks/>
+            <a:stCxn id="38" idx="3"/>
+            <a:endCxn id="36" idx="0"/>
+          </p:cNvCxnSpPr>
+          <p:nvPr/>
+        </p:nvCxnSpPr>
+        <p:spPr>
+          <a:xfrm flipH="1">
+            <a:off x="5514563" y="4889252"/>
+            <a:ext cx="418571" cy="381917"/>
+          </a:xfrm>
+          <a:prstGeom prst="line">
+            <a:avLst/>
+          </a:prstGeom>
+          <a:ln w="28575"/>
+        </p:spPr>
+        <p:style>
+          <a:lnRef idx="1">
+            <a:schemeClr val="accent1"/>
+          </a:lnRef>
+          <a:fillRef idx="0">
+            <a:schemeClr val="accent1"/>
+          </a:fillRef>
+          <a:effectRef idx="0">
+            <a:schemeClr val="accent1"/>
+          </a:effectRef>
+          <a:fontRef idx="minor">
+            <a:schemeClr val="tx1"/>
+          </a:fontRef>
+        </p:style>
+      </p:cxnSp>
+      <p:cxnSp>
+        <p:nvCxnSpPr>
+          <p:cNvPr id="41" name="直接连接符 40">
+            <a:extLst>
+              <a:ext uri="{FF2B5EF4-FFF2-40B4-BE49-F238E27FC236}">
+                <a16:creationId xmlns:a16="http://schemas.microsoft.com/office/drawing/2014/main" id="{E338EAC3-7D43-4B74-B2E7-8083C39BD5FA}"/>
+              </a:ext>
+            </a:extLst>
+          </p:cNvPr>
+          <p:cNvCxnSpPr>
+            <a:cxnSpLocks/>
+            <a:stCxn id="38" idx="5"/>
+            <a:endCxn id="37" idx="0"/>
+          </p:cNvCxnSpPr>
+          <p:nvPr/>
+        </p:nvCxnSpPr>
+        <p:spPr>
+          <a:xfrm>
+            <a:off x="6444240" y="4889252"/>
+            <a:ext cx="500895" cy="425760"/>
+          </a:xfrm>
+          <a:prstGeom prst="line">
+            <a:avLst/>
+          </a:prstGeom>
+          <a:ln w="28575"/>
+        </p:spPr>
+        <p:style>
+          <a:lnRef idx="1">
+            <a:schemeClr val="accent1"/>
+          </a:lnRef>
+          <a:fillRef idx="0">
+            <a:schemeClr val="accent1"/>
+          </a:fillRef>
+          <a:effectRef idx="0">
+            <a:schemeClr val="accent1"/>
+          </a:effectRef>
+          <a:fontRef idx="minor">
+            <a:schemeClr val="tx1"/>
+          </a:fontRef>
+        </p:style>
+      </p:cxnSp>
+      <p:sp>
+        <p:nvSpPr>
+          <p:cNvPr id="42" name="文本框 41">
+            <a:extLst>
+              <a:ext uri="{FF2B5EF4-FFF2-40B4-BE49-F238E27FC236}">
+                <a16:creationId xmlns:a16="http://schemas.microsoft.com/office/drawing/2014/main" id="{29435E0C-E1DB-436E-B685-5B81A9D842A4}"/>
+              </a:ext>
+            </a:extLst>
+          </p:cNvPr>
+          <p:cNvSpPr txBox="1"/>
+          <p:nvPr/>
+        </p:nvSpPr>
+        <p:spPr>
+          <a:xfrm>
+            <a:off x="5683967" y="6496013"/>
+            <a:ext cx="1884915" cy="369332"/>
+          </a:xfrm>
+          <a:prstGeom prst="rect">
+            <a:avLst/>
+          </a:prstGeom>
+          <a:noFill/>
+        </p:spPr>
+        <p:txBody>
+          <a:bodyPr wrap="square" rtlCol="0">
+            <a:spAutoFit/>
+          </a:bodyPr>
+          <a:lstStyle/>
+          <a:p>
+            <a:r>
+              <a:rPr lang="zh-CN" altLang="en-US" dirty="0"/>
+              <a:t>右单旋前</a:t>
+            </a:r>
+          </a:p>
+        </p:txBody>
+      </p:sp>
+      <p:sp>
+        <p:nvSpPr>
+          <p:cNvPr id="43" name="文本框 42">
+            <a:extLst>
+              <a:ext uri="{FF2B5EF4-FFF2-40B4-BE49-F238E27FC236}">
+                <a16:creationId xmlns:a16="http://schemas.microsoft.com/office/drawing/2014/main" id="{CDB8F8B6-9DC7-4C35-8F7F-A5E2325AB6BE}"/>
+              </a:ext>
+            </a:extLst>
+          </p:cNvPr>
+          <p:cNvSpPr txBox="1"/>
+          <p:nvPr/>
+        </p:nvSpPr>
+        <p:spPr>
+          <a:xfrm>
+            <a:off x="5382468" y="3619231"/>
+            <a:ext cx="1249859" cy="369332"/>
+          </a:xfrm>
+          <a:prstGeom prst="rect">
+            <a:avLst/>
+          </a:prstGeom>
+          <a:noFill/>
+        </p:spPr>
+        <p:txBody>
+          <a:bodyPr wrap="square">
+            <a:spAutoFit/>
+          </a:bodyPr>
+          <a:lstStyle/>
+          <a:p>
+            <a:r>
+              <a:rPr lang="zh-CN" altLang="en-US" sz="1800" dirty="0"/>
+              <a:t>旋转节点</a:t>
+            </a:r>
+            <a:endParaRPr lang="zh-CN" altLang="en-US" dirty="0"/>
+          </a:p>
+        </p:txBody>
+      </p:sp>
+      <p:sp>
+        <p:nvSpPr>
+          <p:cNvPr id="44" name="文本框 43">
+            <a:extLst>
+              <a:ext uri="{FF2B5EF4-FFF2-40B4-BE49-F238E27FC236}">
+                <a16:creationId xmlns:a16="http://schemas.microsoft.com/office/drawing/2014/main" id="{DF99A557-0492-4C28-9139-DB16397BD36D}"/>
+              </a:ext>
+            </a:extLst>
+          </p:cNvPr>
+          <p:cNvSpPr txBox="1"/>
+          <p:nvPr/>
+        </p:nvSpPr>
+        <p:spPr>
+          <a:xfrm>
+            <a:off x="5091908" y="4416650"/>
+            <a:ext cx="722812" cy="369332"/>
+          </a:xfrm>
+          <a:prstGeom prst="rect">
+            <a:avLst/>
+          </a:prstGeom>
+          <a:noFill/>
+        </p:spPr>
+        <p:txBody>
+          <a:bodyPr wrap="square">
+            <a:spAutoFit/>
+          </a:bodyPr>
+          <a:lstStyle/>
+          <a:p>
+            <a:r>
+              <a:rPr lang="zh-CN" altLang="en-US" sz="1800" dirty="0"/>
+              <a:t>新根</a:t>
+            </a:r>
+            <a:endParaRPr lang="zh-CN" altLang="en-US" dirty="0"/>
+          </a:p>
+        </p:txBody>
+      </p:sp>
+      <p:sp>
+        <p:nvSpPr>
+          <p:cNvPr id="45" name="文本框 44">
+            <a:extLst>
+              <a:ext uri="{FF2B5EF4-FFF2-40B4-BE49-F238E27FC236}">
+                <a16:creationId xmlns:a16="http://schemas.microsoft.com/office/drawing/2014/main" id="{D726EEBC-AE9A-4899-9651-9E36EE4F93C8}"/>
+              </a:ext>
+            </a:extLst>
+          </p:cNvPr>
+          <p:cNvSpPr txBox="1"/>
+          <p:nvPr/>
+        </p:nvSpPr>
+        <p:spPr>
+          <a:xfrm>
+            <a:off x="6536827" y="2641907"/>
+            <a:ext cx="1103197" cy="369332"/>
+          </a:xfrm>
+          <a:prstGeom prst="rect">
+            <a:avLst/>
+          </a:prstGeom>
+          <a:noFill/>
+        </p:spPr>
+        <p:txBody>
+          <a:bodyPr wrap="square">
+            <a:spAutoFit/>
+          </a:bodyPr>
+          <a:lstStyle/>
+          <a:p>
+            <a:r>
+              <a:rPr lang="zh-CN" altLang="en-US" dirty="0"/>
+              <a:t>不变</a:t>
+            </a:r>
+            <a:r>
+              <a:rPr lang="zh-CN" altLang="en-US" sz="1800" dirty="0"/>
+              <a:t>分支</a:t>
+            </a:r>
+            <a:endParaRPr lang="zh-CN" altLang="en-US" dirty="0"/>
+          </a:p>
+        </p:txBody>
+      </p:sp>
+      <p:sp>
+        <p:nvSpPr>
+          <p:cNvPr id="46" name="文本框 45">
+            <a:extLst>
+              <a:ext uri="{FF2B5EF4-FFF2-40B4-BE49-F238E27FC236}">
+                <a16:creationId xmlns:a16="http://schemas.microsoft.com/office/drawing/2014/main" id="{31CEB9D5-D899-438D-91B2-4A5CC80992D7}"/>
+              </a:ext>
+            </a:extLst>
+          </p:cNvPr>
+          <p:cNvSpPr txBox="1"/>
+          <p:nvPr/>
+        </p:nvSpPr>
+        <p:spPr>
+          <a:xfrm>
+            <a:off x="6496118" y="6081525"/>
+            <a:ext cx="1153413" cy="369332"/>
+          </a:xfrm>
+          <a:prstGeom prst="rect">
+            <a:avLst/>
+          </a:prstGeom>
+          <a:noFill/>
+        </p:spPr>
+        <p:txBody>
+          <a:bodyPr wrap="square">
+            <a:spAutoFit/>
+          </a:bodyPr>
+          <a:lstStyle/>
+          <a:p>
+            <a:r>
+              <a:rPr lang="zh-CN" altLang="en-US" sz="1800" dirty="0"/>
+              <a:t>变化分支</a:t>
+            </a:r>
+            <a:endParaRPr lang="zh-CN" altLang="en-US" dirty="0"/>
+          </a:p>
+        </p:txBody>
+      </p:sp>
+      <p:sp>
+        <p:nvSpPr>
+          <p:cNvPr id="69" name="箭头: 右 68">
+            <a:extLst>
+              <a:ext uri="{FF2B5EF4-FFF2-40B4-BE49-F238E27FC236}">
+                <a16:creationId xmlns:a16="http://schemas.microsoft.com/office/drawing/2014/main" id="{9AA98044-6639-4A12-B058-D7F253D99592}"/>
+              </a:ext>
+            </a:extLst>
+          </p:cNvPr>
+          <p:cNvSpPr/>
+          <p:nvPr/>
+        </p:nvSpPr>
+        <p:spPr>
+          <a:xfrm>
+            <a:off x="7268887" y="859330"/>
+            <a:ext cx="1103197" cy="722812"/>
+          </a:xfrm>
+          <a:prstGeom prst="rightArrow">
+            <a:avLst/>
+          </a:prstGeom>
+        </p:spPr>
+        <p:style>
+          <a:lnRef idx="2">
+            <a:schemeClr val="accent1">
+              <a:shade val="50000"/>
+            </a:schemeClr>
+          </a:lnRef>
+          <a:fillRef idx="1">
+            <a:schemeClr val="accent1"/>
+          </a:fillRef>
+          <a:effectRef idx="0">
+            <a:schemeClr val="accent1"/>
+          </a:effectRef>
+          <a:fontRef idx="minor">
+            <a:schemeClr val="lt1"/>
+          </a:fontRef>
+        </p:style>
+        <p:txBody>
+          <a:bodyPr rtlCol="0" anchor="ctr"/>
+          <a:lstStyle/>
+          <a:p>
+            <a:pPr algn="ctr"/>
+            <a:endParaRPr lang="zh-CN" altLang="en-US"/>
+          </a:p>
+        </p:txBody>
+      </p:sp>
+      <p:sp>
+        <p:nvSpPr>
+          <p:cNvPr id="70" name="箭头: 右 69">
+            <a:extLst>
+              <a:ext uri="{FF2B5EF4-FFF2-40B4-BE49-F238E27FC236}">
+                <a16:creationId xmlns:a16="http://schemas.microsoft.com/office/drawing/2014/main" id="{A4A64412-34BA-4E56-B520-1141655088CE}"/>
+              </a:ext>
+            </a:extLst>
+          </p:cNvPr>
+          <p:cNvSpPr/>
+          <p:nvPr/>
+        </p:nvSpPr>
+        <p:spPr>
+          <a:xfrm>
+            <a:off x="7338026" y="4378146"/>
+            <a:ext cx="1103197" cy="722812"/>
+          </a:xfrm>
+          <a:prstGeom prst="rightArrow">
+            <a:avLst/>
+          </a:prstGeom>
+        </p:spPr>
+        <p:style>
+          <a:lnRef idx="2">
+            <a:schemeClr val="accent1">
+              <a:shade val="50000"/>
+            </a:schemeClr>
+          </a:lnRef>
+          <a:fillRef idx="1">
+            <a:schemeClr val="accent1"/>
+          </a:fillRef>
+          <a:effectRef idx="0">
+            <a:schemeClr val="accent1"/>
+          </a:effectRef>
+          <a:fontRef idx="minor">
+            <a:schemeClr val="lt1"/>
+          </a:fontRef>
+        </p:style>
+        <p:txBody>
+          <a:bodyPr rtlCol="0" anchor="ctr"/>
+          <a:lstStyle/>
+          <a:p>
+            <a:pPr algn="ctr"/>
+            <a:endParaRPr lang="zh-CN" altLang="en-US"/>
+          </a:p>
+        </p:txBody>
+      </p:sp>
+      <p:sp>
+        <p:nvSpPr>
+          <p:cNvPr id="71" name="椭圆 70">
+            <a:extLst>
+              <a:ext uri="{FF2B5EF4-FFF2-40B4-BE49-F238E27FC236}">
+                <a16:creationId xmlns:a16="http://schemas.microsoft.com/office/drawing/2014/main" id="{2C6CC4D0-8F63-45BB-B58B-F3B8ECE98619}"/>
+              </a:ext>
+            </a:extLst>
+          </p:cNvPr>
+          <p:cNvSpPr/>
+          <p:nvPr/>
+        </p:nvSpPr>
+        <p:spPr>
+          <a:xfrm>
+            <a:off x="9230208" y="877749"/>
+            <a:ext cx="722812" cy="722812"/>
+          </a:xfrm>
+          <a:prstGeom prst="ellipse">
+            <a:avLst/>
+          </a:prstGeom>
+        </p:spPr>
+        <p:style>
+          <a:lnRef idx="2">
+            <a:schemeClr val="accent1">
+              <a:shade val="50000"/>
+            </a:schemeClr>
+          </a:lnRef>
+          <a:fillRef idx="1">
+            <a:schemeClr val="accent1"/>
+          </a:fillRef>
+          <a:effectRef idx="0">
+            <a:schemeClr val="accent1"/>
+          </a:effectRef>
+          <a:fontRef idx="minor">
+            <a:schemeClr val="lt1"/>
+          </a:fontRef>
+        </p:style>
+        <p:txBody>
+          <a:bodyPr rtlCol="0" anchor="ctr"/>
+          <a:lstStyle/>
+          <a:p>
+            <a:pPr algn="ctr"/>
+            <a:r>
+              <a:rPr lang="en-US" altLang="zh-CN" dirty="0"/>
+              <a:t>A</a:t>
+            </a:r>
+            <a:endParaRPr lang="zh-CN" altLang="en-US" dirty="0"/>
+          </a:p>
+        </p:txBody>
+      </p:sp>
+      <p:sp>
+        <p:nvSpPr>
+          <p:cNvPr id="72" name="椭圆 71">
+            <a:extLst>
+              <a:ext uri="{FF2B5EF4-FFF2-40B4-BE49-F238E27FC236}">
+                <a16:creationId xmlns:a16="http://schemas.microsoft.com/office/drawing/2014/main" id="{7AF931D2-C1FB-40F6-BEC9-BB0840AFD8B2}"/>
+              </a:ext>
+            </a:extLst>
+          </p:cNvPr>
+          <p:cNvSpPr/>
+          <p:nvPr/>
+        </p:nvSpPr>
+        <p:spPr>
+          <a:xfrm>
+            <a:off x="10010918" y="1616469"/>
+            <a:ext cx="722812" cy="722812"/>
+          </a:xfrm>
+          <a:prstGeom prst="ellipse">
+            <a:avLst/>
+          </a:prstGeom>
+        </p:spPr>
+        <p:style>
+          <a:lnRef idx="2">
+            <a:schemeClr val="accent1">
+              <a:shade val="50000"/>
+            </a:schemeClr>
+          </a:lnRef>
+          <a:fillRef idx="1">
+            <a:schemeClr val="accent1"/>
+          </a:fillRef>
+          <a:effectRef idx="0">
+            <a:schemeClr val="accent1"/>
+          </a:effectRef>
+          <a:fontRef idx="minor">
+            <a:schemeClr val="lt1"/>
+          </a:fontRef>
+        </p:style>
+        <p:txBody>
+          <a:bodyPr rtlCol="0" anchor="ctr"/>
+          <a:lstStyle/>
+          <a:p>
+            <a:pPr algn="ctr"/>
+            <a:r>
+              <a:rPr lang="en-US" altLang="zh-CN" dirty="0"/>
+              <a:t>F</a:t>
+            </a:r>
+            <a:endParaRPr lang="zh-CN" altLang="en-US" dirty="0"/>
+          </a:p>
+        </p:txBody>
+      </p:sp>
+      <p:sp>
+        <p:nvSpPr>
+          <p:cNvPr id="73" name="椭圆 72">
+            <a:extLst>
+              <a:ext uri="{FF2B5EF4-FFF2-40B4-BE49-F238E27FC236}">
+                <a16:creationId xmlns:a16="http://schemas.microsoft.com/office/drawing/2014/main" id="{57AB9875-95CC-406B-B5FC-27706186DDDF}"/>
+              </a:ext>
+            </a:extLst>
+          </p:cNvPr>
+          <p:cNvSpPr/>
+          <p:nvPr/>
+        </p:nvSpPr>
+        <p:spPr>
+          <a:xfrm>
+            <a:off x="11031366" y="874375"/>
+            <a:ext cx="722812" cy="722812"/>
+          </a:xfrm>
+          <a:prstGeom prst="ellipse">
+            <a:avLst/>
+          </a:prstGeom>
+        </p:spPr>
+        <p:style>
+          <a:lnRef idx="2">
+            <a:schemeClr val="accent1">
+              <a:shade val="50000"/>
+            </a:schemeClr>
+          </a:lnRef>
+          <a:fillRef idx="1">
+            <a:schemeClr val="accent1"/>
+          </a:fillRef>
+          <a:effectRef idx="0">
+            <a:schemeClr val="accent1"/>
+          </a:effectRef>
+          <a:fontRef idx="minor">
+            <a:schemeClr val="lt1"/>
+          </a:fontRef>
+        </p:style>
+        <p:txBody>
+          <a:bodyPr rtlCol="0" anchor="ctr"/>
+          <a:lstStyle/>
+          <a:p>
+            <a:pPr algn="ctr"/>
+            <a:r>
+              <a:rPr lang="en-US" altLang="zh-CN" dirty="0"/>
+              <a:t>G</a:t>
+            </a:r>
+            <a:endParaRPr lang="zh-CN" altLang="en-US" dirty="0"/>
+          </a:p>
+        </p:txBody>
+      </p:sp>
+      <p:sp>
+        <p:nvSpPr>
+          <p:cNvPr id="74" name="椭圆 73">
+            <a:extLst>
+              <a:ext uri="{FF2B5EF4-FFF2-40B4-BE49-F238E27FC236}">
+                <a16:creationId xmlns:a16="http://schemas.microsoft.com/office/drawing/2014/main" id="{7FCFB968-AEDC-463C-B449-1100EFAE3F92}"/>
+              </a:ext>
+            </a:extLst>
+          </p:cNvPr>
+          <p:cNvSpPr/>
+          <p:nvPr/>
+        </p:nvSpPr>
+        <p:spPr>
+          <a:xfrm>
+            <a:off x="10091340" y="39132"/>
+            <a:ext cx="722812" cy="722812"/>
+          </a:xfrm>
+          <a:prstGeom prst="ellipse">
+            <a:avLst/>
+          </a:prstGeom>
+        </p:spPr>
+        <p:style>
+          <a:lnRef idx="2">
+            <a:schemeClr val="accent1">
+              <a:shade val="50000"/>
+            </a:schemeClr>
+          </a:lnRef>
+          <a:fillRef idx="1">
+            <a:schemeClr val="accent1"/>
+          </a:fillRef>
+          <a:effectRef idx="0">
+            <a:schemeClr val="accent1"/>
+          </a:effectRef>
+          <a:fontRef idx="minor">
+            <a:schemeClr val="lt1"/>
+          </a:fontRef>
+        </p:style>
+        <p:txBody>
+          <a:bodyPr rtlCol="0" anchor="ctr"/>
+          <a:lstStyle/>
+          <a:p>
+            <a:pPr algn="ctr"/>
+            <a:r>
+              <a:rPr lang="en-US" altLang="zh-CN" dirty="0"/>
+              <a:t>C</a:t>
+            </a:r>
+            <a:endParaRPr lang="zh-CN" altLang="en-US" dirty="0"/>
+          </a:p>
+        </p:txBody>
+      </p:sp>
+      <p:cxnSp>
+        <p:nvCxnSpPr>
+          <p:cNvPr id="75" name="直接连接符 74">
+            <a:extLst>
+              <a:ext uri="{FF2B5EF4-FFF2-40B4-BE49-F238E27FC236}">
+                <a16:creationId xmlns:a16="http://schemas.microsoft.com/office/drawing/2014/main" id="{B9BB2074-93AF-4740-8D99-88F812A3BD38}"/>
+              </a:ext>
+            </a:extLst>
+          </p:cNvPr>
+          <p:cNvCxnSpPr>
+            <a:cxnSpLocks/>
+            <a:stCxn id="71" idx="7"/>
+            <a:endCxn id="74" idx="3"/>
+          </p:cNvCxnSpPr>
+          <p:nvPr/>
+        </p:nvCxnSpPr>
+        <p:spPr>
+          <a:xfrm flipV="1">
+            <a:off x="9847167" y="656091"/>
+            <a:ext cx="350026" cy="327511"/>
+          </a:xfrm>
+          <a:prstGeom prst="line">
+            <a:avLst/>
+          </a:prstGeom>
+          <a:ln w="28575"/>
+        </p:spPr>
+        <p:style>
+          <a:lnRef idx="1">
+            <a:schemeClr val="accent1"/>
+          </a:lnRef>
+          <a:fillRef idx="0">
+            <a:schemeClr val="accent1"/>
+          </a:fillRef>
+          <a:effectRef idx="0">
+            <a:schemeClr val="accent1"/>
+          </a:effectRef>
+          <a:fontRef idx="minor">
+            <a:schemeClr val="tx1"/>
+          </a:fontRef>
+        </p:style>
+      </p:cxnSp>
+      <p:cxnSp>
+        <p:nvCxnSpPr>
+          <p:cNvPr id="76" name="直接连接符 75">
+            <a:extLst>
+              <a:ext uri="{FF2B5EF4-FFF2-40B4-BE49-F238E27FC236}">
+                <a16:creationId xmlns:a16="http://schemas.microsoft.com/office/drawing/2014/main" id="{EA0EBD8E-3623-476D-8816-A1EA78C5E2C5}"/>
+              </a:ext>
+            </a:extLst>
+          </p:cNvPr>
+          <p:cNvCxnSpPr>
+            <a:cxnSpLocks/>
+            <a:stCxn id="71" idx="5"/>
+            <a:endCxn id="72" idx="1"/>
+          </p:cNvCxnSpPr>
+          <p:nvPr/>
+        </p:nvCxnSpPr>
+        <p:spPr>
+          <a:xfrm>
+            <a:off x="9847167" y="1494708"/>
+            <a:ext cx="269604" cy="227614"/>
+          </a:xfrm>
+          <a:prstGeom prst="line">
+            <a:avLst/>
+          </a:prstGeom>
+          <a:ln w="28575"/>
+        </p:spPr>
+        <p:style>
+          <a:lnRef idx="1">
+            <a:schemeClr val="accent1"/>
+          </a:lnRef>
+          <a:fillRef idx="0">
+            <a:schemeClr val="accent1"/>
+          </a:fillRef>
+          <a:effectRef idx="0">
+            <a:schemeClr val="accent1"/>
+          </a:effectRef>
+          <a:fontRef idx="minor">
+            <a:schemeClr val="tx1"/>
+          </a:fontRef>
+        </p:style>
+      </p:cxnSp>
+      <p:cxnSp>
+        <p:nvCxnSpPr>
+          <p:cNvPr id="77" name="直接连接符 76">
+            <a:extLst>
+              <a:ext uri="{FF2B5EF4-FFF2-40B4-BE49-F238E27FC236}">
+                <a16:creationId xmlns:a16="http://schemas.microsoft.com/office/drawing/2014/main" id="{5769F2D6-7F3D-4DF1-B0E3-C1E689AEC323}"/>
+              </a:ext>
+            </a:extLst>
+          </p:cNvPr>
+          <p:cNvCxnSpPr>
+            <a:cxnSpLocks/>
+            <a:stCxn id="74" idx="5"/>
+            <a:endCxn id="73" idx="1"/>
+          </p:cNvCxnSpPr>
+          <p:nvPr/>
+        </p:nvCxnSpPr>
+        <p:spPr>
+          <a:xfrm>
+            <a:off x="10708299" y="656091"/>
+            <a:ext cx="428920" cy="324137"/>
+          </a:xfrm>
+          <a:prstGeom prst="line">
+            <a:avLst/>
+          </a:prstGeom>
+          <a:ln w="28575"/>
+        </p:spPr>
+        <p:style>
+          <a:lnRef idx="1">
+            <a:schemeClr val="accent1"/>
+          </a:lnRef>
+          <a:fillRef idx="0">
+            <a:schemeClr val="accent1"/>
+          </a:fillRef>
+          <a:effectRef idx="0">
+            <a:schemeClr val="accent1"/>
+          </a:effectRef>
+          <a:fontRef idx="minor">
+            <a:schemeClr val="tx1"/>
+          </a:fontRef>
+        </p:style>
+      </p:cxnSp>
+      <p:sp>
+        <p:nvSpPr>
+          <p:cNvPr id="78" name="文本框 77">
+            <a:extLst>
+              <a:ext uri="{FF2B5EF4-FFF2-40B4-BE49-F238E27FC236}">
+                <a16:creationId xmlns:a16="http://schemas.microsoft.com/office/drawing/2014/main" id="{8E27E1F7-43DA-44F0-8815-500CD2A24938}"/>
+              </a:ext>
+            </a:extLst>
+          </p:cNvPr>
+          <p:cNvSpPr txBox="1"/>
+          <p:nvPr/>
+        </p:nvSpPr>
+        <p:spPr>
+          <a:xfrm>
+            <a:off x="10295993" y="2759305"/>
+            <a:ext cx="1884915" cy="369332"/>
+          </a:xfrm>
+          <a:prstGeom prst="rect">
+            <a:avLst/>
+          </a:prstGeom>
+          <a:noFill/>
+        </p:spPr>
+        <p:txBody>
+          <a:bodyPr wrap="square" rtlCol="0">
+            <a:spAutoFit/>
+          </a:bodyPr>
+          <a:lstStyle/>
+          <a:p>
+            <a:r>
+              <a:rPr lang="zh-CN" altLang="en-US" dirty="0"/>
+              <a:t>左单旋后</a:t>
+            </a:r>
+          </a:p>
+        </p:txBody>
+      </p:sp>
+      <p:sp>
+        <p:nvSpPr>
+          <p:cNvPr id="79" name="文本框 78">
+            <a:extLst>
+              <a:ext uri="{FF2B5EF4-FFF2-40B4-BE49-F238E27FC236}">
+                <a16:creationId xmlns:a16="http://schemas.microsoft.com/office/drawing/2014/main" id="{3DAB0D6E-F7B2-4427-9CBA-5BD7034270E8}"/>
+              </a:ext>
+            </a:extLst>
+          </p:cNvPr>
+          <p:cNvSpPr txBox="1"/>
+          <p:nvPr/>
+        </p:nvSpPr>
+        <p:spPr>
+          <a:xfrm>
+            <a:off x="8253689" y="1235781"/>
+            <a:ext cx="1249859" cy="369332"/>
+          </a:xfrm>
+          <a:prstGeom prst="rect">
+            <a:avLst/>
+          </a:prstGeom>
+          <a:noFill/>
+        </p:spPr>
+        <p:txBody>
+          <a:bodyPr wrap="square">
+            <a:spAutoFit/>
+          </a:bodyPr>
+          <a:lstStyle/>
+          <a:p>
+            <a:r>
+              <a:rPr lang="zh-CN" altLang="en-US" sz="1800" dirty="0"/>
+              <a:t>旋转节点</a:t>
+            </a:r>
+            <a:endParaRPr lang="zh-CN" altLang="en-US" dirty="0"/>
+          </a:p>
+        </p:txBody>
+      </p:sp>
+      <p:sp>
+        <p:nvSpPr>
+          <p:cNvPr id="80" name="文本框 79">
+            <a:extLst>
+              <a:ext uri="{FF2B5EF4-FFF2-40B4-BE49-F238E27FC236}">
+                <a16:creationId xmlns:a16="http://schemas.microsoft.com/office/drawing/2014/main" id="{9EB223C1-2F02-42D1-9D3F-EB1376E75E47}"/>
+              </a:ext>
+            </a:extLst>
+          </p:cNvPr>
+          <p:cNvSpPr txBox="1"/>
+          <p:nvPr/>
+        </p:nvSpPr>
+        <p:spPr>
+          <a:xfrm>
+            <a:off x="9449472" y="156250"/>
+            <a:ext cx="722812" cy="369332"/>
+          </a:xfrm>
+          <a:prstGeom prst="rect">
+            <a:avLst/>
+          </a:prstGeom>
+          <a:noFill/>
+        </p:spPr>
+        <p:txBody>
+          <a:bodyPr wrap="square">
+            <a:spAutoFit/>
+          </a:bodyPr>
+          <a:lstStyle/>
+          <a:p>
+            <a:r>
+              <a:rPr lang="zh-CN" altLang="en-US" sz="1800" dirty="0"/>
+              <a:t>新根</a:t>
+            </a:r>
+            <a:endParaRPr lang="zh-CN" altLang="en-US" dirty="0"/>
+          </a:p>
+        </p:txBody>
+      </p:sp>
+      <p:sp>
+        <p:nvSpPr>
+          <p:cNvPr id="81" name="文本框 80">
+            <a:extLst>
+              <a:ext uri="{FF2B5EF4-FFF2-40B4-BE49-F238E27FC236}">
+                <a16:creationId xmlns:a16="http://schemas.microsoft.com/office/drawing/2014/main" id="{7404ED28-393B-4079-9E3E-04DC6BA19494}"/>
+              </a:ext>
+            </a:extLst>
+          </p:cNvPr>
+          <p:cNvSpPr txBox="1"/>
+          <p:nvPr/>
+        </p:nvSpPr>
+        <p:spPr>
+          <a:xfrm>
+            <a:off x="9831154" y="2397899"/>
+            <a:ext cx="1153413" cy="369332"/>
+          </a:xfrm>
+          <a:prstGeom prst="rect">
+            <a:avLst/>
+          </a:prstGeom>
+          <a:noFill/>
+        </p:spPr>
+        <p:txBody>
+          <a:bodyPr wrap="square">
+            <a:spAutoFit/>
+          </a:bodyPr>
+          <a:lstStyle/>
+          <a:p>
+            <a:r>
+              <a:rPr lang="zh-CN" altLang="en-US" sz="1800" dirty="0"/>
+              <a:t>变化分支</a:t>
+            </a:r>
+            <a:endParaRPr lang="zh-CN" altLang="en-US" dirty="0"/>
+          </a:p>
+        </p:txBody>
+      </p:sp>
+      <p:sp>
+        <p:nvSpPr>
+          <p:cNvPr id="82" name="文本框 81">
+            <a:extLst>
+              <a:ext uri="{FF2B5EF4-FFF2-40B4-BE49-F238E27FC236}">
+                <a16:creationId xmlns:a16="http://schemas.microsoft.com/office/drawing/2014/main" id="{B18008B7-AC19-49A6-8A90-75B9362CF0B7}"/>
+              </a:ext>
+            </a:extLst>
+          </p:cNvPr>
+          <p:cNvSpPr txBox="1"/>
+          <p:nvPr/>
+        </p:nvSpPr>
+        <p:spPr>
+          <a:xfrm>
+            <a:off x="10929539" y="1605113"/>
+            <a:ext cx="1103197" cy="369332"/>
+          </a:xfrm>
+          <a:prstGeom prst="rect">
+            <a:avLst/>
+          </a:prstGeom>
+          <a:noFill/>
+        </p:spPr>
+        <p:txBody>
+          <a:bodyPr wrap="square">
+            <a:spAutoFit/>
+          </a:bodyPr>
+          <a:lstStyle/>
+          <a:p>
+            <a:r>
+              <a:rPr lang="zh-CN" altLang="en-US" dirty="0"/>
+              <a:t>不变</a:t>
+            </a:r>
+            <a:r>
+              <a:rPr lang="zh-CN" altLang="en-US" sz="1800" dirty="0"/>
+              <a:t>分支</a:t>
+            </a:r>
+            <a:endParaRPr lang="zh-CN" altLang="en-US" dirty="0"/>
+          </a:p>
+        </p:txBody>
+      </p:sp>
+      <p:sp>
+        <p:nvSpPr>
+          <p:cNvPr id="103" name="文本框 102">
+            <a:extLst>
+              <a:ext uri="{FF2B5EF4-FFF2-40B4-BE49-F238E27FC236}">
+                <a16:creationId xmlns:a16="http://schemas.microsoft.com/office/drawing/2014/main" id="{0263BAC4-7E05-4E83-A39D-5FEF742975B6}"/>
+              </a:ext>
+            </a:extLst>
+          </p:cNvPr>
+          <p:cNvSpPr txBox="1"/>
+          <p:nvPr/>
+        </p:nvSpPr>
+        <p:spPr>
+          <a:xfrm>
+            <a:off x="8493714" y="5075689"/>
+            <a:ext cx="1103197" cy="369332"/>
+          </a:xfrm>
+          <a:prstGeom prst="rect">
+            <a:avLst/>
+          </a:prstGeom>
+          <a:noFill/>
+        </p:spPr>
+        <p:txBody>
+          <a:bodyPr wrap="square">
+            <a:spAutoFit/>
+          </a:bodyPr>
+          <a:lstStyle/>
+          <a:p>
+            <a:r>
+              <a:rPr lang="zh-CN" altLang="en-US" dirty="0"/>
+              <a:t>不变</a:t>
+            </a:r>
+            <a:r>
+              <a:rPr lang="zh-CN" altLang="en-US" sz="1800" dirty="0"/>
+              <a:t>分支</a:t>
+            </a:r>
+            <a:endParaRPr lang="zh-CN" altLang="en-US" dirty="0"/>
+          </a:p>
+        </p:txBody>
+      </p:sp>
+      <p:sp>
+        <p:nvSpPr>
+          <p:cNvPr id="104" name="椭圆 103">
+            <a:extLst>
+              <a:ext uri="{FF2B5EF4-FFF2-40B4-BE49-F238E27FC236}">
+                <a16:creationId xmlns:a16="http://schemas.microsoft.com/office/drawing/2014/main" id="{2B7F38BC-57B3-4290-9DCF-7D9268A8D94E}"/>
+              </a:ext>
+            </a:extLst>
+          </p:cNvPr>
+          <p:cNvSpPr/>
+          <p:nvPr/>
+        </p:nvSpPr>
+        <p:spPr>
+          <a:xfrm>
+            <a:off x="10490764" y="4252799"/>
+            <a:ext cx="722812" cy="722812"/>
+          </a:xfrm>
+          <a:prstGeom prst="ellipse">
+            <a:avLst/>
+          </a:prstGeom>
+        </p:spPr>
+        <p:style>
+          <a:lnRef idx="2">
+            <a:schemeClr val="accent1">
+              <a:shade val="50000"/>
+            </a:schemeClr>
+          </a:lnRef>
+          <a:fillRef idx="1">
+            <a:schemeClr val="accent1"/>
+          </a:fillRef>
+          <a:effectRef idx="0">
+            <a:schemeClr val="accent1"/>
+          </a:effectRef>
+          <a:fontRef idx="minor">
+            <a:schemeClr val="lt1"/>
+          </a:fontRef>
+        </p:style>
+        <p:txBody>
+          <a:bodyPr rtlCol="0" anchor="ctr"/>
+          <a:lstStyle/>
+          <a:p>
+            <a:pPr algn="ctr"/>
+            <a:r>
+              <a:rPr lang="en-US" altLang="zh-CN" dirty="0"/>
+              <a:t>A</a:t>
+            </a:r>
+            <a:endParaRPr lang="zh-CN" altLang="en-US" dirty="0"/>
+          </a:p>
+        </p:txBody>
+      </p:sp>
+      <p:sp>
+        <p:nvSpPr>
+          <p:cNvPr id="105" name="椭圆 104">
+            <a:extLst>
+              <a:ext uri="{FF2B5EF4-FFF2-40B4-BE49-F238E27FC236}">
+                <a16:creationId xmlns:a16="http://schemas.microsoft.com/office/drawing/2014/main" id="{0A805231-BF44-4579-B9C0-501AE5492752}"/>
+              </a:ext>
+            </a:extLst>
+          </p:cNvPr>
+          <p:cNvSpPr/>
+          <p:nvPr/>
+        </p:nvSpPr>
+        <p:spPr>
+          <a:xfrm>
+            <a:off x="8692385" y="4238662"/>
+            <a:ext cx="722812" cy="722812"/>
+          </a:xfrm>
+          <a:prstGeom prst="ellipse">
+            <a:avLst/>
+          </a:prstGeom>
+        </p:spPr>
+        <p:style>
+          <a:lnRef idx="2">
+            <a:schemeClr val="accent1">
+              <a:shade val="50000"/>
+            </a:schemeClr>
+          </a:lnRef>
+          <a:fillRef idx="1">
+            <a:schemeClr val="accent1"/>
+          </a:fillRef>
+          <a:effectRef idx="0">
+            <a:schemeClr val="accent1"/>
+          </a:effectRef>
+          <a:fontRef idx="minor">
+            <a:schemeClr val="lt1"/>
+          </a:fontRef>
+        </p:style>
+        <p:txBody>
+          <a:bodyPr rtlCol="0" anchor="ctr"/>
+          <a:lstStyle/>
+          <a:p>
+            <a:pPr algn="ctr"/>
+            <a:r>
+              <a:rPr lang="en-US" altLang="zh-CN" dirty="0"/>
+              <a:t>F</a:t>
+            </a:r>
+            <a:endParaRPr lang="zh-CN" altLang="en-US" dirty="0"/>
+          </a:p>
+        </p:txBody>
+      </p:sp>
+      <p:sp>
+        <p:nvSpPr>
+          <p:cNvPr id="106" name="椭圆 105">
+            <a:extLst>
+              <a:ext uri="{FF2B5EF4-FFF2-40B4-BE49-F238E27FC236}">
+                <a16:creationId xmlns:a16="http://schemas.microsoft.com/office/drawing/2014/main" id="{480F7070-AA3D-4BA6-97C3-BDF8ACBBBD65}"/>
+              </a:ext>
+            </a:extLst>
+          </p:cNvPr>
+          <p:cNvSpPr/>
+          <p:nvPr/>
+        </p:nvSpPr>
+        <p:spPr>
+          <a:xfrm>
+            <a:off x="9663324" y="5083615"/>
+            <a:ext cx="722812" cy="722812"/>
+          </a:xfrm>
+          <a:prstGeom prst="ellipse">
+            <a:avLst/>
+          </a:prstGeom>
+        </p:spPr>
+        <p:style>
+          <a:lnRef idx="2">
+            <a:schemeClr val="accent1">
+              <a:shade val="50000"/>
+            </a:schemeClr>
+          </a:lnRef>
+          <a:fillRef idx="1">
+            <a:schemeClr val="accent1"/>
+          </a:fillRef>
+          <a:effectRef idx="0">
+            <a:schemeClr val="accent1"/>
+          </a:effectRef>
+          <a:fontRef idx="minor">
+            <a:schemeClr val="lt1"/>
+          </a:fontRef>
+        </p:style>
+        <p:txBody>
+          <a:bodyPr rtlCol="0" anchor="ctr"/>
+          <a:lstStyle/>
+          <a:p>
+            <a:pPr algn="ctr"/>
+            <a:r>
+              <a:rPr lang="en-US" altLang="zh-CN" dirty="0"/>
+              <a:t>G</a:t>
+            </a:r>
+            <a:endParaRPr lang="zh-CN" altLang="en-US" dirty="0"/>
+          </a:p>
+        </p:txBody>
+      </p:sp>
+      <p:sp>
+        <p:nvSpPr>
+          <p:cNvPr id="107" name="椭圆 106">
+            <a:extLst>
+              <a:ext uri="{FF2B5EF4-FFF2-40B4-BE49-F238E27FC236}">
+                <a16:creationId xmlns:a16="http://schemas.microsoft.com/office/drawing/2014/main" id="{549C71F7-6E29-4623-AF7C-C3B655EFCED1}"/>
+              </a:ext>
+            </a:extLst>
+          </p:cNvPr>
+          <p:cNvSpPr/>
+          <p:nvPr/>
+        </p:nvSpPr>
+        <p:spPr>
+          <a:xfrm>
+            <a:off x="9522529" y="3392116"/>
+            <a:ext cx="722812" cy="722812"/>
+          </a:xfrm>
+          <a:prstGeom prst="ellipse">
+            <a:avLst/>
+          </a:prstGeom>
+        </p:spPr>
+        <p:style>
+          <a:lnRef idx="2">
+            <a:schemeClr val="accent1">
+              <a:shade val="50000"/>
+            </a:schemeClr>
+          </a:lnRef>
+          <a:fillRef idx="1">
+            <a:schemeClr val="accent1"/>
+          </a:fillRef>
+          <a:effectRef idx="0">
+            <a:schemeClr val="accent1"/>
+          </a:effectRef>
+          <a:fontRef idx="minor">
+            <a:schemeClr val="lt1"/>
+          </a:fontRef>
+        </p:style>
+        <p:txBody>
+          <a:bodyPr rtlCol="0" anchor="ctr"/>
+          <a:lstStyle/>
+          <a:p>
+            <a:pPr algn="ctr"/>
+            <a:r>
+              <a:rPr lang="en-US" altLang="zh-CN" dirty="0"/>
+              <a:t>C</a:t>
+            </a:r>
+            <a:endParaRPr lang="zh-CN" altLang="en-US" dirty="0"/>
+          </a:p>
+        </p:txBody>
+      </p:sp>
+      <p:cxnSp>
+        <p:nvCxnSpPr>
+          <p:cNvPr id="108" name="直接连接符 107">
+            <a:extLst>
+              <a:ext uri="{FF2B5EF4-FFF2-40B4-BE49-F238E27FC236}">
+                <a16:creationId xmlns:a16="http://schemas.microsoft.com/office/drawing/2014/main" id="{6F6C7117-8ABC-4B1D-B862-8279F6321408}"/>
+              </a:ext>
+            </a:extLst>
+          </p:cNvPr>
+          <p:cNvCxnSpPr>
+            <a:cxnSpLocks/>
+            <a:stCxn id="104" idx="1"/>
+            <a:endCxn id="107" idx="5"/>
+          </p:cNvCxnSpPr>
+          <p:nvPr/>
+        </p:nvCxnSpPr>
+        <p:spPr>
+          <a:xfrm flipH="1" flipV="1">
+            <a:off x="10139488" y="4009075"/>
+            <a:ext cx="457129" cy="349577"/>
+          </a:xfrm>
+          <a:prstGeom prst="line">
+            <a:avLst/>
+          </a:prstGeom>
+          <a:ln w="28575"/>
+        </p:spPr>
+        <p:style>
+          <a:lnRef idx="1">
+            <a:schemeClr val="accent1"/>
+          </a:lnRef>
+          <a:fillRef idx="0">
+            <a:schemeClr val="accent1"/>
+          </a:fillRef>
+          <a:effectRef idx="0">
+            <a:schemeClr val="accent1"/>
+          </a:effectRef>
+          <a:fontRef idx="minor">
+            <a:schemeClr val="tx1"/>
+          </a:fontRef>
+        </p:style>
+      </p:cxnSp>
+      <p:cxnSp>
+        <p:nvCxnSpPr>
+          <p:cNvPr id="109" name="直接连接符 108">
+            <a:extLst>
+              <a:ext uri="{FF2B5EF4-FFF2-40B4-BE49-F238E27FC236}">
+                <a16:creationId xmlns:a16="http://schemas.microsoft.com/office/drawing/2014/main" id="{2057442D-0CBF-4C2F-B040-E42F43A7E6DB}"/>
+              </a:ext>
+            </a:extLst>
+          </p:cNvPr>
+          <p:cNvCxnSpPr>
+            <a:cxnSpLocks/>
+            <a:stCxn id="107" idx="3"/>
+            <a:endCxn id="105" idx="7"/>
+          </p:cNvCxnSpPr>
+          <p:nvPr/>
+        </p:nvCxnSpPr>
+        <p:spPr>
+          <a:xfrm flipH="1">
+            <a:off x="9309344" y="4009075"/>
+            <a:ext cx="319038" cy="335440"/>
+          </a:xfrm>
+          <a:prstGeom prst="line">
+            <a:avLst/>
+          </a:prstGeom>
+          <a:ln w="28575"/>
+        </p:spPr>
+        <p:style>
+          <a:lnRef idx="1">
+            <a:schemeClr val="accent1"/>
+          </a:lnRef>
+          <a:fillRef idx="0">
+            <a:schemeClr val="accent1"/>
+          </a:fillRef>
+          <a:effectRef idx="0">
+            <a:schemeClr val="accent1"/>
+          </a:effectRef>
+          <a:fontRef idx="minor">
+            <a:schemeClr val="tx1"/>
+          </a:fontRef>
+        </p:style>
+      </p:cxnSp>
+      <p:cxnSp>
+        <p:nvCxnSpPr>
+          <p:cNvPr id="110" name="直接连接符 109">
+            <a:extLst>
+              <a:ext uri="{FF2B5EF4-FFF2-40B4-BE49-F238E27FC236}">
+                <a16:creationId xmlns:a16="http://schemas.microsoft.com/office/drawing/2014/main" id="{71C30BB6-6746-43FE-ABDA-8E94141371ED}"/>
+              </a:ext>
+            </a:extLst>
+          </p:cNvPr>
+          <p:cNvCxnSpPr>
+            <a:cxnSpLocks/>
+            <a:stCxn id="104" idx="3"/>
+            <a:endCxn id="106" idx="7"/>
+          </p:cNvCxnSpPr>
+          <p:nvPr/>
+        </p:nvCxnSpPr>
+        <p:spPr>
+          <a:xfrm flipH="1">
+            <a:off x="10280283" y="4869758"/>
+            <a:ext cx="316334" cy="319710"/>
+          </a:xfrm>
+          <a:prstGeom prst="line">
+            <a:avLst/>
+          </a:prstGeom>
+          <a:ln w="28575"/>
+        </p:spPr>
+        <p:style>
+          <a:lnRef idx="1">
+            <a:schemeClr val="accent1"/>
+          </a:lnRef>
+          <a:fillRef idx="0">
+            <a:schemeClr val="accent1"/>
+          </a:fillRef>
+          <a:effectRef idx="0">
+            <a:schemeClr val="accent1"/>
+          </a:effectRef>
+          <a:fontRef idx="minor">
+            <a:schemeClr val="tx1"/>
+          </a:fontRef>
+        </p:style>
+      </p:cxnSp>
+      <p:sp>
+        <p:nvSpPr>
+          <p:cNvPr id="111" name="文本框 110">
+            <a:extLst>
+              <a:ext uri="{FF2B5EF4-FFF2-40B4-BE49-F238E27FC236}">
+                <a16:creationId xmlns:a16="http://schemas.microsoft.com/office/drawing/2014/main" id="{6D23B383-2E39-4F36-B781-B657577FDEA4}"/>
+              </a:ext>
+            </a:extLst>
+          </p:cNvPr>
+          <p:cNvSpPr txBox="1"/>
+          <p:nvPr/>
+        </p:nvSpPr>
+        <p:spPr>
+          <a:xfrm>
+            <a:off x="9591614" y="6346724"/>
+            <a:ext cx="1884915" cy="369332"/>
+          </a:xfrm>
+          <a:prstGeom prst="rect">
+            <a:avLst/>
+          </a:prstGeom>
+          <a:noFill/>
+        </p:spPr>
+        <p:txBody>
+          <a:bodyPr wrap="square" rtlCol="0">
+            <a:spAutoFit/>
+          </a:bodyPr>
+          <a:lstStyle/>
+          <a:p>
+            <a:r>
+              <a:rPr lang="zh-CN" altLang="en-US" dirty="0"/>
+              <a:t>右单旋后</a:t>
+            </a:r>
+          </a:p>
+        </p:txBody>
+      </p:sp>
+      <p:sp>
+        <p:nvSpPr>
+          <p:cNvPr id="112" name="文本框 111">
+            <a:extLst>
+              <a:ext uri="{FF2B5EF4-FFF2-40B4-BE49-F238E27FC236}">
+                <a16:creationId xmlns:a16="http://schemas.microsoft.com/office/drawing/2014/main" id="{E2261DD5-C04A-4561-87DB-027E6D24A283}"/>
+              </a:ext>
+            </a:extLst>
+          </p:cNvPr>
+          <p:cNvSpPr txBox="1"/>
+          <p:nvPr/>
+        </p:nvSpPr>
+        <p:spPr>
+          <a:xfrm>
+            <a:off x="11151827" y="4429539"/>
+            <a:ext cx="1249859" cy="369332"/>
+          </a:xfrm>
+          <a:prstGeom prst="rect">
+            <a:avLst/>
+          </a:prstGeom>
+          <a:noFill/>
+        </p:spPr>
+        <p:txBody>
+          <a:bodyPr wrap="square">
+            <a:spAutoFit/>
+          </a:bodyPr>
+          <a:lstStyle/>
+          <a:p>
+            <a:r>
+              <a:rPr lang="zh-CN" altLang="en-US" sz="1800" dirty="0"/>
+              <a:t>旋转节点</a:t>
+            </a:r>
+            <a:endParaRPr lang="zh-CN" altLang="en-US" dirty="0"/>
+          </a:p>
+        </p:txBody>
+      </p:sp>
+      <p:sp>
+        <p:nvSpPr>
+          <p:cNvPr id="113" name="文本框 112">
+            <a:extLst>
+              <a:ext uri="{FF2B5EF4-FFF2-40B4-BE49-F238E27FC236}">
+                <a16:creationId xmlns:a16="http://schemas.microsoft.com/office/drawing/2014/main" id="{8110A25B-43DD-4DCC-9097-7A0711FBD564}"/>
+              </a:ext>
+            </a:extLst>
+          </p:cNvPr>
+          <p:cNvSpPr txBox="1"/>
+          <p:nvPr/>
+        </p:nvSpPr>
+        <p:spPr>
+          <a:xfrm>
+            <a:off x="8924499" y="3530770"/>
+            <a:ext cx="722812" cy="369332"/>
+          </a:xfrm>
+          <a:prstGeom prst="rect">
+            <a:avLst/>
+          </a:prstGeom>
+          <a:noFill/>
+        </p:spPr>
+        <p:txBody>
+          <a:bodyPr wrap="square">
+            <a:spAutoFit/>
+          </a:bodyPr>
+          <a:lstStyle/>
+          <a:p>
+            <a:r>
+              <a:rPr lang="zh-CN" altLang="en-US" sz="1800" dirty="0"/>
+              <a:t>新根</a:t>
+            </a:r>
+            <a:endParaRPr lang="zh-CN" altLang="en-US" dirty="0"/>
+          </a:p>
+        </p:txBody>
+      </p:sp>
+      <p:sp>
+        <p:nvSpPr>
+          <p:cNvPr id="114" name="文本框 113">
+            <a:extLst>
+              <a:ext uri="{FF2B5EF4-FFF2-40B4-BE49-F238E27FC236}">
+                <a16:creationId xmlns:a16="http://schemas.microsoft.com/office/drawing/2014/main" id="{0D326658-317A-4BF5-A462-BC801CC155AB}"/>
+              </a:ext>
+            </a:extLst>
+          </p:cNvPr>
+          <p:cNvSpPr txBox="1"/>
+          <p:nvPr/>
+        </p:nvSpPr>
+        <p:spPr>
+          <a:xfrm>
+            <a:off x="9522529" y="5864665"/>
+            <a:ext cx="1153413" cy="369332"/>
+          </a:xfrm>
+          <a:prstGeom prst="rect">
+            <a:avLst/>
+          </a:prstGeom>
+          <a:noFill/>
+        </p:spPr>
+        <p:txBody>
+          <a:bodyPr wrap="square">
+            <a:spAutoFit/>
+          </a:bodyPr>
+          <a:lstStyle/>
+          <a:p>
+            <a:r>
+              <a:rPr lang="zh-CN" altLang="en-US" sz="1800" dirty="0"/>
+              <a:t>变化分支</a:t>
+            </a:r>
+            <a:endParaRPr lang="zh-CN" altLang="en-US" dirty="0"/>
+          </a:p>
+        </p:txBody>
+      </p:sp>
+      <p:sp>
+        <p:nvSpPr>
+          <p:cNvPr id="143" name="文本框 142">
+            <a:extLst>
+              <a:ext uri="{FF2B5EF4-FFF2-40B4-BE49-F238E27FC236}">
+                <a16:creationId xmlns:a16="http://schemas.microsoft.com/office/drawing/2014/main" id="{C63F9F80-BCA0-449E-8B64-B024B216CB48}"/>
+              </a:ext>
+            </a:extLst>
+          </p:cNvPr>
+          <p:cNvSpPr txBox="1"/>
+          <p:nvPr/>
+        </p:nvSpPr>
+        <p:spPr>
+          <a:xfrm>
+            <a:off x="7568882" y="1642810"/>
+            <a:ext cx="2215110" cy="1815882"/>
+          </a:xfrm>
+          <a:prstGeom prst="rect">
+            <a:avLst/>
+          </a:prstGeom>
+          <a:noFill/>
+          <a:ln>
+            <a:noFill/>
+          </a:ln>
+        </p:spPr>
+        <p:txBody>
+          <a:bodyPr wrap="square" rtlCol="0">
+            <a:spAutoFit/>
+          </a:bodyPr>
+          <a:lstStyle/>
+          <a:p>
+            <a:r>
+              <a:rPr lang="en-US" altLang="zh-CN" sz="1600" dirty="0">
+                <a:solidFill>
+                  <a:srgbClr val="FF0000"/>
+                </a:solidFill>
+              </a:rPr>
+              <a:t>1.</a:t>
+            </a:r>
+            <a:r>
+              <a:rPr lang="zh-CN" altLang="en-US" sz="1600" dirty="0">
+                <a:solidFill>
+                  <a:srgbClr val="FF0000"/>
+                </a:solidFill>
+              </a:rPr>
+              <a:t>找到新根</a:t>
+            </a:r>
+            <a:endParaRPr lang="en-US" altLang="zh-CN" sz="1600" dirty="0">
+              <a:solidFill>
+                <a:srgbClr val="FF0000"/>
+              </a:solidFill>
+            </a:endParaRPr>
+          </a:p>
+          <a:p>
+            <a:r>
+              <a:rPr lang="en-US" altLang="zh-CN" sz="1600" dirty="0">
+                <a:solidFill>
+                  <a:srgbClr val="FF0000"/>
+                </a:solidFill>
+              </a:rPr>
+              <a:t>2.</a:t>
+            </a:r>
+            <a:r>
+              <a:rPr lang="zh-CN" altLang="en-US" sz="1600" dirty="0">
+                <a:solidFill>
+                  <a:srgbClr val="FF0000"/>
+                </a:solidFill>
+              </a:rPr>
+              <a:t>找到变化分支</a:t>
+            </a:r>
+            <a:endParaRPr lang="en-US" altLang="zh-CN" sz="1600" dirty="0">
+              <a:solidFill>
+                <a:srgbClr val="FF0000"/>
+              </a:solidFill>
+            </a:endParaRPr>
+          </a:p>
+          <a:p>
+            <a:r>
+              <a:rPr lang="en-US" altLang="zh-CN" sz="1600" dirty="0">
+                <a:solidFill>
+                  <a:srgbClr val="FF0000"/>
+                </a:solidFill>
+              </a:rPr>
+              <a:t>3.</a:t>
+            </a:r>
+            <a:r>
+              <a:rPr lang="zh-CN" altLang="en-US" sz="1600" dirty="0">
+                <a:solidFill>
+                  <a:srgbClr val="FF0000"/>
+                </a:solidFill>
+              </a:rPr>
+              <a:t>旋转节点的右子节点为变化分支</a:t>
+            </a:r>
+            <a:endParaRPr lang="en-US" altLang="zh-CN" sz="1600" dirty="0">
+              <a:solidFill>
+                <a:srgbClr val="FF0000"/>
+              </a:solidFill>
+            </a:endParaRPr>
+          </a:p>
+          <a:p>
+            <a:r>
+              <a:rPr lang="en-US" altLang="zh-CN" sz="1600" dirty="0">
+                <a:solidFill>
+                  <a:srgbClr val="FF0000"/>
+                </a:solidFill>
+              </a:rPr>
+              <a:t>4.</a:t>
+            </a:r>
+            <a:r>
+              <a:rPr lang="zh-CN" altLang="en-US" sz="1600" dirty="0">
+                <a:solidFill>
+                  <a:srgbClr val="FF0000"/>
+                </a:solidFill>
+              </a:rPr>
+              <a:t>新根的左子节点为旋转节点</a:t>
+            </a:r>
+            <a:endParaRPr lang="en-US" altLang="zh-CN" sz="1600" dirty="0">
+              <a:solidFill>
+                <a:srgbClr val="FF0000"/>
+              </a:solidFill>
+            </a:endParaRPr>
+          </a:p>
+          <a:p>
+            <a:r>
+              <a:rPr lang="en-US" altLang="zh-CN" sz="1600" dirty="0">
+                <a:solidFill>
+                  <a:srgbClr val="FF0000"/>
+                </a:solidFill>
+              </a:rPr>
+              <a:t>5.</a:t>
+            </a:r>
+            <a:r>
+              <a:rPr lang="zh-CN" altLang="en-US" sz="1600" dirty="0">
+                <a:solidFill>
+                  <a:srgbClr val="FF0000"/>
+                </a:solidFill>
+              </a:rPr>
+              <a:t>返回新的根节点</a:t>
+            </a:r>
+          </a:p>
+        </p:txBody>
+      </p:sp>
+      <p:sp>
+        <p:nvSpPr>
+          <p:cNvPr id="168" name="文本框 167">
+            <a:extLst>
+              <a:ext uri="{FF2B5EF4-FFF2-40B4-BE49-F238E27FC236}">
+                <a16:creationId xmlns:a16="http://schemas.microsoft.com/office/drawing/2014/main" id="{BCA532DC-4B8D-4E10-B331-87F4CEE81D08}"/>
+              </a:ext>
+            </a:extLst>
+          </p:cNvPr>
+          <p:cNvSpPr txBox="1"/>
+          <p:nvPr/>
+        </p:nvSpPr>
+        <p:spPr>
+          <a:xfrm>
+            <a:off x="7413272" y="5086040"/>
+            <a:ext cx="2215110" cy="1815882"/>
+          </a:xfrm>
+          <a:prstGeom prst="rect">
+            <a:avLst/>
+          </a:prstGeom>
+          <a:noFill/>
+          <a:ln>
+            <a:noFill/>
+          </a:ln>
+        </p:spPr>
+        <p:txBody>
+          <a:bodyPr wrap="square" rtlCol="0">
+            <a:spAutoFit/>
+          </a:bodyPr>
+          <a:lstStyle/>
+          <a:p>
+            <a:r>
+              <a:rPr lang="en-US" altLang="zh-CN" sz="1600" dirty="0">
+                <a:solidFill>
+                  <a:srgbClr val="FF0000"/>
+                </a:solidFill>
+              </a:rPr>
+              <a:t>1.</a:t>
+            </a:r>
+            <a:r>
+              <a:rPr lang="zh-CN" altLang="en-US" sz="1600" dirty="0">
+                <a:solidFill>
+                  <a:srgbClr val="FF0000"/>
+                </a:solidFill>
+              </a:rPr>
+              <a:t>找到新根</a:t>
+            </a:r>
+            <a:endParaRPr lang="en-US" altLang="zh-CN" sz="1600" dirty="0">
+              <a:solidFill>
+                <a:srgbClr val="FF0000"/>
+              </a:solidFill>
+            </a:endParaRPr>
+          </a:p>
+          <a:p>
+            <a:r>
+              <a:rPr lang="en-US" altLang="zh-CN" sz="1600" dirty="0">
+                <a:solidFill>
+                  <a:srgbClr val="FF0000"/>
+                </a:solidFill>
+              </a:rPr>
+              <a:t>2.</a:t>
+            </a:r>
+            <a:r>
+              <a:rPr lang="zh-CN" altLang="en-US" sz="1600" dirty="0">
+                <a:solidFill>
+                  <a:srgbClr val="FF0000"/>
+                </a:solidFill>
+              </a:rPr>
+              <a:t>找到变化分支</a:t>
+            </a:r>
+            <a:endParaRPr lang="en-US" altLang="zh-CN" sz="1600" dirty="0">
+              <a:solidFill>
+                <a:srgbClr val="FF0000"/>
+              </a:solidFill>
+            </a:endParaRPr>
+          </a:p>
+          <a:p>
+            <a:r>
+              <a:rPr lang="en-US" altLang="zh-CN" sz="1600" dirty="0">
+                <a:solidFill>
+                  <a:srgbClr val="FF0000"/>
+                </a:solidFill>
+              </a:rPr>
+              <a:t>3.</a:t>
+            </a:r>
+            <a:r>
+              <a:rPr lang="zh-CN" altLang="en-US" sz="1600" dirty="0">
+                <a:solidFill>
+                  <a:srgbClr val="FF0000"/>
+                </a:solidFill>
+              </a:rPr>
+              <a:t>旋转节点的左子节点为变化分支</a:t>
+            </a:r>
+            <a:endParaRPr lang="en-US" altLang="zh-CN" sz="1600" dirty="0">
+              <a:solidFill>
+                <a:srgbClr val="FF0000"/>
+              </a:solidFill>
+            </a:endParaRPr>
+          </a:p>
+          <a:p>
+            <a:r>
+              <a:rPr lang="en-US" altLang="zh-CN" sz="1600" dirty="0">
+                <a:solidFill>
+                  <a:srgbClr val="FF0000"/>
+                </a:solidFill>
+              </a:rPr>
+              <a:t>4.</a:t>
+            </a:r>
+            <a:r>
+              <a:rPr lang="zh-CN" altLang="en-US" sz="1600" dirty="0">
+                <a:solidFill>
+                  <a:srgbClr val="FF0000"/>
+                </a:solidFill>
+              </a:rPr>
+              <a:t>新根的右子节点为旋转节点</a:t>
+            </a:r>
+            <a:endParaRPr lang="en-US" altLang="zh-CN" sz="1600" dirty="0">
+              <a:solidFill>
+                <a:srgbClr val="FF0000"/>
+              </a:solidFill>
+            </a:endParaRPr>
+          </a:p>
+          <a:p>
+            <a:r>
+              <a:rPr lang="en-US" altLang="zh-CN" sz="1600" dirty="0">
+                <a:solidFill>
+                  <a:srgbClr val="FF0000"/>
+                </a:solidFill>
+              </a:rPr>
+              <a:t>5.</a:t>
+            </a:r>
+            <a:r>
+              <a:rPr lang="zh-CN" altLang="en-US" sz="1600" dirty="0">
+                <a:solidFill>
+                  <a:srgbClr val="FF0000"/>
+                </a:solidFill>
+              </a:rPr>
+              <a:t>返回新的根节点</a:t>
+            </a:r>
+          </a:p>
+        </p:txBody>
+      </p:sp>
+    </p:spTree>
+    <p:extLst>
+      <p:ext uri="{BB962C8B-B14F-4D97-AF65-F5344CB8AC3E}">
+        <p14:creationId xmlns:p14="http://schemas.microsoft.com/office/powerpoint/2010/main" val="1975754169"/>
+      </p:ext>
+    </p:extLst>
+  </p:cSld>
+  <p:clrMapOvr>
+    <a:masterClrMapping/>
+  </p:clrMapOvr>
+</p:sld>
+</file>
+
 <file path=ppt/theme/theme1.xml><?xml version="1.0" encoding="utf-8"?>
 <a:theme xmlns:a="http://schemas.openxmlformats.org/drawingml/2006/main" name="Office 主题​​">
   <a:themeElements>

--- a/JavaScript语言/树相关/ppt/二叉树图形.pptx
+++ b/JavaScript语言/树相关/ppt/二叉树图形.pptx
@@ -12,6 +12,9 @@
     <p:sldId id="260" r:id="rId6"/>
     <p:sldId id="261" r:id="rId7"/>
     <p:sldId id="262" r:id="rId8"/>
+    <p:sldId id="263" r:id="rId9"/>
+    <p:sldId id="264" r:id="rId10"/>
+    <p:sldId id="265" r:id="rId11"/>
   </p:sldIdLst>
   <p:sldSz cx="12192000" cy="6858000"/>
   <p:notesSz cx="6858000" cy="9144000"/>
@@ -265,7 +268,7 @@
           <a:p>
             <a:fld id="{2C6B8C16-DC2C-4054-986C-3B7F238C339C}" type="datetimeFigureOut">
               <a:rPr lang="zh-CN" altLang="en-US" smtClean="0"/>
-              <a:t>2022/3/9</a:t>
+              <a:t>2022/3/14</a:t>
             </a:fld>
             <a:endParaRPr lang="zh-CN" altLang="en-US"/>
           </a:p>
@@ -463,7 +466,7 @@
           <a:p>
             <a:fld id="{2C6B8C16-DC2C-4054-986C-3B7F238C339C}" type="datetimeFigureOut">
               <a:rPr lang="zh-CN" altLang="en-US" smtClean="0"/>
-              <a:t>2022/3/9</a:t>
+              <a:t>2022/3/14</a:t>
             </a:fld>
             <a:endParaRPr lang="zh-CN" altLang="en-US"/>
           </a:p>
@@ -671,7 +674,7 @@
           <a:p>
             <a:fld id="{2C6B8C16-DC2C-4054-986C-3B7F238C339C}" type="datetimeFigureOut">
               <a:rPr lang="zh-CN" altLang="en-US" smtClean="0"/>
-              <a:t>2022/3/9</a:t>
+              <a:t>2022/3/14</a:t>
             </a:fld>
             <a:endParaRPr lang="zh-CN" altLang="en-US"/>
           </a:p>
@@ -869,7 +872,7 @@
           <a:p>
             <a:fld id="{2C6B8C16-DC2C-4054-986C-3B7F238C339C}" type="datetimeFigureOut">
               <a:rPr lang="zh-CN" altLang="en-US" smtClean="0"/>
-              <a:t>2022/3/9</a:t>
+              <a:t>2022/3/14</a:t>
             </a:fld>
             <a:endParaRPr lang="zh-CN" altLang="en-US"/>
           </a:p>
@@ -1144,7 +1147,7 @@
           <a:p>
             <a:fld id="{2C6B8C16-DC2C-4054-986C-3B7F238C339C}" type="datetimeFigureOut">
               <a:rPr lang="zh-CN" altLang="en-US" smtClean="0"/>
-              <a:t>2022/3/9</a:t>
+              <a:t>2022/3/14</a:t>
             </a:fld>
             <a:endParaRPr lang="zh-CN" altLang="en-US"/>
           </a:p>
@@ -1409,7 +1412,7 @@
           <a:p>
             <a:fld id="{2C6B8C16-DC2C-4054-986C-3B7F238C339C}" type="datetimeFigureOut">
               <a:rPr lang="zh-CN" altLang="en-US" smtClean="0"/>
-              <a:t>2022/3/9</a:t>
+              <a:t>2022/3/14</a:t>
             </a:fld>
             <a:endParaRPr lang="zh-CN" altLang="en-US"/>
           </a:p>
@@ -1821,7 +1824,7 @@
           <a:p>
             <a:fld id="{2C6B8C16-DC2C-4054-986C-3B7F238C339C}" type="datetimeFigureOut">
               <a:rPr lang="zh-CN" altLang="en-US" smtClean="0"/>
-              <a:t>2022/3/9</a:t>
+              <a:t>2022/3/14</a:t>
             </a:fld>
             <a:endParaRPr lang="zh-CN" altLang="en-US"/>
           </a:p>
@@ -1962,7 +1965,7 @@
           <a:p>
             <a:fld id="{2C6B8C16-DC2C-4054-986C-3B7F238C339C}" type="datetimeFigureOut">
               <a:rPr lang="zh-CN" altLang="en-US" smtClean="0"/>
-              <a:t>2022/3/9</a:t>
+              <a:t>2022/3/14</a:t>
             </a:fld>
             <a:endParaRPr lang="zh-CN" altLang="en-US"/>
           </a:p>
@@ -2075,7 +2078,7 @@
           <a:p>
             <a:fld id="{2C6B8C16-DC2C-4054-986C-3B7F238C339C}" type="datetimeFigureOut">
               <a:rPr lang="zh-CN" altLang="en-US" smtClean="0"/>
-              <a:t>2022/3/9</a:t>
+              <a:t>2022/3/14</a:t>
             </a:fld>
             <a:endParaRPr lang="zh-CN" altLang="en-US"/>
           </a:p>
@@ -2386,7 +2389,7 @@
           <a:p>
             <a:fld id="{2C6B8C16-DC2C-4054-986C-3B7F238C339C}" type="datetimeFigureOut">
               <a:rPr lang="zh-CN" altLang="en-US" smtClean="0"/>
-              <a:t>2022/3/9</a:t>
+              <a:t>2022/3/14</a:t>
             </a:fld>
             <a:endParaRPr lang="zh-CN" altLang="en-US"/>
           </a:p>
@@ -2674,7 +2677,7 @@
           <a:p>
             <a:fld id="{2C6B8C16-DC2C-4054-986C-3B7F238C339C}" type="datetimeFigureOut">
               <a:rPr lang="zh-CN" altLang="en-US" smtClean="0"/>
-              <a:t>2022/3/9</a:t>
+              <a:t>2022/3/14</a:t>
             </a:fld>
             <a:endParaRPr lang="zh-CN" altLang="en-US"/>
           </a:p>
@@ -2915,7 +2918,7 @@
           <a:p>
             <a:fld id="{2C6B8C16-DC2C-4054-986C-3B7F238C339C}" type="datetimeFigureOut">
               <a:rPr lang="zh-CN" altLang="en-US" smtClean="0"/>
-              <a:t>2022/3/9</a:t>
+              <a:t>2022/3/14</a:t>
             </a:fld>
             <a:endParaRPr lang="zh-CN" altLang="en-US"/>
           </a:p>
@@ -4149,6 +4152,569 @@
 </p:sld>
 </file>
 
+<file path=ppt/slides/slide10.xml><?xml version="1.0" encoding="utf-8"?>
+<p:sld xmlns:a="http://schemas.openxmlformats.org/drawingml/2006/main" xmlns:r="http://schemas.openxmlformats.org/officeDocument/2006/relationships" xmlns:p="http://schemas.openxmlformats.org/presentationml/2006/main">
+  <p:cSld>
+    <p:spTree>
+      <p:nvGrpSpPr>
+        <p:cNvPr id="1" name=""/>
+        <p:cNvGrpSpPr/>
+        <p:nvPr/>
+      </p:nvGrpSpPr>
+      <p:grpSpPr>
+        <a:xfrm>
+          <a:off x="0" y="0"/>
+          <a:ext cx="0" cy="0"/>
+          <a:chOff x="0" y="0"/>
+          <a:chExt cx="0" cy="0"/>
+        </a:xfrm>
+      </p:grpSpPr>
+      <p:sp>
+        <p:nvSpPr>
+          <p:cNvPr id="30" name="文本框 29">
+            <a:extLst>
+              <a:ext uri="{FF2B5EF4-FFF2-40B4-BE49-F238E27FC236}">
+                <a16:creationId xmlns:a16="http://schemas.microsoft.com/office/drawing/2014/main" id="{71ABB8A5-A757-4018-A8B6-5F1B54B26F7C}"/>
+              </a:ext>
+            </a:extLst>
+          </p:cNvPr>
+          <p:cNvSpPr txBox="1"/>
+          <p:nvPr/>
+        </p:nvSpPr>
+        <p:spPr>
+          <a:xfrm>
+            <a:off x="450946" y="227401"/>
+            <a:ext cx="3294538" cy="461665"/>
+          </a:xfrm>
+          <a:prstGeom prst="rect">
+            <a:avLst/>
+          </a:prstGeom>
+          <a:noFill/>
+        </p:spPr>
+        <p:txBody>
+          <a:bodyPr wrap="square">
+            <a:spAutoFit/>
+          </a:bodyPr>
+          <a:lstStyle/>
+          <a:p>
+            <a:pPr marL="0" marR="0"/>
+            <a:r>
+              <a:rPr lang="zh-CN" altLang="en-US" sz="2400" b="1" dirty="0"/>
+              <a:t>红黑树</a:t>
+            </a:r>
+            <a:endParaRPr lang="zh-CN" altLang="en-US" sz="2400" b="1" dirty="0">
+              <a:effectLst/>
+            </a:endParaRPr>
+          </a:p>
+        </p:txBody>
+      </p:sp>
+      <p:sp>
+        <p:nvSpPr>
+          <p:cNvPr id="49" name="椭圆 48">
+            <a:extLst>
+              <a:ext uri="{FF2B5EF4-FFF2-40B4-BE49-F238E27FC236}">
+                <a16:creationId xmlns:a16="http://schemas.microsoft.com/office/drawing/2014/main" id="{527EB864-D605-40C3-B2F9-6410D6DA20F9}"/>
+              </a:ext>
+            </a:extLst>
+          </p:cNvPr>
+          <p:cNvSpPr/>
+          <p:nvPr/>
+        </p:nvSpPr>
+        <p:spPr>
+          <a:xfrm>
+            <a:off x="880494" y="2579024"/>
+            <a:ext cx="849976" cy="849976"/>
+          </a:xfrm>
+          <a:prstGeom prst="ellipse">
+            <a:avLst/>
+          </a:prstGeom>
+          <a:solidFill>
+            <a:schemeClr val="tx1"/>
+          </a:solidFill>
+        </p:spPr>
+        <p:style>
+          <a:lnRef idx="2">
+            <a:schemeClr val="accent1">
+              <a:shade val="50000"/>
+            </a:schemeClr>
+          </a:lnRef>
+          <a:fillRef idx="1">
+            <a:schemeClr val="accent1"/>
+          </a:fillRef>
+          <a:effectRef idx="0">
+            <a:schemeClr val="accent1"/>
+          </a:effectRef>
+          <a:fontRef idx="minor">
+            <a:schemeClr val="lt1"/>
+          </a:fontRef>
+        </p:style>
+        <p:txBody>
+          <a:bodyPr rtlCol="0" anchor="ctr"/>
+          <a:lstStyle/>
+          <a:p>
+            <a:pPr algn="ctr"/>
+            <a:r>
+              <a:rPr lang="en-US" altLang="zh-CN" dirty="0"/>
+              <a:t>30</a:t>
+            </a:r>
+            <a:endParaRPr lang="zh-CN" altLang="en-US" dirty="0"/>
+          </a:p>
+        </p:txBody>
+      </p:sp>
+      <p:sp>
+        <p:nvSpPr>
+          <p:cNvPr id="69" name="椭圆 68">
+            <a:extLst>
+              <a:ext uri="{FF2B5EF4-FFF2-40B4-BE49-F238E27FC236}">
+                <a16:creationId xmlns:a16="http://schemas.microsoft.com/office/drawing/2014/main" id="{26A11821-CD50-42C8-AE11-92FDDED34AFE}"/>
+              </a:ext>
+            </a:extLst>
+          </p:cNvPr>
+          <p:cNvSpPr/>
+          <p:nvPr/>
+        </p:nvSpPr>
+        <p:spPr>
+          <a:xfrm>
+            <a:off x="5471439" y="1895303"/>
+            <a:ext cx="849976" cy="849976"/>
+          </a:xfrm>
+          <a:prstGeom prst="ellipse">
+            <a:avLst/>
+          </a:prstGeom>
+          <a:solidFill>
+            <a:srgbClr val="FF0000"/>
+          </a:solidFill>
+        </p:spPr>
+        <p:style>
+          <a:lnRef idx="2">
+            <a:schemeClr val="accent1">
+              <a:shade val="50000"/>
+            </a:schemeClr>
+          </a:lnRef>
+          <a:fillRef idx="1">
+            <a:schemeClr val="accent1"/>
+          </a:fillRef>
+          <a:effectRef idx="0">
+            <a:schemeClr val="accent1"/>
+          </a:effectRef>
+          <a:fontRef idx="minor">
+            <a:schemeClr val="lt1"/>
+          </a:fontRef>
+        </p:style>
+        <p:txBody>
+          <a:bodyPr rtlCol="0" anchor="ctr"/>
+          <a:lstStyle/>
+          <a:p>
+            <a:pPr algn="ctr"/>
+            <a:r>
+              <a:rPr lang="en-US" altLang="zh-CN" dirty="0"/>
+              <a:t>50</a:t>
+            </a:r>
+            <a:endParaRPr lang="zh-CN" altLang="en-US" dirty="0"/>
+          </a:p>
+        </p:txBody>
+      </p:sp>
+      <p:sp>
+        <p:nvSpPr>
+          <p:cNvPr id="70" name="椭圆 69">
+            <a:extLst>
+              <a:ext uri="{FF2B5EF4-FFF2-40B4-BE49-F238E27FC236}">
+                <a16:creationId xmlns:a16="http://schemas.microsoft.com/office/drawing/2014/main" id="{094DB39A-A248-482B-8310-1E25F29074B3}"/>
+              </a:ext>
+            </a:extLst>
+          </p:cNvPr>
+          <p:cNvSpPr/>
+          <p:nvPr/>
+        </p:nvSpPr>
+        <p:spPr>
+          <a:xfrm>
+            <a:off x="3175966" y="2591595"/>
+            <a:ext cx="849976" cy="849976"/>
+          </a:xfrm>
+          <a:prstGeom prst="ellipse">
+            <a:avLst/>
+          </a:prstGeom>
+          <a:solidFill>
+            <a:schemeClr val="tx1"/>
+          </a:solidFill>
+        </p:spPr>
+        <p:style>
+          <a:lnRef idx="2">
+            <a:schemeClr val="accent1">
+              <a:shade val="50000"/>
+            </a:schemeClr>
+          </a:lnRef>
+          <a:fillRef idx="1">
+            <a:schemeClr val="accent1"/>
+          </a:fillRef>
+          <a:effectRef idx="0">
+            <a:schemeClr val="accent1"/>
+          </a:effectRef>
+          <a:fontRef idx="minor">
+            <a:schemeClr val="lt1"/>
+          </a:fontRef>
+        </p:style>
+        <p:txBody>
+          <a:bodyPr rtlCol="0" anchor="ctr"/>
+          <a:lstStyle/>
+          <a:p>
+            <a:pPr algn="ctr"/>
+            <a:r>
+              <a:rPr lang="en-US" altLang="zh-CN" dirty="0"/>
+              <a:t>80</a:t>
+            </a:r>
+            <a:endParaRPr lang="zh-CN" altLang="en-US" dirty="0"/>
+          </a:p>
+        </p:txBody>
+      </p:sp>
+      <p:sp>
+        <p:nvSpPr>
+          <p:cNvPr id="71" name="椭圆 70">
+            <a:extLst>
+              <a:ext uri="{FF2B5EF4-FFF2-40B4-BE49-F238E27FC236}">
+                <a16:creationId xmlns:a16="http://schemas.microsoft.com/office/drawing/2014/main" id="{51B6B4D3-61A2-4685-A3BD-68606B25F268}"/>
+              </a:ext>
+            </a:extLst>
+          </p:cNvPr>
+          <p:cNvSpPr/>
+          <p:nvPr/>
+        </p:nvSpPr>
+        <p:spPr>
+          <a:xfrm>
+            <a:off x="1337352" y="3836028"/>
+            <a:ext cx="849976" cy="849976"/>
+          </a:xfrm>
+          <a:prstGeom prst="ellipse">
+            <a:avLst/>
+          </a:prstGeom>
+          <a:solidFill>
+            <a:schemeClr val="tx1"/>
+          </a:solidFill>
+        </p:spPr>
+        <p:style>
+          <a:lnRef idx="2">
+            <a:schemeClr val="accent1">
+              <a:shade val="50000"/>
+            </a:schemeClr>
+          </a:lnRef>
+          <a:fillRef idx="1">
+            <a:schemeClr val="accent1"/>
+          </a:fillRef>
+          <a:effectRef idx="0">
+            <a:schemeClr val="accent1"/>
+          </a:effectRef>
+          <a:fontRef idx="minor">
+            <a:schemeClr val="lt1"/>
+          </a:fontRef>
+        </p:style>
+        <p:txBody>
+          <a:bodyPr rtlCol="0" anchor="ctr"/>
+          <a:lstStyle/>
+          <a:p>
+            <a:pPr algn="ctr"/>
+            <a:r>
+              <a:rPr lang="en-US" altLang="zh-CN" dirty="0"/>
+              <a:t>&gt;30</a:t>
+            </a:r>
+            <a:endParaRPr lang="zh-CN" altLang="en-US" dirty="0"/>
+          </a:p>
+        </p:txBody>
+      </p:sp>
+      <p:sp>
+        <p:nvSpPr>
+          <p:cNvPr id="72" name="椭圆 71">
+            <a:extLst>
+              <a:ext uri="{FF2B5EF4-FFF2-40B4-BE49-F238E27FC236}">
+                <a16:creationId xmlns:a16="http://schemas.microsoft.com/office/drawing/2014/main" id="{BFC9B849-6E66-4FAA-A45A-B5A77855B6D8}"/>
+              </a:ext>
+            </a:extLst>
+          </p:cNvPr>
+          <p:cNvSpPr/>
+          <p:nvPr/>
+        </p:nvSpPr>
+        <p:spPr>
+          <a:xfrm>
+            <a:off x="2533807" y="3829844"/>
+            <a:ext cx="849976" cy="849976"/>
+          </a:xfrm>
+          <a:prstGeom prst="ellipse">
+            <a:avLst/>
+          </a:prstGeom>
+          <a:solidFill>
+            <a:schemeClr val="tx1"/>
+          </a:solidFill>
+        </p:spPr>
+        <p:style>
+          <a:lnRef idx="2">
+            <a:schemeClr val="accent1">
+              <a:shade val="50000"/>
+            </a:schemeClr>
+          </a:lnRef>
+          <a:fillRef idx="1">
+            <a:schemeClr val="accent1"/>
+          </a:fillRef>
+          <a:effectRef idx="0">
+            <a:schemeClr val="accent1"/>
+          </a:effectRef>
+          <a:fontRef idx="minor">
+            <a:schemeClr val="lt1"/>
+          </a:fontRef>
+        </p:style>
+        <p:txBody>
+          <a:bodyPr rtlCol="0" anchor="ctr"/>
+          <a:lstStyle/>
+          <a:p>
+            <a:pPr algn="ctr"/>
+            <a:r>
+              <a:rPr lang="en-US" altLang="zh-CN" dirty="0"/>
+              <a:t>&lt;80</a:t>
+            </a:r>
+            <a:endParaRPr lang="zh-CN" altLang="en-US" dirty="0"/>
+          </a:p>
+        </p:txBody>
+      </p:sp>
+      <p:sp>
+        <p:nvSpPr>
+          <p:cNvPr id="73" name="椭圆 72">
+            <a:extLst>
+              <a:ext uri="{FF2B5EF4-FFF2-40B4-BE49-F238E27FC236}">
+                <a16:creationId xmlns:a16="http://schemas.microsoft.com/office/drawing/2014/main" id="{678C143D-7C86-4FE1-9D40-03D8EE6D554C}"/>
+              </a:ext>
+            </a:extLst>
+          </p:cNvPr>
+          <p:cNvSpPr/>
+          <p:nvPr/>
+        </p:nvSpPr>
+        <p:spPr>
+          <a:xfrm>
+            <a:off x="3745484" y="3829844"/>
+            <a:ext cx="849976" cy="849976"/>
+          </a:xfrm>
+          <a:prstGeom prst="ellipse">
+            <a:avLst/>
+          </a:prstGeom>
+          <a:solidFill>
+            <a:schemeClr val="tx1"/>
+          </a:solidFill>
+        </p:spPr>
+        <p:style>
+          <a:lnRef idx="2">
+            <a:schemeClr val="accent1">
+              <a:shade val="50000"/>
+            </a:schemeClr>
+          </a:lnRef>
+          <a:fillRef idx="1">
+            <a:schemeClr val="accent1"/>
+          </a:fillRef>
+          <a:effectRef idx="0">
+            <a:schemeClr val="accent1"/>
+          </a:effectRef>
+          <a:fontRef idx="minor">
+            <a:schemeClr val="lt1"/>
+          </a:fontRef>
+        </p:style>
+        <p:txBody>
+          <a:bodyPr rtlCol="0" anchor="ctr"/>
+          <a:lstStyle/>
+          <a:p>
+            <a:pPr algn="ctr"/>
+            <a:r>
+              <a:rPr lang="en-US" altLang="zh-CN" dirty="0"/>
+              <a:t>&gt;80</a:t>
+            </a:r>
+            <a:endParaRPr lang="zh-CN" altLang="en-US" dirty="0"/>
+          </a:p>
+        </p:txBody>
+      </p:sp>
+      <p:sp>
+        <p:nvSpPr>
+          <p:cNvPr id="74" name="椭圆 73">
+            <a:extLst>
+              <a:ext uri="{FF2B5EF4-FFF2-40B4-BE49-F238E27FC236}">
+                <a16:creationId xmlns:a16="http://schemas.microsoft.com/office/drawing/2014/main" id="{F1040DE9-DD68-4096-B699-10468BF050D2}"/>
+              </a:ext>
+            </a:extLst>
+          </p:cNvPr>
+          <p:cNvSpPr/>
+          <p:nvPr/>
+        </p:nvSpPr>
+        <p:spPr>
+          <a:xfrm>
+            <a:off x="140897" y="3836028"/>
+            <a:ext cx="849976" cy="849976"/>
+          </a:xfrm>
+          <a:prstGeom prst="ellipse">
+            <a:avLst/>
+          </a:prstGeom>
+          <a:solidFill>
+            <a:schemeClr val="tx1"/>
+          </a:solidFill>
+        </p:spPr>
+        <p:style>
+          <a:lnRef idx="2">
+            <a:schemeClr val="accent1">
+              <a:shade val="50000"/>
+            </a:schemeClr>
+          </a:lnRef>
+          <a:fillRef idx="1">
+            <a:schemeClr val="accent1"/>
+          </a:fillRef>
+          <a:effectRef idx="0">
+            <a:schemeClr val="accent1"/>
+          </a:effectRef>
+          <a:fontRef idx="minor">
+            <a:schemeClr val="lt1"/>
+          </a:fontRef>
+        </p:style>
+        <p:txBody>
+          <a:bodyPr rtlCol="0" anchor="ctr"/>
+          <a:lstStyle/>
+          <a:p>
+            <a:pPr algn="ctr"/>
+            <a:r>
+              <a:rPr lang="en-US" altLang="zh-CN" dirty="0"/>
+              <a:t>&lt;30</a:t>
+            </a:r>
+            <a:endParaRPr lang="zh-CN" altLang="en-US" dirty="0"/>
+          </a:p>
+        </p:txBody>
+      </p:sp>
+      <p:sp>
+        <p:nvSpPr>
+          <p:cNvPr id="77" name="椭圆 76">
+            <a:extLst>
+              <a:ext uri="{FF2B5EF4-FFF2-40B4-BE49-F238E27FC236}">
+                <a16:creationId xmlns:a16="http://schemas.microsoft.com/office/drawing/2014/main" id="{91D6E46B-7724-4DA5-A5CD-F8E07BDB0EA2}"/>
+              </a:ext>
+            </a:extLst>
+          </p:cNvPr>
+          <p:cNvSpPr/>
+          <p:nvPr/>
+        </p:nvSpPr>
+        <p:spPr>
+          <a:xfrm>
+            <a:off x="6388627" y="911080"/>
+            <a:ext cx="849976" cy="849976"/>
+          </a:xfrm>
+          <a:prstGeom prst="ellipse">
+            <a:avLst/>
+          </a:prstGeom>
+          <a:solidFill>
+            <a:schemeClr val="tx1"/>
+          </a:solidFill>
+        </p:spPr>
+        <p:style>
+          <a:lnRef idx="2">
+            <a:schemeClr val="accent1">
+              <a:shade val="50000"/>
+            </a:schemeClr>
+          </a:lnRef>
+          <a:fillRef idx="1">
+            <a:schemeClr val="accent1"/>
+          </a:fillRef>
+          <a:effectRef idx="0">
+            <a:schemeClr val="accent1"/>
+          </a:effectRef>
+          <a:fontRef idx="minor">
+            <a:schemeClr val="lt1"/>
+          </a:fontRef>
+        </p:style>
+        <p:txBody>
+          <a:bodyPr rtlCol="0" anchor="ctr"/>
+          <a:lstStyle/>
+          <a:p>
+            <a:pPr algn="ctr"/>
+            <a:r>
+              <a:rPr lang="en-US" altLang="zh-CN" dirty="0"/>
+              <a:t>50</a:t>
+            </a:r>
+            <a:endParaRPr lang="zh-CN" altLang="en-US" dirty="0"/>
+          </a:p>
+        </p:txBody>
+      </p:sp>
+      <p:sp>
+        <p:nvSpPr>
+          <p:cNvPr id="3" name="文本框 2">
+            <a:extLst>
+              <a:ext uri="{FF2B5EF4-FFF2-40B4-BE49-F238E27FC236}">
+                <a16:creationId xmlns:a16="http://schemas.microsoft.com/office/drawing/2014/main" id="{8C89BE33-F724-4046-AF73-50C38992897D}"/>
+              </a:ext>
+            </a:extLst>
+          </p:cNvPr>
+          <p:cNvSpPr txBox="1"/>
+          <p:nvPr/>
+        </p:nvSpPr>
+        <p:spPr>
+          <a:xfrm>
+            <a:off x="3695394" y="2132606"/>
+            <a:ext cx="1974107" cy="369332"/>
+          </a:xfrm>
+          <a:prstGeom prst="rect">
+            <a:avLst/>
+          </a:prstGeom>
+          <a:noFill/>
+        </p:spPr>
+        <p:txBody>
+          <a:bodyPr wrap="square" rtlCol="0">
+            <a:spAutoFit/>
+          </a:bodyPr>
+          <a:lstStyle/>
+          <a:p>
+            <a:r>
+              <a:rPr lang="zh-CN" altLang="en-US" dirty="0"/>
+              <a:t>表面的红色节点</a:t>
+            </a:r>
+          </a:p>
+        </p:txBody>
+      </p:sp>
+      <p:sp>
+        <p:nvSpPr>
+          <p:cNvPr id="78" name="文本框 77">
+            <a:extLst>
+              <a:ext uri="{FF2B5EF4-FFF2-40B4-BE49-F238E27FC236}">
+                <a16:creationId xmlns:a16="http://schemas.microsoft.com/office/drawing/2014/main" id="{74CDE675-E433-457B-A00A-68CD878FD09F}"/>
+              </a:ext>
+            </a:extLst>
+          </p:cNvPr>
+          <p:cNvSpPr txBox="1"/>
+          <p:nvPr/>
+        </p:nvSpPr>
+        <p:spPr>
+          <a:xfrm>
+            <a:off x="1498235" y="3346562"/>
+            <a:ext cx="1974107" cy="369332"/>
+          </a:xfrm>
+          <a:prstGeom prst="rect">
+            <a:avLst/>
+          </a:prstGeom>
+          <a:noFill/>
+        </p:spPr>
+        <p:txBody>
+          <a:bodyPr wrap="square" rtlCol="0">
+            <a:spAutoFit/>
+          </a:bodyPr>
+          <a:lstStyle/>
+          <a:p>
+            <a:r>
+              <a:rPr lang="zh-CN" altLang="en-US" dirty="0"/>
+              <a:t>实际的红色节点</a:t>
+            </a:r>
+          </a:p>
+        </p:txBody>
+      </p:sp>
+    </p:spTree>
+    <p:extLst>
+      <p:ext uri="{BB962C8B-B14F-4D97-AF65-F5344CB8AC3E}">
+        <p14:creationId xmlns:p14="http://schemas.microsoft.com/office/powerpoint/2010/main" val="2419452300"/>
+      </p:ext>
+    </p:extLst>
+  </p:cSld>
+  <p:clrMapOvr>
+    <a:masterClrMapping/>
+  </p:clrMapOvr>
+</p:sld>
+</file>
+
 <file path=ppt/slides/slide2.xml><?xml version="1.0" encoding="utf-8"?>
 <p:sld xmlns:a="http://schemas.openxmlformats.org/drawingml/2006/main" xmlns:r="http://schemas.openxmlformats.org/officeDocument/2006/relationships" xmlns:p="http://schemas.openxmlformats.org/presentationml/2006/main">
   <p:cSld>
@@ -9079,7 +9645,7 @@
           <a:p>
             <a:r>
               <a:rPr lang="zh-CN" altLang="en-US" sz="1600" dirty="0"/>
-              <a:t>如果左边浅，右边深，进行左单旋；右边浅，左边深，进行右单旋</a:t>
+              <a:t>如果左边浅，右边深，从下往上进行左单旋；右边浅，左边深，从下往上进行右单旋</a:t>
             </a:r>
             <a:endParaRPr lang="en-US" altLang="zh-CN" sz="1600" dirty="0"/>
           </a:p>
@@ -11288,6 +11854,4136 @@
     <p:extLst>
       <p:ext uri="{BB962C8B-B14F-4D97-AF65-F5344CB8AC3E}">
         <p14:creationId xmlns:p14="http://schemas.microsoft.com/office/powerpoint/2010/main" val="1975754169"/>
+      </p:ext>
+    </p:extLst>
+  </p:cSld>
+  <p:clrMapOvr>
+    <a:masterClrMapping/>
+  </p:clrMapOvr>
+</p:sld>
+</file>
+
+<file path=ppt/slides/slide8.xml><?xml version="1.0" encoding="utf-8"?>
+<p:sld xmlns:a="http://schemas.openxmlformats.org/drawingml/2006/main" xmlns:r="http://schemas.openxmlformats.org/officeDocument/2006/relationships" xmlns:p="http://schemas.openxmlformats.org/presentationml/2006/main">
+  <p:cSld>
+    <p:spTree>
+      <p:nvGrpSpPr>
+        <p:cNvPr id="1" name=""/>
+        <p:cNvGrpSpPr/>
+        <p:nvPr/>
+      </p:nvGrpSpPr>
+      <p:grpSpPr>
+        <a:xfrm>
+          <a:off x="0" y="0"/>
+          <a:ext cx="0" cy="0"/>
+          <a:chOff x="0" y="0"/>
+          <a:chExt cx="0" cy="0"/>
+        </a:xfrm>
+      </p:grpSpPr>
+      <p:sp>
+        <p:nvSpPr>
+          <p:cNvPr id="30" name="文本框 29">
+            <a:extLst>
+              <a:ext uri="{FF2B5EF4-FFF2-40B4-BE49-F238E27FC236}">
+                <a16:creationId xmlns:a16="http://schemas.microsoft.com/office/drawing/2014/main" id="{71ABB8A5-A757-4018-A8B6-5F1B54B26F7C}"/>
+              </a:ext>
+            </a:extLst>
+          </p:cNvPr>
+          <p:cNvSpPr txBox="1"/>
+          <p:nvPr/>
+        </p:nvSpPr>
+        <p:spPr>
+          <a:xfrm>
+            <a:off x="59060" y="253527"/>
+            <a:ext cx="3294538" cy="830997"/>
+          </a:xfrm>
+          <a:prstGeom prst="rect">
+            <a:avLst/>
+          </a:prstGeom>
+          <a:noFill/>
+        </p:spPr>
+        <p:txBody>
+          <a:bodyPr wrap="square">
+            <a:spAutoFit/>
+          </a:bodyPr>
+          <a:lstStyle/>
+          <a:p>
+            <a:pPr marL="0" marR="0"/>
+            <a:r>
+              <a:rPr lang="zh-CN" altLang="en-US" sz="2400" b="1" dirty="0">
+                <a:effectLst/>
+              </a:rPr>
+              <a:t>二叉树</a:t>
+            </a:r>
+            <a:r>
+              <a:rPr lang="zh-CN" altLang="en-US" sz="2400" b="1" dirty="0"/>
+              <a:t>的双旋操作</a:t>
+            </a:r>
+          </a:p>
+          <a:p>
+            <a:pPr marL="0" marR="0"/>
+            <a:r>
+              <a:rPr lang="zh-CN" altLang="en-US" sz="2400" b="1" dirty="0">
+                <a:effectLst/>
+              </a:rPr>
+              <a:t>（右左双旋、左右</a:t>
+            </a:r>
+            <a:r>
+              <a:rPr lang="zh-CN" altLang="en-US" sz="2400" b="1" dirty="0"/>
+              <a:t>双</a:t>
+            </a:r>
+            <a:r>
+              <a:rPr lang="zh-CN" altLang="en-US" sz="2400" b="1" dirty="0">
+                <a:effectLst/>
+              </a:rPr>
+              <a:t>旋）</a:t>
+            </a:r>
+          </a:p>
+        </p:txBody>
+      </p:sp>
+      <p:sp>
+        <p:nvSpPr>
+          <p:cNvPr id="35" name="椭圆 34">
+            <a:extLst>
+              <a:ext uri="{FF2B5EF4-FFF2-40B4-BE49-F238E27FC236}">
+                <a16:creationId xmlns:a16="http://schemas.microsoft.com/office/drawing/2014/main" id="{1D13F186-D095-4A53-9BB2-A4F37627953B}"/>
+              </a:ext>
+            </a:extLst>
+          </p:cNvPr>
+          <p:cNvSpPr/>
+          <p:nvPr/>
+        </p:nvSpPr>
+        <p:spPr>
+          <a:xfrm>
+            <a:off x="1971944" y="1759528"/>
+            <a:ext cx="722812" cy="722812"/>
+          </a:xfrm>
+          <a:prstGeom prst="ellipse">
+            <a:avLst/>
+          </a:prstGeom>
+          <a:solidFill>
+            <a:srgbClr val="FF0000"/>
+          </a:solidFill>
+        </p:spPr>
+        <p:style>
+          <a:lnRef idx="2">
+            <a:schemeClr val="accent1">
+              <a:shade val="50000"/>
+            </a:schemeClr>
+          </a:lnRef>
+          <a:fillRef idx="1">
+            <a:schemeClr val="accent1"/>
+          </a:fillRef>
+          <a:effectRef idx="0">
+            <a:schemeClr val="accent1"/>
+          </a:effectRef>
+          <a:fontRef idx="minor">
+            <a:schemeClr val="lt1"/>
+          </a:fontRef>
+        </p:style>
+        <p:txBody>
+          <a:bodyPr rtlCol="0" anchor="ctr"/>
+          <a:lstStyle/>
+          <a:p>
+            <a:pPr algn="ctr"/>
+            <a:r>
+              <a:rPr lang="en-US" altLang="zh-CN" dirty="0"/>
+              <a:t>A</a:t>
+            </a:r>
+            <a:endParaRPr lang="zh-CN" altLang="en-US" dirty="0"/>
+          </a:p>
+        </p:txBody>
+      </p:sp>
+      <p:sp>
+        <p:nvSpPr>
+          <p:cNvPr id="36" name="椭圆 35">
+            <a:extLst>
+              <a:ext uri="{FF2B5EF4-FFF2-40B4-BE49-F238E27FC236}">
+                <a16:creationId xmlns:a16="http://schemas.microsoft.com/office/drawing/2014/main" id="{DCCEBFC6-909B-446F-AFBC-E78ECBA50F35}"/>
+              </a:ext>
+            </a:extLst>
+          </p:cNvPr>
+          <p:cNvSpPr/>
+          <p:nvPr/>
+        </p:nvSpPr>
+        <p:spPr>
+          <a:xfrm>
+            <a:off x="541372" y="3543709"/>
+            <a:ext cx="722812" cy="722812"/>
+          </a:xfrm>
+          <a:prstGeom prst="ellipse">
+            <a:avLst/>
+          </a:prstGeom>
+          <a:solidFill>
+            <a:srgbClr val="FF0000"/>
+          </a:solidFill>
+        </p:spPr>
+        <p:style>
+          <a:lnRef idx="2">
+            <a:schemeClr val="accent1">
+              <a:shade val="50000"/>
+            </a:schemeClr>
+          </a:lnRef>
+          <a:fillRef idx="1">
+            <a:schemeClr val="accent1"/>
+          </a:fillRef>
+          <a:effectRef idx="0">
+            <a:schemeClr val="accent1"/>
+          </a:effectRef>
+          <a:fontRef idx="minor">
+            <a:schemeClr val="lt1"/>
+          </a:fontRef>
+        </p:style>
+        <p:txBody>
+          <a:bodyPr rtlCol="0" anchor="ctr"/>
+          <a:lstStyle/>
+          <a:p>
+            <a:pPr algn="ctr"/>
+            <a:r>
+              <a:rPr lang="en-US" altLang="zh-CN" dirty="0"/>
+              <a:t>F</a:t>
+            </a:r>
+            <a:endParaRPr lang="zh-CN" altLang="en-US" dirty="0"/>
+          </a:p>
+        </p:txBody>
+      </p:sp>
+      <p:sp>
+        <p:nvSpPr>
+          <p:cNvPr id="37" name="椭圆 36">
+            <a:extLst>
+              <a:ext uri="{FF2B5EF4-FFF2-40B4-BE49-F238E27FC236}">
+                <a16:creationId xmlns:a16="http://schemas.microsoft.com/office/drawing/2014/main" id="{609CA8A8-06D4-4C8B-88D7-3FDF4B4CB474}"/>
+              </a:ext>
+            </a:extLst>
+          </p:cNvPr>
+          <p:cNvSpPr/>
+          <p:nvPr/>
+        </p:nvSpPr>
+        <p:spPr>
+          <a:xfrm>
+            <a:off x="1971944" y="3587552"/>
+            <a:ext cx="722812" cy="722812"/>
+          </a:xfrm>
+          <a:prstGeom prst="ellipse">
+            <a:avLst/>
+          </a:prstGeom>
+        </p:spPr>
+        <p:style>
+          <a:lnRef idx="2">
+            <a:schemeClr val="accent1">
+              <a:shade val="50000"/>
+            </a:schemeClr>
+          </a:lnRef>
+          <a:fillRef idx="1">
+            <a:schemeClr val="accent1"/>
+          </a:fillRef>
+          <a:effectRef idx="0">
+            <a:schemeClr val="accent1"/>
+          </a:effectRef>
+          <a:fontRef idx="minor">
+            <a:schemeClr val="lt1"/>
+          </a:fontRef>
+        </p:style>
+        <p:txBody>
+          <a:bodyPr rtlCol="0" anchor="ctr"/>
+          <a:lstStyle/>
+          <a:p>
+            <a:pPr algn="ctr"/>
+            <a:r>
+              <a:rPr lang="en-US" altLang="zh-CN" dirty="0"/>
+              <a:t>G</a:t>
+            </a:r>
+            <a:endParaRPr lang="zh-CN" altLang="en-US" dirty="0"/>
+          </a:p>
+        </p:txBody>
+      </p:sp>
+      <p:sp>
+        <p:nvSpPr>
+          <p:cNvPr id="38" name="椭圆 37">
+            <a:extLst>
+              <a:ext uri="{FF2B5EF4-FFF2-40B4-BE49-F238E27FC236}">
+                <a16:creationId xmlns:a16="http://schemas.microsoft.com/office/drawing/2014/main" id="{E546628C-7A17-4456-8E8C-D32D5280EEC5}"/>
+              </a:ext>
+            </a:extLst>
+          </p:cNvPr>
+          <p:cNvSpPr/>
+          <p:nvPr/>
+        </p:nvSpPr>
+        <p:spPr>
+          <a:xfrm>
+            <a:off x="1215496" y="2544833"/>
+            <a:ext cx="722812" cy="722812"/>
+          </a:xfrm>
+          <a:prstGeom prst="ellipse">
+            <a:avLst/>
+          </a:prstGeom>
+          <a:solidFill>
+            <a:srgbClr val="FF0000"/>
+          </a:solidFill>
+        </p:spPr>
+        <p:style>
+          <a:lnRef idx="2">
+            <a:schemeClr val="accent1">
+              <a:shade val="50000"/>
+            </a:schemeClr>
+          </a:lnRef>
+          <a:fillRef idx="1">
+            <a:schemeClr val="accent1"/>
+          </a:fillRef>
+          <a:effectRef idx="0">
+            <a:schemeClr val="accent1"/>
+          </a:effectRef>
+          <a:fontRef idx="minor">
+            <a:schemeClr val="lt1"/>
+          </a:fontRef>
+        </p:style>
+        <p:txBody>
+          <a:bodyPr rtlCol="0" anchor="ctr"/>
+          <a:lstStyle/>
+          <a:p>
+            <a:pPr algn="ctr"/>
+            <a:r>
+              <a:rPr lang="en-US" altLang="zh-CN" dirty="0"/>
+              <a:t>C</a:t>
+            </a:r>
+            <a:endParaRPr lang="zh-CN" altLang="en-US" dirty="0"/>
+          </a:p>
+        </p:txBody>
+      </p:sp>
+      <p:cxnSp>
+        <p:nvCxnSpPr>
+          <p:cNvPr id="39" name="直接连接符 38">
+            <a:extLst>
+              <a:ext uri="{FF2B5EF4-FFF2-40B4-BE49-F238E27FC236}">
+                <a16:creationId xmlns:a16="http://schemas.microsoft.com/office/drawing/2014/main" id="{A2AA70A4-FC64-44A5-8F9C-CB9D90AE019C}"/>
+              </a:ext>
+            </a:extLst>
+          </p:cNvPr>
+          <p:cNvCxnSpPr>
+            <a:cxnSpLocks/>
+            <a:stCxn id="35" idx="3"/>
+            <a:endCxn id="38" idx="7"/>
+          </p:cNvCxnSpPr>
+          <p:nvPr/>
+        </p:nvCxnSpPr>
+        <p:spPr>
+          <a:xfrm flipH="1">
+            <a:off x="1832455" y="2376487"/>
+            <a:ext cx="245342" cy="274199"/>
+          </a:xfrm>
+          <a:prstGeom prst="line">
+            <a:avLst/>
+          </a:prstGeom>
+          <a:ln w="28575"/>
+        </p:spPr>
+        <p:style>
+          <a:lnRef idx="1">
+            <a:schemeClr val="accent1"/>
+          </a:lnRef>
+          <a:fillRef idx="0">
+            <a:schemeClr val="accent1"/>
+          </a:fillRef>
+          <a:effectRef idx="0">
+            <a:schemeClr val="accent1"/>
+          </a:effectRef>
+          <a:fontRef idx="minor">
+            <a:schemeClr val="tx1"/>
+          </a:fontRef>
+        </p:style>
+      </p:cxnSp>
+      <p:cxnSp>
+        <p:nvCxnSpPr>
+          <p:cNvPr id="40" name="直接连接符 39">
+            <a:extLst>
+              <a:ext uri="{FF2B5EF4-FFF2-40B4-BE49-F238E27FC236}">
+                <a16:creationId xmlns:a16="http://schemas.microsoft.com/office/drawing/2014/main" id="{94F324A6-B580-4E50-BA74-084272708E54}"/>
+              </a:ext>
+            </a:extLst>
+          </p:cNvPr>
+          <p:cNvCxnSpPr>
+            <a:cxnSpLocks/>
+            <a:stCxn id="38" idx="3"/>
+            <a:endCxn id="36" idx="0"/>
+          </p:cNvCxnSpPr>
+          <p:nvPr/>
+        </p:nvCxnSpPr>
+        <p:spPr>
+          <a:xfrm flipH="1">
+            <a:off x="902778" y="3161792"/>
+            <a:ext cx="418571" cy="381917"/>
+          </a:xfrm>
+          <a:prstGeom prst="line">
+            <a:avLst/>
+          </a:prstGeom>
+          <a:ln w="28575"/>
+        </p:spPr>
+        <p:style>
+          <a:lnRef idx="1">
+            <a:schemeClr val="accent1"/>
+          </a:lnRef>
+          <a:fillRef idx="0">
+            <a:schemeClr val="accent1"/>
+          </a:fillRef>
+          <a:effectRef idx="0">
+            <a:schemeClr val="accent1"/>
+          </a:effectRef>
+          <a:fontRef idx="minor">
+            <a:schemeClr val="tx1"/>
+          </a:fontRef>
+        </p:style>
+      </p:cxnSp>
+      <p:cxnSp>
+        <p:nvCxnSpPr>
+          <p:cNvPr id="41" name="直接连接符 40">
+            <a:extLst>
+              <a:ext uri="{FF2B5EF4-FFF2-40B4-BE49-F238E27FC236}">
+                <a16:creationId xmlns:a16="http://schemas.microsoft.com/office/drawing/2014/main" id="{E338EAC3-7D43-4B74-B2E7-8083C39BD5FA}"/>
+              </a:ext>
+            </a:extLst>
+          </p:cNvPr>
+          <p:cNvCxnSpPr>
+            <a:cxnSpLocks/>
+            <a:stCxn id="38" idx="5"/>
+            <a:endCxn id="37" idx="0"/>
+          </p:cNvCxnSpPr>
+          <p:nvPr/>
+        </p:nvCxnSpPr>
+        <p:spPr>
+          <a:xfrm>
+            <a:off x="1832455" y="3161792"/>
+            <a:ext cx="500895" cy="425760"/>
+          </a:xfrm>
+          <a:prstGeom prst="line">
+            <a:avLst/>
+          </a:prstGeom>
+          <a:ln w="28575"/>
+        </p:spPr>
+        <p:style>
+          <a:lnRef idx="1">
+            <a:schemeClr val="accent1"/>
+          </a:lnRef>
+          <a:fillRef idx="0">
+            <a:schemeClr val="accent1"/>
+          </a:fillRef>
+          <a:effectRef idx="0">
+            <a:schemeClr val="accent1"/>
+          </a:effectRef>
+          <a:fontRef idx="minor">
+            <a:schemeClr val="tx1"/>
+          </a:fontRef>
+        </p:style>
+      </p:cxnSp>
+      <p:sp>
+        <p:nvSpPr>
+          <p:cNvPr id="70" name="箭头: 右 69">
+            <a:extLst>
+              <a:ext uri="{FF2B5EF4-FFF2-40B4-BE49-F238E27FC236}">
+                <a16:creationId xmlns:a16="http://schemas.microsoft.com/office/drawing/2014/main" id="{A4A64412-34BA-4E56-B520-1141655088CE}"/>
+              </a:ext>
+            </a:extLst>
+          </p:cNvPr>
+          <p:cNvSpPr/>
+          <p:nvPr/>
+        </p:nvSpPr>
+        <p:spPr>
+          <a:xfrm>
+            <a:off x="3388787" y="1584467"/>
+            <a:ext cx="1103197" cy="722812"/>
+          </a:xfrm>
+          <a:prstGeom prst="rightArrow">
+            <a:avLst/>
+          </a:prstGeom>
+        </p:spPr>
+        <p:style>
+          <a:lnRef idx="2">
+            <a:schemeClr val="accent1">
+              <a:shade val="50000"/>
+            </a:schemeClr>
+          </a:lnRef>
+          <a:fillRef idx="1">
+            <a:schemeClr val="accent1"/>
+          </a:fillRef>
+          <a:effectRef idx="0">
+            <a:schemeClr val="accent1"/>
+          </a:effectRef>
+          <a:fontRef idx="minor">
+            <a:schemeClr val="lt1"/>
+          </a:fontRef>
+        </p:style>
+        <p:txBody>
+          <a:bodyPr rtlCol="0" anchor="ctr"/>
+          <a:lstStyle/>
+          <a:p>
+            <a:pPr algn="ctr"/>
+            <a:endParaRPr lang="zh-CN" altLang="en-US"/>
+          </a:p>
+        </p:txBody>
+      </p:sp>
+      <p:sp>
+        <p:nvSpPr>
+          <p:cNvPr id="56" name="椭圆 55">
+            <a:extLst>
+              <a:ext uri="{FF2B5EF4-FFF2-40B4-BE49-F238E27FC236}">
+                <a16:creationId xmlns:a16="http://schemas.microsoft.com/office/drawing/2014/main" id="{A9571AFE-883E-4880-B01D-AAF95005A853}"/>
+              </a:ext>
+            </a:extLst>
+          </p:cNvPr>
+          <p:cNvSpPr/>
+          <p:nvPr/>
+        </p:nvSpPr>
+        <p:spPr>
+          <a:xfrm>
+            <a:off x="1321349" y="4628438"/>
+            <a:ext cx="722812" cy="722812"/>
+          </a:xfrm>
+          <a:prstGeom prst="ellipse">
+            <a:avLst/>
+          </a:prstGeom>
+        </p:spPr>
+        <p:style>
+          <a:lnRef idx="2">
+            <a:schemeClr val="accent1">
+              <a:shade val="50000"/>
+            </a:schemeClr>
+          </a:lnRef>
+          <a:fillRef idx="1">
+            <a:schemeClr val="accent1"/>
+          </a:fillRef>
+          <a:effectRef idx="0">
+            <a:schemeClr val="accent1"/>
+          </a:effectRef>
+          <a:fontRef idx="minor">
+            <a:schemeClr val="lt1"/>
+          </a:fontRef>
+        </p:style>
+        <p:txBody>
+          <a:bodyPr rtlCol="0" anchor="ctr"/>
+          <a:lstStyle/>
+          <a:p>
+            <a:pPr algn="ctr"/>
+            <a:r>
+              <a:rPr lang="en-US" altLang="zh-CN" dirty="0"/>
+              <a:t>H</a:t>
+            </a:r>
+            <a:endParaRPr lang="zh-CN" altLang="en-US" dirty="0"/>
+          </a:p>
+        </p:txBody>
+      </p:sp>
+      <p:cxnSp>
+        <p:nvCxnSpPr>
+          <p:cNvPr id="59" name="直接连接符 58">
+            <a:extLst>
+              <a:ext uri="{FF2B5EF4-FFF2-40B4-BE49-F238E27FC236}">
+                <a16:creationId xmlns:a16="http://schemas.microsoft.com/office/drawing/2014/main" id="{7D357472-5D77-4C07-85B7-8DA238903FF5}"/>
+              </a:ext>
+            </a:extLst>
+          </p:cNvPr>
+          <p:cNvCxnSpPr>
+            <a:cxnSpLocks/>
+            <a:stCxn id="37" idx="3"/>
+            <a:endCxn id="56" idx="0"/>
+          </p:cNvCxnSpPr>
+          <p:nvPr/>
+        </p:nvCxnSpPr>
+        <p:spPr>
+          <a:xfrm flipH="1">
+            <a:off x="1682755" y="4204511"/>
+            <a:ext cx="395042" cy="423927"/>
+          </a:xfrm>
+          <a:prstGeom prst="line">
+            <a:avLst/>
+          </a:prstGeom>
+          <a:ln w="28575"/>
+        </p:spPr>
+        <p:style>
+          <a:lnRef idx="1">
+            <a:schemeClr val="accent1"/>
+          </a:lnRef>
+          <a:fillRef idx="0">
+            <a:schemeClr val="accent1"/>
+          </a:fillRef>
+          <a:effectRef idx="0">
+            <a:schemeClr val="accent1"/>
+          </a:effectRef>
+          <a:fontRef idx="minor">
+            <a:schemeClr val="tx1"/>
+          </a:fontRef>
+        </p:style>
+      </p:cxnSp>
+      <p:sp>
+        <p:nvSpPr>
+          <p:cNvPr id="83" name="椭圆 82">
+            <a:extLst>
+              <a:ext uri="{FF2B5EF4-FFF2-40B4-BE49-F238E27FC236}">
+                <a16:creationId xmlns:a16="http://schemas.microsoft.com/office/drawing/2014/main" id="{55DE1DBA-FCBE-4D59-9459-7B574A12B8A5}"/>
+              </a:ext>
+            </a:extLst>
+          </p:cNvPr>
+          <p:cNvSpPr/>
+          <p:nvPr/>
+        </p:nvSpPr>
+        <p:spPr>
+          <a:xfrm>
+            <a:off x="6561114" y="981686"/>
+            <a:ext cx="722812" cy="722812"/>
+          </a:xfrm>
+          <a:prstGeom prst="ellipse">
+            <a:avLst/>
+          </a:prstGeom>
+          <a:solidFill>
+            <a:srgbClr val="FF0000"/>
+          </a:solidFill>
+        </p:spPr>
+        <p:style>
+          <a:lnRef idx="2">
+            <a:schemeClr val="accent1">
+              <a:shade val="50000"/>
+            </a:schemeClr>
+          </a:lnRef>
+          <a:fillRef idx="1">
+            <a:schemeClr val="accent1"/>
+          </a:fillRef>
+          <a:effectRef idx="0">
+            <a:schemeClr val="accent1"/>
+          </a:effectRef>
+          <a:fontRef idx="minor">
+            <a:schemeClr val="lt1"/>
+          </a:fontRef>
+        </p:style>
+        <p:txBody>
+          <a:bodyPr rtlCol="0" anchor="ctr"/>
+          <a:lstStyle/>
+          <a:p>
+            <a:pPr algn="ctr"/>
+            <a:r>
+              <a:rPr lang="en-US" altLang="zh-CN" dirty="0"/>
+              <a:t>A</a:t>
+            </a:r>
+            <a:endParaRPr lang="zh-CN" altLang="en-US" dirty="0"/>
+          </a:p>
+        </p:txBody>
+      </p:sp>
+      <p:sp>
+        <p:nvSpPr>
+          <p:cNvPr id="84" name="椭圆 83">
+            <a:extLst>
+              <a:ext uri="{FF2B5EF4-FFF2-40B4-BE49-F238E27FC236}">
+                <a16:creationId xmlns:a16="http://schemas.microsoft.com/office/drawing/2014/main" id="{801698C8-EF4D-41E7-BEB3-F33623C97D86}"/>
+              </a:ext>
+            </a:extLst>
+          </p:cNvPr>
+          <p:cNvSpPr/>
+          <p:nvPr/>
+        </p:nvSpPr>
+        <p:spPr>
+          <a:xfrm>
+            <a:off x="4914112" y="908266"/>
+            <a:ext cx="722812" cy="722812"/>
+          </a:xfrm>
+          <a:prstGeom prst="ellipse">
+            <a:avLst/>
+          </a:prstGeom>
+          <a:solidFill>
+            <a:srgbClr val="FF0000"/>
+          </a:solidFill>
+        </p:spPr>
+        <p:style>
+          <a:lnRef idx="2">
+            <a:schemeClr val="accent1">
+              <a:shade val="50000"/>
+            </a:schemeClr>
+          </a:lnRef>
+          <a:fillRef idx="1">
+            <a:schemeClr val="accent1"/>
+          </a:fillRef>
+          <a:effectRef idx="0">
+            <a:schemeClr val="accent1"/>
+          </a:effectRef>
+          <a:fontRef idx="minor">
+            <a:schemeClr val="lt1"/>
+          </a:fontRef>
+        </p:style>
+        <p:txBody>
+          <a:bodyPr rtlCol="0" anchor="ctr"/>
+          <a:lstStyle/>
+          <a:p>
+            <a:pPr algn="ctr"/>
+            <a:r>
+              <a:rPr lang="en-US" altLang="zh-CN" dirty="0"/>
+              <a:t>F</a:t>
+            </a:r>
+            <a:endParaRPr lang="zh-CN" altLang="en-US" dirty="0"/>
+          </a:p>
+        </p:txBody>
+      </p:sp>
+      <p:sp>
+        <p:nvSpPr>
+          <p:cNvPr id="85" name="椭圆 84">
+            <a:extLst>
+              <a:ext uri="{FF2B5EF4-FFF2-40B4-BE49-F238E27FC236}">
+                <a16:creationId xmlns:a16="http://schemas.microsoft.com/office/drawing/2014/main" id="{1BE85A68-DE5E-4FE2-B39F-50B3C8E6BFCA}"/>
+              </a:ext>
+            </a:extLst>
+          </p:cNvPr>
+          <p:cNvSpPr/>
+          <p:nvPr/>
+        </p:nvSpPr>
+        <p:spPr>
+          <a:xfrm>
+            <a:off x="6089553" y="1717175"/>
+            <a:ext cx="722812" cy="722812"/>
+          </a:xfrm>
+          <a:prstGeom prst="ellipse">
+            <a:avLst/>
+          </a:prstGeom>
+        </p:spPr>
+        <p:style>
+          <a:lnRef idx="2">
+            <a:schemeClr val="accent1">
+              <a:shade val="50000"/>
+            </a:schemeClr>
+          </a:lnRef>
+          <a:fillRef idx="1">
+            <a:schemeClr val="accent1"/>
+          </a:fillRef>
+          <a:effectRef idx="0">
+            <a:schemeClr val="accent1"/>
+          </a:effectRef>
+          <a:fontRef idx="minor">
+            <a:schemeClr val="lt1"/>
+          </a:fontRef>
+        </p:style>
+        <p:txBody>
+          <a:bodyPr rtlCol="0" anchor="ctr"/>
+          <a:lstStyle/>
+          <a:p>
+            <a:pPr algn="ctr"/>
+            <a:r>
+              <a:rPr lang="en-US" altLang="zh-CN" dirty="0"/>
+              <a:t>G</a:t>
+            </a:r>
+            <a:endParaRPr lang="zh-CN" altLang="en-US" dirty="0"/>
+          </a:p>
+        </p:txBody>
+      </p:sp>
+      <p:sp>
+        <p:nvSpPr>
+          <p:cNvPr id="86" name="椭圆 85">
+            <a:extLst>
+              <a:ext uri="{FF2B5EF4-FFF2-40B4-BE49-F238E27FC236}">
+                <a16:creationId xmlns:a16="http://schemas.microsoft.com/office/drawing/2014/main" id="{217EF5AC-1A63-49A5-9D3A-247A2669BD98}"/>
+              </a:ext>
+            </a:extLst>
+          </p:cNvPr>
+          <p:cNvSpPr/>
+          <p:nvPr/>
+        </p:nvSpPr>
+        <p:spPr>
+          <a:xfrm>
+            <a:off x="5820603" y="6058"/>
+            <a:ext cx="722812" cy="722812"/>
+          </a:xfrm>
+          <a:prstGeom prst="ellipse">
+            <a:avLst/>
+          </a:prstGeom>
+          <a:solidFill>
+            <a:srgbClr val="FF0000"/>
+          </a:solidFill>
+        </p:spPr>
+        <p:style>
+          <a:lnRef idx="2">
+            <a:schemeClr val="accent1">
+              <a:shade val="50000"/>
+            </a:schemeClr>
+          </a:lnRef>
+          <a:fillRef idx="1">
+            <a:schemeClr val="accent1"/>
+          </a:fillRef>
+          <a:effectRef idx="0">
+            <a:schemeClr val="accent1"/>
+          </a:effectRef>
+          <a:fontRef idx="minor">
+            <a:schemeClr val="lt1"/>
+          </a:fontRef>
+        </p:style>
+        <p:txBody>
+          <a:bodyPr rtlCol="0" anchor="ctr"/>
+          <a:lstStyle/>
+          <a:p>
+            <a:pPr algn="ctr"/>
+            <a:r>
+              <a:rPr lang="en-US" altLang="zh-CN" dirty="0"/>
+              <a:t>C</a:t>
+            </a:r>
+            <a:endParaRPr lang="zh-CN" altLang="en-US" dirty="0"/>
+          </a:p>
+        </p:txBody>
+      </p:sp>
+      <p:cxnSp>
+        <p:nvCxnSpPr>
+          <p:cNvPr id="87" name="直接连接符 86">
+            <a:extLst>
+              <a:ext uri="{FF2B5EF4-FFF2-40B4-BE49-F238E27FC236}">
+                <a16:creationId xmlns:a16="http://schemas.microsoft.com/office/drawing/2014/main" id="{8E97394B-4A32-44C5-9503-4A4A1B4113AE}"/>
+              </a:ext>
+            </a:extLst>
+          </p:cNvPr>
+          <p:cNvCxnSpPr>
+            <a:cxnSpLocks/>
+            <a:stCxn id="83" idx="1"/>
+            <a:endCxn id="86" idx="5"/>
+          </p:cNvCxnSpPr>
+          <p:nvPr/>
+        </p:nvCxnSpPr>
+        <p:spPr>
+          <a:xfrm flipH="1" flipV="1">
+            <a:off x="6437562" y="623017"/>
+            <a:ext cx="229405" cy="464522"/>
+          </a:xfrm>
+          <a:prstGeom prst="line">
+            <a:avLst/>
+          </a:prstGeom>
+          <a:ln w="28575"/>
+        </p:spPr>
+        <p:style>
+          <a:lnRef idx="1">
+            <a:schemeClr val="accent1"/>
+          </a:lnRef>
+          <a:fillRef idx="0">
+            <a:schemeClr val="accent1"/>
+          </a:fillRef>
+          <a:effectRef idx="0">
+            <a:schemeClr val="accent1"/>
+          </a:effectRef>
+          <a:fontRef idx="minor">
+            <a:schemeClr val="tx1"/>
+          </a:fontRef>
+        </p:style>
+      </p:cxnSp>
+      <p:cxnSp>
+        <p:nvCxnSpPr>
+          <p:cNvPr id="88" name="直接连接符 87">
+            <a:extLst>
+              <a:ext uri="{FF2B5EF4-FFF2-40B4-BE49-F238E27FC236}">
+                <a16:creationId xmlns:a16="http://schemas.microsoft.com/office/drawing/2014/main" id="{5C67DDF0-AFD4-4DA2-809E-A09A17DE15FB}"/>
+              </a:ext>
+            </a:extLst>
+          </p:cNvPr>
+          <p:cNvCxnSpPr>
+            <a:cxnSpLocks/>
+            <a:stCxn id="86" idx="3"/>
+            <a:endCxn id="84" idx="7"/>
+          </p:cNvCxnSpPr>
+          <p:nvPr/>
+        </p:nvCxnSpPr>
+        <p:spPr>
+          <a:xfrm flipH="1">
+            <a:off x="5531071" y="623017"/>
+            <a:ext cx="395385" cy="391102"/>
+          </a:xfrm>
+          <a:prstGeom prst="line">
+            <a:avLst/>
+          </a:prstGeom>
+          <a:ln w="28575"/>
+        </p:spPr>
+        <p:style>
+          <a:lnRef idx="1">
+            <a:schemeClr val="accent1"/>
+          </a:lnRef>
+          <a:fillRef idx="0">
+            <a:schemeClr val="accent1"/>
+          </a:fillRef>
+          <a:effectRef idx="0">
+            <a:schemeClr val="accent1"/>
+          </a:effectRef>
+          <a:fontRef idx="minor">
+            <a:schemeClr val="tx1"/>
+          </a:fontRef>
+        </p:style>
+      </p:cxnSp>
+      <p:cxnSp>
+        <p:nvCxnSpPr>
+          <p:cNvPr id="89" name="直接连接符 88">
+            <a:extLst>
+              <a:ext uri="{FF2B5EF4-FFF2-40B4-BE49-F238E27FC236}">
+                <a16:creationId xmlns:a16="http://schemas.microsoft.com/office/drawing/2014/main" id="{DF81F31A-9B4C-4C3C-87CC-CB225976C322}"/>
+              </a:ext>
+            </a:extLst>
+          </p:cNvPr>
+          <p:cNvCxnSpPr>
+            <a:cxnSpLocks/>
+          </p:cNvCxnSpPr>
+          <p:nvPr/>
+        </p:nvCxnSpPr>
+        <p:spPr>
+          <a:xfrm flipH="1">
+            <a:off x="6602460" y="1700139"/>
+            <a:ext cx="216008" cy="118530"/>
+          </a:xfrm>
+          <a:prstGeom prst="line">
+            <a:avLst/>
+          </a:prstGeom>
+          <a:ln w="28575"/>
+        </p:spPr>
+        <p:style>
+          <a:lnRef idx="1">
+            <a:schemeClr val="accent1"/>
+          </a:lnRef>
+          <a:fillRef idx="0">
+            <a:schemeClr val="accent1"/>
+          </a:fillRef>
+          <a:effectRef idx="0">
+            <a:schemeClr val="accent1"/>
+          </a:effectRef>
+          <a:fontRef idx="minor">
+            <a:schemeClr val="tx1"/>
+          </a:fontRef>
+        </p:style>
+      </p:cxnSp>
+      <p:sp>
+        <p:nvSpPr>
+          <p:cNvPr id="90" name="椭圆 89">
+            <a:extLst>
+              <a:ext uri="{FF2B5EF4-FFF2-40B4-BE49-F238E27FC236}">
+                <a16:creationId xmlns:a16="http://schemas.microsoft.com/office/drawing/2014/main" id="{291C5E7C-67AE-4104-8838-824ECB1CE177}"/>
+              </a:ext>
+            </a:extLst>
+          </p:cNvPr>
+          <p:cNvSpPr/>
+          <p:nvPr/>
+        </p:nvSpPr>
+        <p:spPr>
+          <a:xfrm>
+            <a:off x="5335927" y="2375685"/>
+            <a:ext cx="722812" cy="722812"/>
+          </a:xfrm>
+          <a:prstGeom prst="ellipse">
+            <a:avLst/>
+          </a:prstGeom>
+        </p:spPr>
+        <p:style>
+          <a:lnRef idx="2">
+            <a:schemeClr val="accent1">
+              <a:shade val="50000"/>
+            </a:schemeClr>
+          </a:lnRef>
+          <a:fillRef idx="1">
+            <a:schemeClr val="accent1"/>
+          </a:fillRef>
+          <a:effectRef idx="0">
+            <a:schemeClr val="accent1"/>
+          </a:effectRef>
+          <a:fontRef idx="minor">
+            <a:schemeClr val="lt1"/>
+          </a:fontRef>
+        </p:style>
+        <p:txBody>
+          <a:bodyPr rtlCol="0" anchor="ctr"/>
+          <a:lstStyle/>
+          <a:p>
+            <a:pPr algn="ctr"/>
+            <a:r>
+              <a:rPr lang="en-US" altLang="zh-CN" dirty="0"/>
+              <a:t>H</a:t>
+            </a:r>
+            <a:endParaRPr lang="zh-CN" altLang="en-US" dirty="0"/>
+          </a:p>
+        </p:txBody>
+      </p:sp>
+      <p:cxnSp>
+        <p:nvCxnSpPr>
+          <p:cNvPr id="91" name="直接连接符 90">
+            <a:extLst>
+              <a:ext uri="{FF2B5EF4-FFF2-40B4-BE49-F238E27FC236}">
+                <a16:creationId xmlns:a16="http://schemas.microsoft.com/office/drawing/2014/main" id="{529B3201-AC3C-41B0-98EC-356961CEACCE}"/>
+              </a:ext>
+            </a:extLst>
+          </p:cNvPr>
+          <p:cNvCxnSpPr>
+            <a:cxnSpLocks/>
+            <a:stCxn id="85" idx="3"/>
+            <a:endCxn id="90" idx="7"/>
+          </p:cNvCxnSpPr>
+          <p:nvPr/>
+        </p:nvCxnSpPr>
+        <p:spPr>
+          <a:xfrm flipH="1">
+            <a:off x="5952886" y="2334134"/>
+            <a:ext cx="242520" cy="147404"/>
+          </a:xfrm>
+          <a:prstGeom prst="line">
+            <a:avLst/>
+          </a:prstGeom>
+          <a:ln w="28575"/>
+        </p:spPr>
+        <p:style>
+          <a:lnRef idx="1">
+            <a:schemeClr val="accent1"/>
+          </a:lnRef>
+          <a:fillRef idx="0">
+            <a:schemeClr val="accent1"/>
+          </a:fillRef>
+          <a:effectRef idx="0">
+            <a:schemeClr val="accent1"/>
+          </a:effectRef>
+          <a:fontRef idx="minor">
+            <a:schemeClr val="tx1"/>
+          </a:fontRef>
+        </p:style>
+      </p:cxnSp>
+      <p:sp>
+        <p:nvSpPr>
+          <p:cNvPr id="99" name="文本框 98">
+            <a:extLst>
+              <a:ext uri="{FF2B5EF4-FFF2-40B4-BE49-F238E27FC236}">
+                <a16:creationId xmlns:a16="http://schemas.microsoft.com/office/drawing/2014/main" id="{842BB2B2-FE1A-4445-A3A6-F201871ADDF9}"/>
+              </a:ext>
+            </a:extLst>
+          </p:cNvPr>
+          <p:cNvSpPr txBox="1"/>
+          <p:nvPr/>
+        </p:nvSpPr>
+        <p:spPr>
+          <a:xfrm>
+            <a:off x="3235701" y="1229155"/>
+            <a:ext cx="1345786" cy="369332"/>
+          </a:xfrm>
+          <a:prstGeom prst="rect">
+            <a:avLst/>
+          </a:prstGeom>
+          <a:noFill/>
+        </p:spPr>
+        <p:txBody>
+          <a:bodyPr wrap="square" rtlCol="0">
+            <a:spAutoFit/>
+          </a:bodyPr>
+          <a:lstStyle/>
+          <a:p>
+            <a:r>
+              <a:rPr lang="zh-CN" altLang="en-US" dirty="0"/>
+              <a:t>正常右单旋</a:t>
+            </a:r>
+          </a:p>
+        </p:txBody>
+      </p:sp>
+      <p:sp>
+        <p:nvSpPr>
+          <p:cNvPr id="115" name="文本框 114">
+            <a:extLst>
+              <a:ext uri="{FF2B5EF4-FFF2-40B4-BE49-F238E27FC236}">
+                <a16:creationId xmlns:a16="http://schemas.microsoft.com/office/drawing/2014/main" id="{6E25CF89-5BBA-4968-B978-6CC47B40F9DC}"/>
+              </a:ext>
+            </a:extLst>
+          </p:cNvPr>
+          <p:cNvSpPr txBox="1"/>
+          <p:nvPr/>
+        </p:nvSpPr>
+        <p:spPr>
+          <a:xfrm>
+            <a:off x="3267492" y="2318124"/>
+            <a:ext cx="1345786" cy="369332"/>
+          </a:xfrm>
+          <a:prstGeom prst="rect">
+            <a:avLst/>
+          </a:prstGeom>
+          <a:noFill/>
+        </p:spPr>
+        <p:txBody>
+          <a:bodyPr wrap="square" rtlCol="0">
+            <a:spAutoFit/>
+          </a:bodyPr>
+          <a:lstStyle/>
+          <a:p>
+            <a:r>
+              <a:rPr lang="zh-CN" altLang="en-US" dirty="0"/>
+              <a:t>还是不平衡</a:t>
+            </a:r>
+          </a:p>
+        </p:txBody>
+      </p:sp>
+      <p:sp>
+        <p:nvSpPr>
+          <p:cNvPr id="125" name="椭圆 124">
+            <a:extLst>
+              <a:ext uri="{FF2B5EF4-FFF2-40B4-BE49-F238E27FC236}">
+                <a16:creationId xmlns:a16="http://schemas.microsoft.com/office/drawing/2014/main" id="{AB5B0F11-EC23-449B-A9C2-5F21FBC4F04F}"/>
+              </a:ext>
+            </a:extLst>
+          </p:cNvPr>
+          <p:cNvSpPr/>
+          <p:nvPr/>
+        </p:nvSpPr>
+        <p:spPr>
+          <a:xfrm>
+            <a:off x="6040609" y="3226146"/>
+            <a:ext cx="722812" cy="722812"/>
+          </a:xfrm>
+          <a:prstGeom prst="ellipse">
+            <a:avLst/>
+          </a:prstGeom>
+          <a:solidFill>
+            <a:srgbClr val="FF0000"/>
+          </a:solidFill>
+        </p:spPr>
+        <p:style>
+          <a:lnRef idx="2">
+            <a:schemeClr val="accent1">
+              <a:shade val="50000"/>
+            </a:schemeClr>
+          </a:lnRef>
+          <a:fillRef idx="1">
+            <a:schemeClr val="accent1"/>
+          </a:fillRef>
+          <a:effectRef idx="0">
+            <a:schemeClr val="accent1"/>
+          </a:effectRef>
+          <a:fontRef idx="minor">
+            <a:schemeClr val="lt1"/>
+          </a:fontRef>
+        </p:style>
+        <p:txBody>
+          <a:bodyPr rtlCol="0" anchor="ctr"/>
+          <a:lstStyle/>
+          <a:p>
+            <a:pPr algn="ctr"/>
+            <a:r>
+              <a:rPr lang="en-US" altLang="zh-CN" dirty="0"/>
+              <a:t>A</a:t>
+            </a:r>
+            <a:endParaRPr lang="zh-CN" altLang="en-US" dirty="0"/>
+          </a:p>
+        </p:txBody>
+      </p:sp>
+      <p:sp>
+        <p:nvSpPr>
+          <p:cNvPr id="126" name="椭圆 125">
+            <a:extLst>
+              <a:ext uri="{FF2B5EF4-FFF2-40B4-BE49-F238E27FC236}">
+                <a16:creationId xmlns:a16="http://schemas.microsoft.com/office/drawing/2014/main" id="{7B70986C-37DC-4520-93E0-FB1EFF51640E}"/>
+              </a:ext>
+            </a:extLst>
+          </p:cNvPr>
+          <p:cNvSpPr/>
+          <p:nvPr/>
+        </p:nvSpPr>
+        <p:spPr>
+          <a:xfrm>
+            <a:off x="4086337" y="5946065"/>
+            <a:ext cx="722812" cy="722812"/>
+          </a:xfrm>
+          <a:prstGeom prst="ellipse">
+            <a:avLst/>
+          </a:prstGeom>
+          <a:solidFill>
+            <a:srgbClr val="FF0000"/>
+          </a:solidFill>
+        </p:spPr>
+        <p:style>
+          <a:lnRef idx="2">
+            <a:schemeClr val="accent1">
+              <a:shade val="50000"/>
+            </a:schemeClr>
+          </a:lnRef>
+          <a:fillRef idx="1">
+            <a:schemeClr val="accent1"/>
+          </a:fillRef>
+          <a:effectRef idx="0">
+            <a:schemeClr val="accent1"/>
+          </a:effectRef>
+          <a:fontRef idx="minor">
+            <a:schemeClr val="lt1"/>
+          </a:fontRef>
+        </p:style>
+        <p:txBody>
+          <a:bodyPr rtlCol="0" anchor="ctr"/>
+          <a:lstStyle/>
+          <a:p>
+            <a:pPr algn="ctr"/>
+            <a:r>
+              <a:rPr lang="en-US" altLang="zh-CN" dirty="0"/>
+              <a:t>F</a:t>
+            </a:r>
+            <a:endParaRPr lang="zh-CN" altLang="en-US" dirty="0"/>
+          </a:p>
+        </p:txBody>
+      </p:sp>
+      <p:sp>
+        <p:nvSpPr>
+          <p:cNvPr id="127" name="椭圆 126">
+            <a:extLst>
+              <a:ext uri="{FF2B5EF4-FFF2-40B4-BE49-F238E27FC236}">
+                <a16:creationId xmlns:a16="http://schemas.microsoft.com/office/drawing/2014/main" id="{AF6955B1-7ECC-4E37-979A-EA77F00FB6E0}"/>
+              </a:ext>
+            </a:extLst>
+          </p:cNvPr>
+          <p:cNvSpPr/>
+          <p:nvPr/>
+        </p:nvSpPr>
+        <p:spPr>
+          <a:xfrm>
+            <a:off x="5287212" y="4022121"/>
+            <a:ext cx="722812" cy="722812"/>
+          </a:xfrm>
+          <a:prstGeom prst="ellipse">
+            <a:avLst/>
+          </a:prstGeom>
+        </p:spPr>
+        <p:style>
+          <a:lnRef idx="2">
+            <a:schemeClr val="accent1">
+              <a:shade val="50000"/>
+            </a:schemeClr>
+          </a:lnRef>
+          <a:fillRef idx="1">
+            <a:schemeClr val="accent1"/>
+          </a:fillRef>
+          <a:effectRef idx="0">
+            <a:schemeClr val="accent1"/>
+          </a:effectRef>
+          <a:fontRef idx="minor">
+            <a:schemeClr val="lt1"/>
+          </a:fontRef>
+        </p:style>
+        <p:txBody>
+          <a:bodyPr rtlCol="0" anchor="ctr"/>
+          <a:lstStyle/>
+          <a:p>
+            <a:pPr algn="ctr"/>
+            <a:r>
+              <a:rPr lang="en-US" altLang="zh-CN" dirty="0"/>
+              <a:t>G</a:t>
+            </a:r>
+            <a:endParaRPr lang="zh-CN" altLang="en-US" dirty="0"/>
+          </a:p>
+        </p:txBody>
+      </p:sp>
+      <p:sp>
+        <p:nvSpPr>
+          <p:cNvPr id="128" name="椭圆 127">
+            <a:extLst>
+              <a:ext uri="{FF2B5EF4-FFF2-40B4-BE49-F238E27FC236}">
+                <a16:creationId xmlns:a16="http://schemas.microsoft.com/office/drawing/2014/main" id="{46D9A253-8C02-4999-8C74-3BC8506AC974}"/>
+              </a:ext>
+            </a:extLst>
+          </p:cNvPr>
+          <p:cNvSpPr/>
+          <p:nvPr/>
+        </p:nvSpPr>
+        <p:spPr>
+          <a:xfrm>
+            <a:off x="4638944" y="4795295"/>
+            <a:ext cx="722812" cy="722812"/>
+          </a:xfrm>
+          <a:prstGeom prst="ellipse">
+            <a:avLst/>
+          </a:prstGeom>
+          <a:solidFill>
+            <a:srgbClr val="FF0000"/>
+          </a:solidFill>
+        </p:spPr>
+        <p:style>
+          <a:lnRef idx="2">
+            <a:schemeClr val="accent1">
+              <a:shade val="50000"/>
+            </a:schemeClr>
+          </a:lnRef>
+          <a:fillRef idx="1">
+            <a:schemeClr val="accent1"/>
+          </a:fillRef>
+          <a:effectRef idx="0">
+            <a:schemeClr val="accent1"/>
+          </a:effectRef>
+          <a:fontRef idx="minor">
+            <a:schemeClr val="lt1"/>
+          </a:fontRef>
+        </p:style>
+        <p:txBody>
+          <a:bodyPr rtlCol="0" anchor="ctr"/>
+          <a:lstStyle/>
+          <a:p>
+            <a:pPr algn="ctr"/>
+            <a:r>
+              <a:rPr lang="en-US" altLang="zh-CN" dirty="0"/>
+              <a:t>C</a:t>
+            </a:r>
+            <a:endParaRPr lang="zh-CN" altLang="en-US" dirty="0"/>
+          </a:p>
+        </p:txBody>
+      </p:sp>
+      <p:cxnSp>
+        <p:nvCxnSpPr>
+          <p:cNvPr id="129" name="直接连接符 128">
+            <a:extLst>
+              <a:ext uri="{FF2B5EF4-FFF2-40B4-BE49-F238E27FC236}">
+                <a16:creationId xmlns:a16="http://schemas.microsoft.com/office/drawing/2014/main" id="{5AEE9DD8-E802-4906-9CFE-20768B9B8C1C}"/>
+              </a:ext>
+            </a:extLst>
+          </p:cNvPr>
+          <p:cNvCxnSpPr>
+            <a:cxnSpLocks/>
+            <a:stCxn id="127" idx="3"/>
+            <a:endCxn id="128" idx="7"/>
+          </p:cNvCxnSpPr>
+          <p:nvPr/>
+        </p:nvCxnSpPr>
+        <p:spPr>
+          <a:xfrm flipH="1">
+            <a:off x="5255903" y="4639080"/>
+            <a:ext cx="137162" cy="262068"/>
+          </a:xfrm>
+          <a:prstGeom prst="line">
+            <a:avLst/>
+          </a:prstGeom>
+          <a:ln w="28575"/>
+        </p:spPr>
+        <p:style>
+          <a:lnRef idx="1">
+            <a:schemeClr val="accent1"/>
+          </a:lnRef>
+          <a:fillRef idx="0">
+            <a:schemeClr val="accent1"/>
+          </a:fillRef>
+          <a:effectRef idx="0">
+            <a:schemeClr val="accent1"/>
+          </a:effectRef>
+          <a:fontRef idx="minor">
+            <a:schemeClr val="tx1"/>
+          </a:fontRef>
+        </p:style>
+      </p:cxnSp>
+      <p:cxnSp>
+        <p:nvCxnSpPr>
+          <p:cNvPr id="130" name="直接连接符 129">
+            <a:extLst>
+              <a:ext uri="{FF2B5EF4-FFF2-40B4-BE49-F238E27FC236}">
+                <a16:creationId xmlns:a16="http://schemas.microsoft.com/office/drawing/2014/main" id="{9ECADC1C-8CA7-4373-8159-A1A1DF249553}"/>
+              </a:ext>
+            </a:extLst>
+          </p:cNvPr>
+          <p:cNvCxnSpPr>
+            <a:cxnSpLocks/>
+            <a:stCxn id="128" idx="3"/>
+            <a:endCxn id="126" idx="0"/>
+          </p:cNvCxnSpPr>
+          <p:nvPr/>
+        </p:nvCxnSpPr>
+        <p:spPr>
+          <a:xfrm flipH="1">
+            <a:off x="4447743" y="5412254"/>
+            <a:ext cx="297054" cy="533811"/>
+          </a:xfrm>
+          <a:prstGeom prst="line">
+            <a:avLst/>
+          </a:prstGeom>
+          <a:ln w="28575"/>
+        </p:spPr>
+        <p:style>
+          <a:lnRef idx="1">
+            <a:schemeClr val="accent1"/>
+          </a:lnRef>
+          <a:fillRef idx="0">
+            <a:schemeClr val="accent1"/>
+          </a:fillRef>
+          <a:effectRef idx="0">
+            <a:schemeClr val="accent1"/>
+          </a:effectRef>
+          <a:fontRef idx="minor">
+            <a:schemeClr val="tx1"/>
+          </a:fontRef>
+        </p:style>
+      </p:cxnSp>
+      <p:cxnSp>
+        <p:nvCxnSpPr>
+          <p:cNvPr id="131" name="直接连接符 130">
+            <a:extLst>
+              <a:ext uri="{FF2B5EF4-FFF2-40B4-BE49-F238E27FC236}">
+                <a16:creationId xmlns:a16="http://schemas.microsoft.com/office/drawing/2014/main" id="{51D28A65-4952-47FE-AFD7-0DDFD12CD941}"/>
+              </a:ext>
+            </a:extLst>
+          </p:cNvPr>
+          <p:cNvCxnSpPr>
+            <a:cxnSpLocks/>
+            <a:stCxn id="125" idx="3"/>
+            <a:endCxn id="127" idx="7"/>
+          </p:cNvCxnSpPr>
+          <p:nvPr/>
+        </p:nvCxnSpPr>
+        <p:spPr>
+          <a:xfrm flipH="1">
+            <a:off x="5904171" y="3843105"/>
+            <a:ext cx="242291" cy="284869"/>
+          </a:xfrm>
+          <a:prstGeom prst="line">
+            <a:avLst/>
+          </a:prstGeom>
+          <a:ln w="28575"/>
+        </p:spPr>
+        <p:style>
+          <a:lnRef idx="1">
+            <a:schemeClr val="accent1"/>
+          </a:lnRef>
+          <a:fillRef idx="0">
+            <a:schemeClr val="accent1"/>
+          </a:fillRef>
+          <a:effectRef idx="0">
+            <a:schemeClr val="accent1"/>
+          </a:effectRef>
+          <a:fontRef idx="minor">
+            <a:schemeClr val="tx1"/>
+          </a:fontRef>
+        </p:style>
+      </p:cxnSp>
+      <p:sp>
+        <p:nvSpPr>
+          <p:cNvPr id="132" name="椭圆 131">
+            <a:extLst>
+              <a:ext uri="{FF2B5EF4-FFF2-40B4-BE49-F238E27FC236}">
+                <a16:creationId xmlns:a16="http://schemas.microsoft.com/office/drawing/2014/main" id="{83951713-3896-4E71-A78F-A381F81CD870}"/>
+              </a:ext>
+            </a:extLst>
+          </p:cNvPr>
+          <p:cNvSpPr/>
+          <p:nvPr/>
+        </p:nvSpPr>
+        <p:spPr>
+          <a:xfrm>
+            <a:off x="5295413" y="5947855"/>
+            <a:ext cx="722812" cy="722812"/>
+          </a:xfrm>
+          <a:prstGeom prst="ellipse">
+            <a:avLst/>
+          </a:prstGeom>
+        </p:spPr>
+        <p:style>
+          <a:lnRef idx="2">
+            <a:schemeClr val="accent1">
+              <a:shade val="50000"/>
+            </a:schemeClr>
+          </a:lnRef>
+          <a:fillRef idx="1">
+            <a:schemeClr val="accent1"/>
+          </a:fillRef>
+          <a:effectRef idx="0">
+            <a:schemeClr val="accent1"/>
+          </a:effectRef>
+          <a:fontRef idx="minor">
+            <a:schemeClr val="lt1"/>
+          </a:fontRef>
+        </p:style>
+        <p:txBody>
+          <a:bodyPr rtlCol="0" anchor="ctr"/>
+          <a:lstStyle/>
+          <a:p>
+            <a:pPr algn="ctr"/>
+            <a:r>
+              <a:rPr lang="en-US" altLang="zh-CN" dirty="0"/>
+              <a:t>H</a:t>
+            </a:r>
+            <a:endParaRPr lang="zh-CN" altLang="en-US" dirty="0"/>
+          </a:p>
+        </p:txBody>
+      </p:sp>
+      <p:cxnSp>
+        <p:nvCxnSpPr>
+          <p:cNvPr id="133" name="直接连接符 132">
+            <a:extLst>
+              <a:ext uri="{FF2B5EF4-FFF2-40B4-BE49-F238E27FC236}">
+                <a16:creationId xmlns:a16="http://schemas.microsoft.com/office/drawing/2014/main" id="{C341EA95-3794-4BDE-BCF8-C3ECCA2BFF1B}"/>
+              </a:ext>
+            </a:extLst>
+          </p:cNvPr>
+          <p:cNvCxnSpPr>
+            <a:cxnSpLocks/>
+            <a:stCxn id="128" idx="5"/>
+            <a:endCxn id="132" idx="0"/>
+          </p:cNvCxnSpPr>
+          <p:nvPr/>
+        </p:nvCxnSpPr>
+        <p:spPr>
+          <a:xfrm>
+            <a:off x="5255903" y="5412254"/>
+            <a:ext cx="400916" cy="535601"/>
+          </a:xfrm>
+          <a:prstGeom prst="line">
+            <a:avLst/>
+          </a:prstGeom>
+          <a:ln w="28575"/>
+        </p:spPr>
+        <p:style>
+          <a:lnRef idx="1">
+            <a:schemeClr val="accent1"/>
+          </a:lnRef>
+          <a:fillRef idx="0">
+            <a:schemeClr val="accent1"/>
+          </a:fillRef>
+          <a:effectRef idx="0">
+            <a:schemeClr val="accent1"/>
+          </a:effectRef>
+          <a:fontRef idx="minor">
+            <a:schemeClr val="tx1"/>
+          </a:fontRef>
+        </p:style>
+      </p:cxnSp>
+      <p:sp>
+        <p:nvSpPr>
+          <p:cNvPr id="145" name="箭头: 右 144">
+            <a:extLst>
+              <a:ext uri="{FF2B5EF4-FFF2-40B4-BE49-F238E27FC236}">
+                <a16:creationId xmlns:a16="http://schemas.microsoft.com/office/drawing/2014/main" id="{ED3D2612-D812-486E-9509-7D93CB1DA4C3}"/>
+              </a:ext>
+            </a:extLst>
+          </p:cNvPr>
+          <p:cNvSpPr/>
+          <p:nvPr/>
+        </p:nvSpPr>
+        <p:spPr>
+          <a:xfrm>
+            <a:off x="3462973" y="4444962"/>
+            <a:ext cx="1103197" cy="722812"/>
+          </a:xfrm>
+          <a:prstGeom prst="rightArrow">
+            <a:avLst/>
+          </a:prstGeom>
+        </p:spPr>
+        <p:style>
+          <a:lnRef idx="2">
+            <a:schemeClr val="accent1">
+              <a:shade val="50000"/>
+            </a:schemeClr>
+          </a:lnRef>
+          <a:fillRef idx="1">
+            <a:schemeClr val="accent1"/>
+          </a:fillRef>
+          <a:effectRef idx="0">
+            <a:schemeClr val="accent1"/>
+          </a:effectRef>
+          <a:fontRef idx="minor">
+            <a:schemeClr val="lt1"/>
+          </a:fontRef>
+        </p:style>
+        <p:txBody>
+          <a:bodyPr rtlCol="0" anchor="ctr"/>
+          <a:lstStyle/>
+          <a:p>
+            <a:pPr algn="ctr"/>
+            <a:endParaRPr lang="zh-CN" altLang="en-US"/>
+          </a:p>
+        </p:txBody>
+      </p:sp>
+      <p:sp>
+        <p:nvSpPr>
+          <p:cNvPr id="146" name="文本框 145">
+            <a:extLst>
+              <a:ext uri="{FF2B5EF4-FFF2-40B4-BE49-F238E27FC236}">
+                <a16:creationId xmlns:a16="http://schemas.microsoft.com/office/drawing/2014/main" id="{209DC621-3836-4192-96B2-1801AAFE3544}"/>
+              </a:ext>
+            </a:extLst>
+          </p:cNvPr>
+          <p:cNvSpPr txBox="1"/>
+          <p:nvPr/>
+        </p:nvSpPr>
+        <p:spPr>
+          <a:xfrm>
+            <a:off x="3306925" y="3927487"/>
+            <a:ext cx="1345786" cy="646331"/>
+          </a:xfrm>
+          <a:prstGeom prst="rect">
+            <a:avLst/>
+          </a:prstGeom>
+          <a:noFill/>
+        </p:spPr>
+        <p:txBody>
+          <a:bodyPr wrap="square" rtlCol="0">
+            <a:spAutoFit/>
+          </a:bodyPr>
+          <a:lstStyle/>
+          <a:p>
+            <a:r>
+              <a:rPr lang="zh-CN" altLang="en-US" dirty="0"/>
+              <a:t>先对</a:t>
+            </a:r>
+            <a:r>
+              <a:rPr lang="en-US" altLang="zh-CN" dirty="0"/>
+              <a:t>C</a:t>
+            </a:r>
+            <a:r>
+              <a:rPr lang="zh-CN" altLang="en-US" dirty="0"/>
+              <a:t>进行左单旋</a:t>
+            </a:r>
+          </a:p>
+        </p:txBody>
+      </p:sp>
+      <p:sp>
+        <p:nvSpPr>
+          <p:cNvPr id="187" name="箭头: 右 186">
+            <a:extLst>
+              <a:ext uri="{FF2B5EF4-FFF2-40B4-BE49-F238E27FC236}">
+                <a16:creationId xmlns:a16="http://schemas.microsoft.com/office/drawing/2014/main" id="{878725E8-E1BF-43BC-B7D0-3974EF81A860}"/>
+              </a:ext>
+            </a:extLst>
+          </p:cNvPr>
+          <p:cNvSpPr/>
+          <p:nvPr/>
+        </p:nvSpPr>
+        <p:spPr>
+          <a:xfrm>
+            <a:off x="6499192" y="4539742"/>
+            <a:ext cx="1103197" cy="722812"/>
+          </a:xfrm>
+          <a:prstGeom prst="rightArrow">
+            <a:avLst/>
+          </a:prstGeom>
+        </p:spPr>
+        <p:style>
+          <a:lnRef idx="2">
+            <a:schemeClr val="accent1">
+              <a:shade val="50000"/>
+            </a:schemeClr>
+          </a:lnRef>
+          <a:fillRef idx="1">
+            <a:schemeClr val="accent1"/>
+          </a:fillRef>
+          <a:effectRef idx="0">
+            <a:schemeClr val="accent1"/>
+          </a:effectRef>
+          <a:fontRef idx="minor">
+            <a:schemeClr val="lt1"/>
+          </a:fontRef>
+        </p:style>
+        <p:txBody>
+          <a:bodyPr rtlCol="0" anchor="ctr"/>
+          <a:lstStyle/>
+          <a:p>
+            <a:pPr algn="ctr"/>
+            <a:endParaRPr lang="zh-CN" altLang="en-US"/>
+          </a:p>
+        </p:txBody>
+      </p:sp>
+      <p:sp>
+        <p:nvSpPr>
+          <p:cNvPr id="197" name="椭圆 196">
+            <a:extLst>
+              <a:ext uri="{FF2B5EF4-FFF2-40B4-BE49-F238E27FC236}">
+                <a16:creationId xmlns:a16="http://schemas.microsoft.com/office/drawing/2014/main" id="{F4491879-0230-4BA5-8659-10E8EC9B374C}"/>
+              </a:ext>
+            </a:extLst>
+          </p:cNvPr>
+          <p:cNvSpPr/>
+          <p:nvPr/>
+        </p:nvSpPr>
+        <p:spPr>
+          <a:xfrm>
+            <a:off x="10074190" y="4277674"/>
+            <a:ext cx="722812" cy="722812"/>
+          </a:xfrm>
+          <a:prstGeom prst="ellipse">
+            <a:avLst/>
+          </a:prstGeom>
+          <a:solidFill>
+            <a:srgbClr val="FF0000"/>
+          </a:solidFill>
+        </p:spPr>
+        <p:style>
+          <a:lnRef idx="2">
+            <a:schemeClr val="accent1">
+              <a:shade val="50000"/>
+            </a:schemeClr>
+          </a:lnRef>
+          <a:fillRef idx="1">
+            <a:schemeClr val="accent1"/>
+          </a:fillRef>
+          <a:effectRef idx="0">
+            <a:schemeClr val="accent1"/>
+          </a:effectRef>
+          <a:fontRef idx="minor">
+            <a:schemeClr val="lt1"/>
+          </a:fontRef>
+        </p:style>
+        <p:txBody>
+          <a:bodyPr rtlCol="0" anchor="ctr"/>
+          <a:lstStyle/>
+          <a:p>
+            <a:pPr algn="ctr"/>
+            <a:r>
+              <a:rPr lang="en-US" altLang="zh-CN" dirty="0"/>
+              <a:t>A</a:t>
+            </a:r>
+            <a:endParaRPr lang="zh-CN" altLang="en-US" dirty="0"/>
+          </a:p>
+        </p:txBody>
+      </p:sp>
+      <p:sp>
+        <p:nvSpPr>
+          <p:cNvPr id="198" name="椭圆 197">
+            <a:extLst>
+              <a:ext uri="{FF2B5EF4-FFF2-40B4-BE49-F238E27FC236}">
+                <a16:creationId xmlns:a16="http://schemas.microsoft.com/office/drawing/2014/main" id="{DC023059-14E5-4468-8715-709C23240804}"/>
+              </a:ext>
+            </a:extLst>
+          </p:cNvPr>
+          <p:cNvSpPr/>
+          <p:nvPr/>
+        </p:nvSpPr>
+        <p:spPr>
+          <a:xfrm>
+            <a:off x="7974695" y="5518107"/>
+            <a:ext cx="722812" cy="722812"/>
+          </a:xfrm>
+          <a:prstGeom prst="ellipse">
+            <a:avLst/>
+          </a:prstGeom>
+          <a:solidFill>
+            <a:srgbClr val="FF0000"/>
+          </a:solidFill>
+        </p:spPr>
+        <p:style>
+          <a:lnRef idx="2">
+            <a:schemeClr val="accent1">
+              <a:shade val="50000"/>
+            </a:schemeClr>
+          </a:lnRef>
+          <a:fillRef idx="1">
+            <a:schemeClr val="accent1"/>
+          </a:fillRef>
+          <a:effectRef idx="0">
+            <a:schemeClr val="accent1"/>
+          </a:effectRef>
+          <a:fontRef idx="minor">
+            <a:schemeClr val="lt1"/>
+          </a:fontRef>
+        </p:style>
+        <p:txBody>
+          <a:bodyPr rtlCol="0" anchor="ctr"/>
+          <a:lstStyle/>
+          <a:p>
+            <a:pPr algn="ctr"/>
+            <a:r>
+              <a:rPr lang="en-US" altLang="zh-CN" dirty="0"/>
+              <a:t>F</a:t>
+            </a:r>
+            <a:endParaRPr lang="zh-CN" altLang="en-US" dirty="0"/>
+          </a:p>
+        </p:txBody>
+      </p:sp>
+      <p:sp>
+        <p:nvSpPr>
+          <p:cNvPr id="199" name="椭圆 198">
+            <a:extLst>
+              <a:ext uri="{FF2B5EF4-FFF2-40B4-BE49-F238E27FC236}">
+                <a16:creationId xmlns:a16="http://schemas.microsoft.com/office/drawing/2014/main" id="{2B3D0B13-FDA4-442F-8229-1029CBDF3AC5}"/>
+              </a:ext>
+            </a:extLst>
+          </p:cNvPr>
+          <p:cNvSpPr/>
+          <p:nvPr/>
+        </p:nvSpPr>
+        <p:spPr>
+          <a:xfrm>
+            <a:off x="9351378" y="3182303"/>
+            <a:ext cx="722812" cy="722812"/>
+          </a:xfrm>
+          <a:prstGeom prst="ellipse">
+            <a:avLst/>
+          </a:prstGeom>
+        </p:spPr>
+        <p:style>
+          <a:lnRef idx="2">
+            <a:schemeClr val="accent1">
+              <a:shade val="50000"/>
+            </a:schemeClr>
+          </a:lnRef>
+          <a:fillRef idx="1">
+            <a:schemeClr val="accent1"/>
+          </a:fillRef>
+          <a:effectRef idx="0">
+            <a:schemeClr val="accent1"/>
+          </a:effectRef>
+          <a:fontRef idx="minor">
+            <a:schemeClr val="lt1"/>
+          </a:fontRef>
+        </p:style>
+        <p:txBody>
+          <a:bodyPr rtlCol="0" anchor="ctr"/>
+          <a:lstStyle/>
+          <a:p>
+            <a:pPr algn="ctr"/>
+            <a:r>
+              <a:rPr lang="en-US" altLang="zh-CN" dirty="0"/>
+              <a:t>G</a:t>
+            </a:r>
+            <a:endParaRPr lang="zh-CN" altLang="en-US" dirty="0"/>
+          </a:p>
+        </p:txBody>
+      </p:sp>
+      <p:sp>
+        <p:nvSpPr>
+          <p:cNvPr id="200" name="椭圆 199">
+            <a:extLst>
+              <a:ext uri="{FF2B5EF4-FFF2-40B4-BE49-F238E27FC236}">
+                <a16:creationId xmlns:a16="http://schemas.microsoft.com/office/drawing/2014/main" id="{2A48C477-39E3-46BF-919B-FA1A5BA3CCD6}"/>
+              </a:ext>
+            </a:extLst>
+          </p:cNvPr>
+          <p:cNvSpPr/>
+          <p:nvPr/>
+        </p:nvSpPr>
+        <p:spPr>
+          <a:xfrm>
+            <a:off x="8577797" y="4267032"/>
+            <a:ext cx="722812" cy="722812"/>
+          </a:xfrm>
+          <a:prstGeom prst="ellipse">
+            <a:avLst/>
+          </a:prstGeom>
+          <a:solidFill>
+            <a:srgbClr val="FF0000"/>
+          </a:solidFill>
+        </p:spPr>
+        <p:style>
+          <a:lnRef idx="2">
+            <a:schemeClr val="accent1">
+              <a:shade val="50000"/>
+            </a:schemeClr>
+          </a:lnRef>
+          <a:fillRef idx="1">
+            <a:schemeClr val="accent1"/>
+          </a:fillRef>
+          <a:effectRef idx="0">
+            <a:schemeClr val="accent1"/>
+          </a:effectRef>
+          <a:fontRef idx="minor">
+            <a:schemeClr val="lt1"/>
+          </a:fontRef>
+        </p:style>
+        <p:txBody>
+          <a:bodyPr rtlCol="0" anchor="ctr"/>
+          <a:lstStyle/>
+          <a:p>
+            <a:pPr algn="ctr"/>
+            <a:r>
+              <a:rPr lang="en-US" altLang="zh-CN" dirty="0"/>
+              <a:t>C</a:t>
+            </a:r>
+            <a:endParaRPr lang="zh-CN" altLang="en-US" dirty="0"/>
+          </a:p>
+        </p:txBody>
+      </p:sp>
+      <p:cxnSp>
+        <p:nvCxnSpPr>
+          <p:cNvPr id="201" name="直接连接符 200">
+            <a:extLst>
+              <a:ext uri="{FF2B5EF4-FFF2-40B4-BE49-F238E27FC236}">
+                <a16:creationId xmlns:a16="http://schemas.microsoft.com/office/drawing/2014/main" id="{D07A8EE9-BE4B-427B-8908-31F12648AEC8}"/>
+              </a:ext>
+            </a:extLst>
+          </p:cNvPr>
+          <p:cNvCxnSpPr>
+            <a:cxnSpLocks/>
+            <a:stCxn id="199" idx="3"/>
+            <a:endCxn id="200" idx="7"/>
+          </p:cNvCxnSpPr>
+          <p:nvPr/>
+        </p:nvCxnSpPr>
+        <p:spPr>
+          <a:xfrm flipH="1">
+            <a:off x="9194756" y="3799262"/>
+            <a:ext cx="262475" cy="573623"/>
+          </a:xfrm>
+          <a:prstGeom prst="line">
+            <a:avLst/>
+          </a:prstGeom>
+          <a:ln w="28575"/>
+        </p:spPr>
+        <p:style>
+          <a:lnRef idx="1">
+            <a:schemeClr val="accent1"/>
+          </a:lnRef>
+          <a:fillRef idx="0">
+            <a:schemeClr val="accent1"/>
+          </a:fillRef>
+          <a:effectRef idx="0">
+            <a:schemeClr val="accent1"/>
+          </a:effectRef>
+          <a:fontRef idx="minor">
+            <a:schemeClr val="tx1"/>
+          </a:fontRef>
+        </p:style>
+      </p:cxnSp>
+      <p:cxnSp>
+        <p:nvCxnSpPr>
+          <p:cNvPr id="202" name="直接连接符 201">
+            <a:extLst>
+              <a:ext uri="{FF2B5EF4-FFF2-40B4-BE49-F238E27FC236}">
+                <a16:creationId xmlns:a16="http://schemas.microsoft.com/office/drawing/2014/main" id="{47655D2C-C980-4D09-83B8-89B672E1D4F3}"/>
+              </a:ext>
+            </a:extLst>
+          </p:cNvPr>
+          <p:cNvCxnSpPr>
+            <a:cxnSpLocks/>
+            <a:stCxn id="200" idx="3"/>
+            <a:endCxn id="198" idx="0"/>
+          </p:cNvCxnSpPr>
+          <p:nvPr/>
+        </p:nvCxnSpPr>
+        <p:spPr>
+          <a:xfrm flipH="1">
+            <a:off x="8336101" y="4883991"/>
+            <a:ext cx="347549" cy="634116"/>
+          </a:xfrm>
+          <a:prstGeom prst="line">
+            <a:avLst/>
+          </a:prstGeom>
+          <a:ln w="28575"/>
+        </p:spPr>
+        <p:style>
+          <a:lnRef idx="1">
+            <a:schemeClr val="accent1"/>
+          </a:lnRef>
+          <a:fillRef idx="0">
+            <a:schemeClr val="accent1"/>
+          </a:fillRef>
+          <a:effectRef idx="0">
+            <a:schemeClr val="accent1"/>
+          </a:effectRef>
+          <a:fontRef idx="minor">
+            <a:schemeClr val="tx1"/>
+          </a:fontRef>
+        </p:style>
+      </p:cxnSp>
+      <p:cxnSp>
+        <p:nvCxnSpPr>
+          <p:cNvPr id="203" name="直接连接符 202">
+            <a:extLst>
+              <a:ext uri="{FF2B5EF4-FFF2-40B4-BE49-F238E27FC236}">
+                <a16:creationId xmlns:a16="http://schemas.microsoft.com/office/drawing/2014/main" id="{6D7C2223-CE31-4C95-BCC3-EAAA0AF51230}"/>
+              </a:ext>
+            </a:extLst>
+          </p:cNvPr>
+          <p:cNvCxnSpPr>
+            <a:cxnSpLocks/>
+            <a:stCxn id="197" idx="1"/>
+            <a:endCxn id="199" idx="5"/>
+          </p:cNvCxnSpPr>
+          <p:nvPr/>
+        </p:nvCxnSpPr>
+        <p:spPr>
+          <a:xfrm flipH="1" flipV="1">
+            <a:off x="9968337" y="3799262"/>
+            <a:ext cx="211706" cy="584265"/>
+          </a:xfrm>
+          <a:prstGeom prst="line">
+            <a:avLst/>
+          </a:prstGeom>
+          <a:ln w="28575"/>
+        </p:spPr>
+        <p:style>
+          <a:lnRef idx="1">
+            <a:schemeClr val="accent1"/>
+          </a:lnRef>
+          <a:fillRef idx="0">
+            <a:schemeClr val="accent1"/>
+          </a:fillRef>
+          <a:effectRef idx="0">
+            <a:schemeClr val="accent1"/>
+          </a:effectRef>
+          <a:fontRef idx="minor">
+            <a:schemeClr val="tx1"/>
+          </a:fontRef>
+        </p:style>
+      </p:cxnSp>
+      <p:sp>
+        <p:nvSpPr>
+          <p:cNvPr id="204" name="椭圆 203">
+            <a:extLst>
+              <a:ext uri="{FF2B5EF4-FFF2-40B4-BE49-F238E27FC236}">
+                <a16:creationId xmlns:a16="http://schemas.microsoft.com/office/drawing/2014/main" id="{38916182-FF86-4D23-9A79-399ACCC1CD79}"/>
+              </a:ext>
+            </a:extLst>
+          </p:cNvPr>
+          <p:cNvSpPr/>
+          <p:nvPr/>
+        </p:nvSpPr>
+        <p:spPr>
+          <a:xfrm>
+            <a:off x="9095825" y="5584659"/>
+            <a:ext cx="722812" cy="722812"/>
+          </a:xfrm>
+          <a:prstGeom prst="ellipse">
+            <a:avLst/>
+          </a:prstGeom>
+        </p:spPr>
+        <p:style>
+          <a:lnRef idx="2">
+            <a:schemeClr val="accent1">
+              <a:shade val="50000"/>
+            </a:schemeClr>
+          </a:lnRef>
+          <a:fillRef idx="1">
+            <a:schemeClr val="accent1"/>
+          </a:fillRef>
+          <a:effectRef idx="0">
+            <a:schemeClr val="accent1"/>
+          </a:effectRef>
+          <a:fontRef idx="minor">
+            <a:schemeClr val="lt1"/>
+          </a:fontRef>
+        </p:style>
+        <p:txBody>
+          <a:bodyPr rtlCol="0" anchor="ctr"/>
+          <a:lstStyle/>
+          <a:p>
+            <a:pPr algn="ctr"/>
+            <a:r>
+              <a:rPr lang="en-US" altLang="zh-CN" dirty="0"/>
+              <a:t>H</a:t>
+            </a:r>
+            <a:endParaRPr lang="zh-CN" altLang="en-US" dirty="0"/>
+          </a:p>
+        </p:txBody>
+      </p:sp>
+      <p:cxnSp>
+        <p:nvCxnSpPr>
+          <p:cNvPr id="205" name="直接连接符 204">
+            <a:extLst>
+              <a:ext uri="{FF2B5EF4-FFF2-40B4-BE49-F238E27FC236}">
+                <a16:creationId xmlns:a16="http://schemas.microsoft.com/office/drawing/2014/main" id="{437C03DA-D4A1-4EB9-BDB5-8270ABF1F7C9}"/>
+              </a:ext>
+            </a:extLst>
+          </p:cNvPr>
+          <p:cNvCxnSpPr>
+            <a:cxnSpLocks/>
+            <a:stCxn id="200" idx="5"/>
+            <a:endCxn id="204" idx="0"/>
+          </p:cNvCxnSpPr>
+          <p:nvPr/>
+        </p:nvCxnSpPr>
+        <p:spPr>
+          <a:xfrm>
+            <a:off x="9194756" y="4883991"/>
+            <a:ext cx="262475" cy="700668"/>
+          </a:xfrm>
+          <a:prstGeom prst="line">
+            <a:avLst/>
+          </a:prstGeom>
+          <a:ln w="28575"/>
+        </p:spPr>
+        <p:style>
+          <a:lnRef idx="1">
+            <a:schemeClr val="accent1"/>
+          </a:lnRef>
+          <a:fillRef idx="0">
+            <a:schemeClr val="accent1"/>
+          </a:fillRef>
+          <a:effectRef idx="0">
+            <a:schemeClr val="accent1"/>
+          </a:effectRef>
+          <a:fontRef idx="minor">
+            <a:schemeClr val="tx1"/>
+          </a:fontRef>
+        </p:style>
+      </p:cxnSp>
+      <p:sp>
+        <p:nvSpPr>
+          <p:cNvPr id="252" name="文本框 251">
+            <a:extLst>
+              <a:ext uri="{FF2B5EF4-FFF2-40B4-BE49-F238E27FC236}">
+                <a16:creationId xmlns:a16="http://schemas.microsoft.com/office/drawing/2014/main" id="{0FEB6DE3-3ABB-44A9-AB53-4FBC228F6911}"/>
+              </a:ext>
+            </a:extLst>
+          </p:cNvPr>
+          <p:cNvSpPr txBox="1"/>
+          <p:nvPr/>
+        </p:nvSpPr>
+        <p:spPr>
+          <a:xfrm>
+            <a:off x="6400523" y="4161179"/>
+            <a:ext cx="6113416" cy="369332"/>
+          </a:xfrm>
+          <a:prstGeom prst="rect">
+            <a:avLst/>
+          </a:prstGeom>
+          <a:noFill/>
+        </p:spPr>
+        <p:txBody>
+          <a:bodyPr wrap="square">
+            <a:spAutoFit/>
+          </a:bodyPr>
+          <a:lstStyle/>
+          <a:p>
+            <a:r>
+              <a:rPr lang="zh-CN" altLang="en-US" dirty="0"/>
+              <a:t>再进行右单旋</a:t>
+            </a:r>
+          </a:p>
+        </p:txBody>
+      </p:sp>
+      <p:sp>
+        <p:nvSpPr>
+          <p:cNvPr id="253" name="文本框 252">
+            <a:extLst>
+              <a:ext uri="{FF2B5EF4-FFF2-40B4-BE49-F238E27FC236}">
+                <a16:creationId xmlns:a16="http://schemas.microsoft.com/office/drawing/2014/main" id="{7CD64924-9B42-4F5A-9E43-5A96D869195A}"/>
+              </a:ext>
+            </a:extLst>
+          </p:cNvPr>
+          <p:cNvSpPr txBox="1"/>
+          <p:nvPr/>
+        </p:nvSpPr>
+        <p:spPr>
+          <a:xfrm>
+            <a:off x="8008075" y="1961463"/>
+            <a:ext cx="3979817" cy="1200329"/>
+          </a:xfrm>
+          <a:prstGeom prst="rect">
+            <a:avLst/>
+          </a:prstGeom>
+          <a:noFill/>
+        </p:spPr>
+        <p:txBody>
+          <a:bodyPr wrap="square" rtlCol="0">
+            <a:spAutoFit/>
+          </a:bodyPr>
+          <a:lstStyle/>
+          <a:p>
+            <a:pPr marL="0" marR="0">
+              <a:spcBef>
+                <a:spcPts val="0"/>
+              </a:spcBef>
+              <a:spcAft>
+                <a:spcPts val="0"/>
+              </a:spcAft>
+            </a:pPr>
+            <a:r>
+              <a:rPr lang="zh-CN" altLang="en-US" dirty="0">
+                <a:effectLst/>
+              </a:rPr>
+              <a:t>变化分支为唯一最深分支时，左右单旋不能处理</a:t>
+            </a:r>
+          </a:p>
+          <a:p>
+            <a:pPr marL="0" marR="0">
+              <a:spcBef>
+                <a:spcPts val="0"/>
+              </a:spcBef>
+              <a:spcAft>
+                <a:spcPts val="0"/>
+              </a:spcAft>
+            </a:pPr>
+            <a:r>
+              <a:rPr lang="zh-CN" altLang="en-US" dirty="0">
+                <a:effectLst/>
+              </a:rPr>
+              <a:t>此时应该先进行反旋，然后再单旋，称为双旋</a:t>
+            </a:r>
+          </a:p>
+        </p:txBody>
+      </p:sp>
+    </p:spTree>
+    <p:extLst>
+      <p:ext uri="{BB962C8B-B14F-4D97-AF65-F5344CB8AC3E}">
+        <p14:creationId xmlns:p14="http://schemas.microsoft.com/office/powerpoint/2010/main" val="1004050464"/>
+      </p:ext>
+    </p:extLst>
+  </p:cSld>
+  <p:clrMapOvr>
+    <a:masterClrMapping/>
+  </p:clrMapOvr>
+</p:sld>
+</file>
+
+<file path=ppt/slides/slide9.xml><?xml version="1.0" encoding="utf-8"?>
+<p:sld xmlns:a="http://schemas.openxmlformats.org/drawingml/2006/main" xmlns:r="http://schemas.openxmlformats.org/officeDocument/2006/relationships" xmlns:p="http://schemas.openxmlformats.org/presentationml/2006/main">
+  <p:cSld>
+    <p:spTree>
+      <p:nvGrpSpPr>
+        <p:cNvPr id="1" name=""/>
+        <p:cNvGrpSpPr/>
+        <p:nvPr/>
+      </p:nvGrpSpPr>
+      <p:grpSpPr>
+        <a:xfrm>
+          <a:off x="0" y="0"/>
+          <a:ext cx="0" cy="0"/>
+          <a:chOff x="0" y="0"/>
+          <a:chExt cx="0" cy="0"/>
+        </a:xfrm>
+      </p:grpSpPr>
+      <p:sp>
+        <p:nvSpPr>
+          <p:cNvPr id="30" name="文本框 29">
+            <a:extLst>
+              <a:ext uri="{FF2B5EF4-FFF2-40B4-BE49-F238E27FC236}">
+                <a16:creationId xmlns:a16="http://schemas.microsoft.com/office/drawing/2014/main" id="{71ABB8A5-A757-4018-A8B6-5F1B54B26F7C}"/>
+              </a:ext>
+            </a:extLst>
+          </p:cNvPr>
+          <p:cNvSpPr txBox="1"/>
+          <p:nvPr/>
+        </p:nvSpPr>
+        <p:spPr>
+          <a:xfrm>
+            <a:off x="59060" y="253527"/>
+            <a:ext cx="3294538" cy="830997"/>
+          </a:xfrm>
+          <a:prstGeom prst="rect">
+            <a:avLst/>
+          </a:prstGeom>
+          <a:noFill/>
+        </p:spPr>
+        <p:txBody>
+          <a:bodyPr wrap="square">
+            <a:spAutoFit/>
+          </a:bodyPr>
+          <a:lstStyle/>
+          <a:p>
+            <a:pPr marL="0" marR="0"/>
+            <a:r>
+              <a:rPr lang="zh-CN" altLang="en-US" sz="2400" b="1" dirty="0">
+                <a:effectLst/>
+              </a:rPr>
+              <a:t>二叉树</a:t>
+            </a:r>
+            <a:r>
+              <a:rPr lang="zh-CN" altLang="en-US" sz="2400" b="1" dirty="0"/>
+              <a:t>的双旋操作</a:t>
+            </a:r>
+          </a:p>
+          <a:p>
+            <a:pPr marL="0" marR="0"/>
+            <a:r>
+              <a:rPr lang="zh-CN" altLang="en-US" sz="2400" b="1" dirty="0">
+                <a:effectLst/>
+              </a:rPr>
+              <a:t>（</a:t>
+            </a:r>
+            <a:r>
+              <a:rPr lang="zh-CN" altLang="en-US" sz="2400" b="1" dirty="0"/>
+              <a:t>左</a:t>
+            </a:r>
+            <a:r>
+              <a:rPr lang="zh-CN" altLang="en-US" sz="2400" b="1" dirty="0">
+                <a:effectLst/>
+              </a:rPr>
+              <a:t>左双旋、右右</a:t>
+            </a:r>
+            <a:r>
+              <a:rPr lang="zh-CN" altLang="en-US" sz="2400" b="1" dirty="0"/>
+              <a:t>双</a:t>
+            </a:r>
+            <a:r>
+              <a:rPr lang="zh-CN" altLang="en-US" sz="2400" b="1" dirty="0">
+                <a:effectLst/>
+              </a:rPr>
+              <a:t>旋）</a:t>
+            </a:r>
+          </a:p>
+        </p:txBody>
+      </p:sp>
+      <p:sp>
+        <p:nvSpPr>
+          <p:cNvPr id="35" name="椭圆 34">
+            <a:extLst>
+              <a:ext uri="{FF2B5EF4-FFF2-40B4-BE49-F238E27FC236}">
+                <a16:creationId xmlns:a16="http://schemas.microsoft.com/office/drawing/2014/main" id="{1D13F186-D095-4A53-9BB2-A4F37627953B}"/>
+              </a:ext>
+            </a:extLst>
+          </p:cNvPr>
+          <p:cNvSpPr/>
+          <p:nvPr/>
+        </p:nvSpPr>
+        <p:spPr>
+          <a:xfrm>
+            <a:off x="2038696" y="2029493"/>
+            <a:ext cx="722812" cy="722812"/>
+          </a:xfrm>
+          <a:prstGeom prst="ellipse">
+            <a:avLst/>
+          </a:prstGeom>
+          <a:solidFill>
+            <a:srgbClr val="FF0000"/>
+          </a:solidFill>
+        </p:spPr>
+        <p:style>
+          <a:lnRef idx="2">
+            <a:schemeClr val="accent1">
+              <a:shade val="50000"/>
+            </a:schemeClr>
+          </a:lnRef>
+          <a:fillRef idx="1">
+            <a:schemeClr val="accent1"/>
+          </a:fillRef>
+          <a:effectRef idx="0">
+            <a:schemeClr val="accent1"/>
+          </a:effectRef>
+          <a:fontRef idx="minor">
+            <a:schemeClr val="lt1"/>
+          </a:fontRef>
+        </p:style>
+        <p:txBody>
+          <a:bodyPr rtlCol="0" anchor="ctr"/>
+          <a:lstStyle/>
+          <a:p>
+            <a:pPr algn="ctr"/>
+            <a:r>
+              <a:rPr lang="en-US" altLang="zh-CN" dirty="0"/>
+              <a:t>A</a:t>
+            </a:r>
+            <a:endParaRPr lang="zh-CN" altLang="en-US" dirty="0"/>
+          </a:p>
+        </p:txBody>
+      </p:sp>
+      <p:sp>
+        <p:nvSpPr>
+          <p:cNvPr id="36" name="椭圆 35">
+            <a:extLst>
+              <a:ext uri="{FF2B5EF4-FFF2-40B4-BE49-F238E27FC236}">
+                <a16:creationId xmlns:a16="http://schemas.microsoft.com/office/drawing/2014/main" id="{DCCEBFC6-909B-446F-AFBC-E78ECBA50F35}"/>
+              </a:ext>
+            </a:extLst>
+          </p:cNvPr>
+          <p:cNvSpPr/>
+          <p:nvPr/>
+        </p:nvSpPr>
+        <p:spPr>
+          <a:xfrm>
+            <a:off x="608124" y="3813674"/>
+            <a:ext cx="722812" cy="722812"/>
+          </a:xfrm>
+          <a:prstGeom prst="ellipse">
+            <a:avLst/>
+          </a:prstGeom>
+          <a:solidFill>
+            <a:srgbClr val="FF0000"/>
+          </a:solidFill>
+        </p:spPr>
+        <p:style>
+          <a:lnRef idx="2">
+            <a:schemeClr val="accent1">
+              <a:shade val="50000"/>
+            </a:schemeClr>
+          </a:lnRef>
+          <a:fillRef idx="1">
+            <a:schemeClr val="accent1"/>
+          </a:fillRef>
+          <a:effectRef idx="0">
+            <a:schemeClr val="accent1"/>
+          </a:effectRef>
+          <a:fontRef idx="minor">
+            <a:schemeClr val="lt1"/>
+          </a:fontRef>
+        </p:style>
+        <p:txBody>
+          <a:bodyPr rtlCol="0" anchor="ctr"/>
+          <a:lstStyle/>
+          <a:p>
+            <a:pPr algn="ctr"/>
+            <a:r>
+              <a:rPr lang="en-US" altLang="zh-CN" dirty="0"/>
+              <a:t>F</a:t>
+            </a:r>
+            <a:endParaRPr lang="zh-CN" altLang="en-US" dirty="0"/>
+          </a:p>
+        </p:txBody>
+      </p:sp>
+      <p:sp>
+        <p:nvSpPr>
+          <p:cNvPr id="37" name="椭圆 36">
+            <a:extLst>
+              <a:ext uri="{FF2B5EF4-FFF2-40B4-BE49-F238E27FC236}">
+                <a16:creationId xmlns:a16="http://schemas.microsoft.com/office/drawing/2014/main" id="{609CA8A8-06D4-4C8B-88D7-3FDF4B4CB474}"/>
+              </a:ext>
+            </a:extLst>
+          </p:cNvPr>
+          <p:cNvSpPr/>
+          <p:nvPr/>
+        </p:nvSpPr>
+        <p:spPr>
+          <a:xfrm>
+            <a:off x="2038696" y="3857517"/>
+            <a:ext cx="722812" cy="722812"/>
+          </a:xfrm>
+          <a:prstGeom prst="ellipse">
+            <a:avLst/>
+          </a:prstGeom>
+        </p:spPr>
+        <p:style>
+          <a:lnRef idx="2">
+            <a:schemeClr val="accent1">
+              <a:shade val="50000"/>
+            </a:schemeClr>
+          </a:lnRef>
+          <a:fillRef idx="1">
+            <a:schemeClr val="accent1"/>
+          </a:fillRef>
+          <a:effectRef idx="0">
+            <a:schemeClr val="accent1"/>
+          </a:effectRef>
+          <a:fontRef idx="minor">
+            <a:schemeClr val="lt1"/>
+          </a:fontRef>
+        </p:style>
+        <p:txBody>
+          <a:bodyPr rtlCol="0" anchor="ctr"/>
+          <a:lstStyle/>
+          <a:p>
+            <a:pPr algn="ctr"/>
+            <a:r>
+              <a:rPr lang="en-US" altLang="zh-CN" dirty="0"/>
+              <a:t>G</a:t>
+            </a:r>
+            <a:endParaRPr lang="zh-CN" altLang="en-US" dirty="0"/>
+          </a:p>
+        </p:txBody>
+      </p:sp>
+      <p:sp>
+        <p:nvSpPr>
+          <p:cNvPr id="38" name="椭圆 37">
+            <a:extLst>
+              <a:ext uri="{FF2B5EF4-FFF2-40B4-BE49-F238E27FC236}">
+                <a16:creationId xmlns:a16="http://schemas.microsoft.com/office/drawing/2014/main" id="{E546628C-7A17-4456-8E8C-D32D5280EEC5}"/>
+              </a:ext>
+            </a:extLst>
+          </p:cNvPr>
+          <p:cNvSpPr/>
+          <p:nvPr/>
+        </p:nvSpPr>
+        <p:spPr>
+          <a:xfrm>
+            <a:off x="1282248" y="2814798"/>
+            <a:ext cx="722812" cy="722812"/>
+          </a:xfrm>
+          <a:prstGeom prst="ellipse">
+            <a:avLst/>
+          </a:prstGeom>
+          <a:solidFill>
+            <a:srgbClr val="FF0000"/>
+          </a:solidFill>
+        </p:spPr>
+        <p:style>
+          <a:lnRef idx="2">
+            <a:schemeClr val="accent1">
+              <a:shade val="50000"/>
+            </a:schemeClr>
+          </a:lnRef>
+          <a:fillRef idx="1">
+            <a:schemeClr val="accent1"/>
+          </a:fillRef>
+          <a:effectRef idx="0">
+            <a:schemeClr val="accent1"/>
+          </a:effectRef>
+          <a:fontRef idx="minor">
+            <a:schemeClr val="lt1"/>
+          </a:fontRef>
+        </p:style>
+        <p:txBody>
+          <a:bodyPr rtlCol="0" anchor="ctr"/>
+          <a:lstStyle/>
+          <a:p>
+            <a:pPr algn="ctr"/>
+            <a:r>
+              <a:rPr lang="en-US" altLang="zh-CN" dirty="0"/>
+              <a:t>C</a:t>
+            </a:r>
+            <a:endParaRPr lang="zh-CN" altLang="en-US" dirty="0"/>
+          </a:p>
+        </p:txBody>
+      </p:sp>
+      <p:cxnSp>
+        <p:nvCxnSpPr>
+          <p:cNvPr id="39" name="直接连接符 38">
+            <a:extLst>
+              <a:ext uri="{FF2B5EF4-FFF2-40B4-BE49-F238E27FC236}">
+                <a16:creationId xmlns:a16="http://schemas.microsoft.com/office/drawing/2014/main" id="{A2AA70A4-FC64-44A5-8F9C-CB9D90AE019C}"/>
+              </a:ext>
+            </a:extLst>
+          </p:cNvPr>
+          <p:cNvCxnSpPr>
+            <a:cxnSpLocks/>
+            <a:stCxn id="35" idx="3"/>
+            <a:endCxn id="38" idx="7"/>
+          </p:cNvCxnSpPr>
+          <p:nvPr/>
+        </p:nvCxnSpPr>
+        <p:spPr>
+          <a:xfrm flipH="1">
+            <a:off x="1899207" y="2646452"/>
+            <a:ext cx="245342" cy="274199"/>
+          </a:xfrm>
+          <a:prstGeom prst="line">
+            <a:avLst/>
+          </a:prstGeom>
+          <a:ln w="28575"/>
+        </p:spPr>
+        <p:style>
+          <a:lnRef idx="1">
+            <a:schemeClr val="accent1"/>
+          </a:lnRef>
+          <a:fillRef idx="0">
+            <a:schemeClr val="accent1"/>
+          </a:fillRef>
+          <a:effectRef idx="0">
+            <a:schemeClr val="accent1"/>
+          </a:effectRef>
+          <a:fontRef idx="minor">
+            <a:schemeClr val="tx1"/>
+          </a:fontRef>
+        </p:style>
+      </p:cxnSp>
+      <p:cxnSp>
+        <p:nvCxnSpPr>
+          <p:cNvPr id="40" name="直接连接符 39">
+            <a:extLst>
+              <a:ext uri="{FF2B5EF4-FFF2-40B4-BE49-F238E27FC236}">
+                <a16:creationId xmlns:a16="http://schemas.microsoft.com/office/drawing/2014/main" id="{94F324A6-B580-4E50-BA74-084272708E54}"/>
+              </a:ext>
+            </a:extLst>
+          </p:cNvPr>
+          <p:cNvCxnSpPr>
+            <a:cxnSpLocks/>
+            <a:stCxn id="38" idx="3"/>
+            <a:endCxn id="36" idx="0"/>
+          </p:cNvCxnSpPr>
+          <p:nvPr/>
+        </p:nvCxnSpPr>
+        <p:spPr>
+          <a:xfrm flipH="1">
+            <a:off x="969530" y="3431757"/>
+            <a:ext cx="418571" cy="381917"/>
+          </a:xfrm>
+          <a:prstGeom prst="line">
+            <a:avLst/>
+          </a:prstGeom>
+          <a:ln w="28575"/>
+        </p:spPr>
+        <p:style>
+          <a:lnRef idx="1">
+            <a:schemeClr val="accent1"/>
+          </a:lnRef>
+          <a:fillRef idx="0">
+            <a:schemeClr val="accent1"/>
+          </a:fillRef>
+          <a:effectRef idx="0">
+            <a:schemeClr val="accent1"/>
+          </a:effectRef>
+          <a:fontRef idx="minor">
+            <a:schemeClr val="tx1"/>
+          </a:fontRef>
+        </p:style>
+      </p:cxnSp>
+      <p:cxnSp>
+        <p:nvCxnSpPr>
+          <p:cNvPr id="41" name="直接连接符 40">
+            <a:extLst>
+              <a:ext uri="{FF2B5EF4-FFF2-40B4-BE49-F238E27FC236}">
+                <a16:creationId xmlns:a16="http://schemas.microsoft.com/office/drawing/2014/main" id="{E338EAC3-7D43-4B74-B2E7-8083C39BD5FA}"/>
+              </a:ext>
+            </a:extLst>
+          </p:cNvPr>
+          <p:cNvCxnSpPr>
+            <a:cxnSpLocks/>
+            <a:stCxn id="38" idx="5"/>
+            <a:endCxn id="37" idx="0"/>
+          </p:cNvCxnSpPr>
+          <p:nvPr/>
+        </p:nvCxnSpPr>
+        <p:spPr>
+          <a:xfrm>
+            <a:off x="1899207" y="3431757"/>
+            <a:ext cx="500895" cy="425760"/>
+          </a:xfrm>
+          <a:prstGeom prst="line">
+            <a:avLst/>
+          </a:prstGeom>
+          <a:ln w="28575"/>
+        </p:spPr>
+        <p:style>
+          <a:lnRef idx="1">
+            <a:schemeClr val="accent1"/>
+          </a:lnRef>
+          <a:fillRef idx="0">
+            <a:schemeClr val="accent1"/>
+          </a:fillRef>
+          <a:effectRef idx="0">
+            <a:schemeClr val="accent1"/>
+          </a:effectRef>
+          <a:fontRef idx="minor">
+            <a:schemeClr val="tx1"/>
+          </a:fontRef>
+        </p:style>
+      </p:cxnSp>
+      <p:sp>
+        <p:nvSpPr>
+          <p:cNvPr id="56" name="椭圆 55">
+            <a:extLst>
+              <a:ext uri="{FF2B5EF4-FFF2-40B4-BE49-F238E27FC236}">
+                <a16:creationId xmlns:a16="http://schemas.microsoft.com/office/drawing/2014/main" id="{A9571AFE-883E-4880-B01D-AAF95005A853}"/>
+              </a:ext>
+            </a:extLst>
+          </p:cNvPr>
+          <p:cNvSpPr/>
+          <p:nvPr/>
+        </p:nvSpPr>
+        <p:spPr>
+          <a:xfrm>
+            <a:off x="2761508" y="4952498"/>
+            <a:ext cx="722812" cy="722812"/>
+          </a:xfrm>
+          <a:prstGeom prst="ellipse">
+            <a:avLst/>
+          </a:prstGeom>
+        </p:spPr>
+        <p:style>
+          <a:lnRef idx="2">
+            <a:schemeClr val="accent1">
+              <a:shade val="50000"/>
+            </a:schemeClr>
+          </a:lnRef>
+          <a:fillRef idx="1">
+            <a:schemeClr val="accent1"/>
+          </a:fillRef>
+          <a:effectRef idx="0">
+            <a:schemeClr val="accent1"/>
+          </a:effectRef>
+          <a:fontRef idx="minor">
+            <a:schemeClr val="lt1"/>
+          </a:fontRef>
+        </p:style>
+        <p:txBody>
+          <a:bodyPr rtlCol="0" anchor="ctr"/>
+          <a:lstStyle/>
+          <a:p>
+            <a:pPr algn="ctr"/>
+            <a:r>
+              <a:rPr lang="en-US" altLang="zh-CN" dirty="0"/>
+              <a:t>H</a:t>
+            </a:r>
+            <a:endParaRPr lang="zh-CN" altLang="en-US" dirty="0"/>
+          </a:p>
+        </p:txBody>
+      </p:sp>
+      <p:cxnSp>
+        <p:nvCxnSpPr>
+          <p:cNvPr id="59" name="直接连接符 58">
+            <a:extLst>
+              <a:ext uri="{FF2B5EF4-FFF2-40B4-BE49-F238E27FC236}">
+                <a16:creationId xmlns:a16="http://schemas.microsoft.com/office/drawing/2014/main" id="{7D357472-5D77-4C07-85B7-8DA238903FF5}"/>
+              </a:ext>
+            </a:extLst>
+          </p:cNvPr>
+          <p:cNvCxnSpPr>
+            <a:cxnSpLocks/>
+            <a:stCxn id="37" idx="5"/>
+            <a:endCxn id="56" idx="0"/>
+          </p:cNvCxnSpPr>
+          <p:nvPr/>
+        </p:nvCxnSpPr>
+        <p:spPr>
+          <a:xfrm>
+            <a:off x="2655655" y="4474476"/>
+            <a:ext cx="467259" cy="478022"/>
+          </a:xfrm>
+          <a:prstGeom prst="line">
+            <a:avLst/>
+          </a:prstGeom>
+          <a:ln w="28575"/>
+        </p:spPr>
+        <p:style>
+          <a:lnRef idx="1">
+            <a:schemeClr val="accent1"/>
+          </a:lnRef>
+          <a:fillRef idx="0">
+            <a:schemeClr val="accent1"/>
+          </a:fillRef>
+          <a:effectRef idx="0">
+            <a:schemeClr val="accent1"/>
+          </a:effectRef>
+          <a:fontRef idx="minor">
+            <a:schemeClr val="tx1"/>
+          </a:fontRef>
+        </p:style>
+      </p:cxnSp>
+      <p:sp>
+        <p:nvSpPr>
+          <p:cNvPr id="2" name="文本框 1">
+            <a:extLst>
+              <a:ext uri="{FF2B5EF4-FFF2-40B4-BE49-F238E27FC236}">
+                <a16:creationId xmlns:a16="http://schemas.microsoft.com/office/drawing/2014/main" id="{81571628-318B-4E91-B836-7ED92E37B94F}"/>
+              </a:ext>
+            </a:extLst>
+          </p:cNvPr>
+          <p:cNvSpPr txBox="1"/>
+          <p:nvPr/>
+        </p:nvSpPr>
+        <p:spPr>
+          <a:xfrm>
+            <a:off x="5181600" y="657120"/>
+            <a:ext cx="5714265" cy="646331"/>
+          </a:xfrm>
+          <a:prstGeom prst="rect">
+            <a:avLst/>
+          </a:prstGeom>
+          <a:noFill/>
+        </p:spPr>
+        <p:txBody>
+          <a:bodyPr wrap="square" rtlCol="0">
+            <a:spAutoFit/>
+          </a:bodyPr>
+          <a:lstStyle/>
+          <a:p>
+            <a:r>
+              <a:rPr lang="zh-CN" altLang="en-US" dirty="0"/>
+              <a:t>如果变化分支的高度比旋转节点的另一侧高度差超过</a:t>
+            </a:r>
+            <a:r>
+              <a:rPr lang="en-US" altLang="zh-CN" dirty="0"/>
+              <a:t>2</a:t>
+            </a:r>
+          </a:p>
+          <a:p>
+            <a:r>
+              <a:rPr lang="zh-CN" altLang="en-US" dirty="0"/>
+              <a:t>那么单旋之后依旧不平衡</a:t>
+            </a:r>
+          </a:p>
+        </p:txBody>
+      </p:sp>
+      <p:sp>
+        <p:nvSpPr>
+          <p:cNvPr id="50" name="椭圆 49">
+            <a:extLst>
+              <a:ext uri="{FF2B5EF4-FFF2-40B4-BE49-F238E27FC236}">
+                <a16:creationId xmlns:a16="http://schemas.microsoft.com/office/drawing/2014/main" id="{56213843-AC36-4C24-9B14-D8E05A9346CF}"/>
+              </a:ext>
+            </a:extLst>
+          </p:cNvPr>
+          <p:cNvSpPr/>
+          <p:nvPr/>
+        </p:nvSpPr>
+        <p:spPr>
+          <a:xfrm>
+            <a:off x="83623" y="4952498"/>
+            <a:ext cx="722812" cy="722812"/>
+          </a:xfrm>
+          <a:prstGeom prst="ellipse">
+            <a:avLst/>
+          </a:prstGeom>
+        </p:spPr>
+        <p:style>
+          <a:lnRef idx="2">
+            <a:schemeClr val="accent1">
+              <a:shade val="50000"/>
+            </a:schemeClr>
+          </a:lnRef>
+          <a:fillRef idx="1">
+            <a:schemeClr val="accent1"/>
+          </a:fillRef>
+          <a:effectRef idx="0">
+            <a:schemeClr val="accent1"/>
+          </a:effectRef>
+          <a:fontRef idx="minor">
+            <a:schemeClr val="lt1"/>
+          </a:fontRef>
+        </p:style>
+        <p:txBody>
+          <a:bodyPr rtlCol="0" anchor="ctr"/>
+          <a:lstStyle/>
+          <a:p>
+            <a:pPr algn="ctr"/>
+            <a:r>
+              <a:rPr lang="en-US" altLang="zh-CN" dirty="0"/>
+              <a:t>I</a:t>
+            </a:r>
+            <a:endParaRPr lang="zh-CN" altLang="en-US" dirty="0"/>
+          </a:p>
+        </p:txBody>
+      </p:sp>
+      <p:cxnSp>
+        <p:nvCxnSpPr>
+          <p:cNvPr id="51" name="直接连接符 50">
+            <a:extLst>
+              <a:ext uri="{FF2B5EF4-FFF2-40B4-BE49-F238E27FC236}">
+                <a16:creationId xmlns:a16="http://schemas.microsoft.com/office/drawing/2014/main" id="{58FC1F96-1CC6-4A19-AAF6-2C9FD75F27D8}"/>
+              </a:ext>
+            </a:extLst>
+          </p:cNvPr>
+          <p:cNvCxnSpPr>
+            <a:cxnSpLocks/>
+            <a:stCxn id="36" idx="3"/>
+            <a:endCxn id="50" idx="0"/>
+          </p:cNvCxnSpPr>
+          <p:nvPr/>
+        </p:nvCxnSpPr>
+        <p:spPr>
+          <a:xfrm flipH="1">
+            <a:off x="445029" y="4430633"/>
+            <a:ext cx="268948" cy="521865"/>
+          </a:xfrm>
+          <a:prstGeom prst="line">
+            <a:avLst/>
+          </a:prstGeom>
+          <a:ln w="28575"/>
+        </p:spPr>
+        <p:style>
+          <a:lnRef idx="1">
+            <a:schemeClr val="accent1"/>
+          </a:lnRef>
+          <a:fillRef idx="0">
+            <a:schemeClr val="accent1"/>
+          </a:fillRef>
+          <a:effectRef idx="0">
+            <a:schemeClr val="accent1"/>
+          </a:effectRef>
+          <a:fontRef idx="minor">
+            <a:schemeClr val="tx1"/>
+          </a:fontRef>
+        </p:style>
+      </p:cxnSp>
+      <p:sp>
+        <p:nvSpPr>
+          <p:cNvPr id="54" name="箭头: 右 53">
+            <a:extLst>
+              <a:ext uri="{FF2B5EF4-FFF2-40B4-BE49-F238E27FC236}">
+                <a16:creationId xmlns:a16="http://schemas.microsoft.com/office/drawing/2014/main" id="{A3D44DD3-76C7-410E-AA2F-F1D77A5E9F54}"/>
+              </a:ext>
+            </a:extLst>
+          </p:cNvPr>
+          <p:cNvSpPr/>
+          <p:nvPr/>
+        </p:nvSpPr>
+        <p:spPr>
+          <a:xfrm>
+            <a:off x="3149055" y="3186911"/>
+            <a:ext cx="1103197" cy="722812"/>
+          </a:xfrm>
+          <a:prstGeom prst="rightArrow">
+            <a:avLst/>
+          </a:prstGeom>
+        </p:spPr>
+        <p:style>
+          <a:lnRef idx="2">
+            <a:schemeClr val="accent1">
+              <a:shade val="50000"/>
+            </a:schemeClr>
+          </a:lnRef>
+          <a:fillRef idx="1">
+            <a:schemeClr val="accent1"/>
+          </a:fillRef>
+          <a:effectRef idx="0">
+            <a:schemeClr val="accent1"/>
+          </a:effectRef>
+          <a:fontRef idx="minor">
+            <a:schemeClr val="lt1"/>
+          </a:fontRef>
+        </p:style>
+        <p:txBody>
+          <a:bodyPr rtlCol="0" anchor="ctr"/>
+          <a:lstStyle/>
+          <a:p>
+            <a:pPr algn="ctr"/>
+            <a:endParaRPr lang="zh-CN" altLang="en-US"/>
+          </a:p>
+        </p:txBody>
+      </p:sp>
+      <p:sp>
+        <p:nvSpPr>
+          <p:cNvPr id="55" name="椭圆 54">
+            <a:extLst>
+              <a:ext uri="{FF2B5EF4-FFF2-40B4-BE49-F238E27FC236}">
+                <a16:creationId xmlns:a16="http://schemas.microsoft.com/office/drawing/2014/main" id="{D18058A8-CA5F-4C68-AB5A-6D338D3B58AB}"/>
+              </a:ext>
+            </a:extLst>
+          </p:cNvPr>
+          <p:cNvSpPr/>
+          <p:nvPr/>
+        </p:nvSpPr>
+        <p:spPr>
+          <a:xfrm>
+            <a:off x="6612578" y="3097978"/>
+            <a:ext cx="722812" cy="722812"/>
+          </a:xfrm>
+          <a:prstGeom prst="ellipse">
+            <a:avLst/>
+          </a:prstGeom>
+          <a:solidFill>
+            <a:srgbClr val="FF0000"/>
+          </a:solidFill>
+        </p:spPr>
+        <p:style>
+          <a:lnRef idx="2">
+            <a:schemeClr val="accent1">
+              <a:shade val="50000"/>
+            </a:schemeClr>
+          </a:lnRef>
+          <a:fillRef idx="1">
+            <a:schemeClr val="accent1"/>
+          </a:fillRef>
+          <a:effectRef idx="0">
+            <a:schemeClr val="accent1"/>
+          </a:effectRef>
+          <a:fontRef idx="minor">
+            <a:schemeClr val="lt1"/>
+          </a:fontRef>
+        </p:style>
+        <p:txBody>
+          <a:bodyPr rtlCol="0" anchor="ctr"/>
+          <a:lstStyle/>
+          <a:p>
+            <a:pPr algn="ctr"/>
+            <a:r>
+              <a:rPr lang="en-US" altLang="zh-CN" dirty="0"/>
+              <a:t>A</a:t>
+            </a:r>
+            <a:endParaRPr lang="zh-CN" altLang="en-US" dirty="0"/>
+          </a:p>
+        </p:txBody>
+      </p:sp>
+      <p:sp>
+        <p:nvSpPr>
+          <p:cNvPr id="57" name="椭圆 56">
+            <a:extLst>
+              <a:ext uri="{FF2B5EF4-FFF2-40B4-BE49-F238E27FC236}">
+                <a16:creationId xmlns:a16="http://schemas.microsoft.com/office/drawing/2014/main" id="{997FD893-90AC-401E-BDAD-3DC214E56447}"/>
+              </a:ext>
+            </a:extLst>
+          </p:cNvPr>
+          <p:cNvSpPr/>
+          <p:nvPr/>
+        </p:nvSpPr>
+        <p:spPr>
+          <a:xfrm>
+            <a:off x="4773823" y="3054135"/>
+            <a:ext cx="722812" cy="722812"/>
+          </a:xfrm>
+          <a:prstGeom prst="ellipse">
+            <a:avLst/>
+          </a:prstGeom>
+          <a:solidFill>
+            <a:srgbClr val="FF0000"/>
+          </a:solidFill>
+        </p:spPr>
+        <p:style>
+          <a:lnRef idx="2">
+            <a:schemeClr val="accent1">
+              <a:shade val="50000"/>
+            </a:schemeClr>
+          </a:lnRef>
+          <a:fillRef idx="1">
+            <a:schemeClr val="accent1"/>
+          </a:fillRef>
+          <a:effectRef idx="0">
+            <a:schemeClr val="accent1"/>
+          </a:effectRef>
+          <a:fontRef idx="minor">
+            <a:schemeClr val="lt1"/>
+          </a:fontRef>
+        </p:style>
+        <p:txBody>
+          <a:bodyPr rtlCol="0" anchor="ctr"/>
+          <a:lstStyle/>
+          <a:p>
+            <a:pPr algn="ctr"/>
+            <a:r>
+              <a:rPr lang="en-US" altLang="zh-CN" dirty="0"/>
+              <a:t>F</a:t>
+            </a:r>
+            <a:endParaRPr lang="zh-CN" altLang="en-US" dirty="0"/>
+          </a:p>
+        </p:txBody>
+      </p:sp>
+      <p:sp>
+        <p:nvSpPr>
+          <p:cNvPr id="58" name="椭圆 57">
+            <a:extLst>
+              <a:ext uri="{FF2B5EF4-FFF2-40B4-BE49-F238E27FC236}">
+                <a16:creationId xmlns:a16="http://schemas.microsoft.com/office/drawing/2014/main" id="{0210FFD6-4EA5-4405-8BD2-FD236AB29C93}"/>
+              </a:ext>
+            </a:extLst>
+          </p:cNvPr>
+          <p:cNvSpPr/>
+          <p:nvPr/>
+        </p:nvSpPr>
+        <p:spPr>
+          <a:xfrm>
+            <a:off x="6101472" y="4284646"/>
+            <a:ext cx="722812" cy="722812"/>
+          </a:xfrm>
+          <a:prstGeom prst="ellipse">
+            <a:avLst/>
+          </a:prstGeom>
+        </p:spPr>
+        <p:style>
+          <a:lnRef idx="2">
+            <a:schemeClr val="accent1">
+              <a:shade val="50000"/>
+            </a:schemeClr>
+          </a:lnRef>
+          <a:fillRef idx="1">
+            <a:schemeClr val="accent1"/>
+          </a:fillRef>
+          <a:effectRef idx="0">
+            <a:schemeClr val="accent1"/>
+          </a:effectRef>
+          <a:fontRef idx="minor">
+            <a:schemeClr val="lt1"/>
+          </a:fontRef>
+        </p:style>
+        <p:txBody>
+          <a:bodyPr rtlCol="0" anchor="ctr"/>
+          <a:lstStyle/>
+          <a:p>
+            <a:pPr algn="ctr"/>
+            <a:r>
+              <a:rPr lang="en-US" altLang="zh-CN" dirty="0"/>
+              <a:t>G</a:t>
+            </a:r>
+            <a:endParaRPr lang="zh-CN" altLang="en-US" dirty="0"/>
+          </a:p>
+        </p:txBody>
+      </p:sp>
+      <p:sp>
+        <p:nvSpPr>
+          <p:cNvPr id="60" name="椭圆 59">
+            <a:extLst>
+              <a:ext uri="{FF2B5EF4-FFF2-40B4-BE49-F238E27FC236}">
+                <a16:creationId xmlns:a16="http://schemas.microsoft.com/office/drawing/2014/main" id="{C933FE94-986C-47B3-8B89-390C0A8EA3C5}"/>
+              </a:ext>
+            </a:extLst>
+          </p:cNvPr>
+          <p:cNvSpPr/>
+          <p:nvPr/>
+        </p:nvSpPr>
+        <p:spPr>
+          <a:xfrm>
+            <a:off x="5506711" y="2091986"/>
+            <a:ext cx="722812" cy="722812"/>
+          </a:xfrm>
+          <a:prstGeom prst="ellipse">
+            <a:avLst/>
+          </a:prstGeom>
+          <a:solidFill>
+            <a:srgbClr val="FF0000"/>
+          </a:solidFill>
+        </p:spPr>
+        <p:style>
+          <a:lnRef idx="2">
+            <a:schemeClr val="accent1">
+              <a:shade val="50000"/>
+            </a:schemeClr>
+          </a:lnRef>
+          <a:fillRef idx="1">
+            <a:schemeClr val="accent1"/>
+          </a:fillRef>
+          <a:effectRef idx="0">
+            <a:schemeClr val="accent1"/>
+          </a:effectRef>
+          <a:fontRef idx="minor">
+            <a:schemeClr val="lt1"/>
+          </a:fontRef>
+        </p:style>
+        <p:txBody>
+          <a:bodyPr rtlCol="0" anchor="ctr"/>
+          <a:lstStyle/>
+          <a:p>
+            <a:pPr algn="ctr"/>
+            <a:r>
+              <a:rPr lang="en-US" altLang="zh-CN" dirty="0"/>
+              <a:t>C</a:t>
+            </a:r>
+            <a:endParaRPr lang="zh-CN" altLang="en-US" dirty="0"/>
+          </a:p>
+        </p:txBody>
+      </p:sp>
+      <p:cxnSp>
+        <p:nvCxnSpPr>
+          <p:cNvPr id="61" name="直接连接符 60">
+            <a:extLst>
+              <a:ext uri="{FF2B5EF4-FFF2-40B4-BE49-F238E27FC236}">
+                <a16:creationId xmlns:a16="http://schemas.microsoft.com/office/drawing/2014/main" id="{5486DA25-A14B-4D2D-BD00-A6B3352F996E}"/>
+              </a:ext>
+            </a:extLst>
+          </p:cNvPr>
+          <p:cNvCxnSpPr>
+            <a:cxnSpLocks/>
+            <a:stCxn id="55" idx="1"/>
+            <a:endCxn id="60" idx="6"/>
+          </p:cNvCxnSpPr>
+          <p:nvPr/>
+        </p:nvCxnSpPr>
+        <p:spPr>
+          <a:xfrm flipH="1" flipV="1">
+            <a:off x="6229523" y="2453392"/>
+            <a:ext cx="488908" cy="750439"/>
+          </a:xfrm>
+          <a:prstGeom prst="line">
+            <a:avLst/>
+          </a:prstGeom>
+          <a:ln w="28575"/>
+        </p:spPr>
+        <p:style>
+          <a:lnRef idx="1">
+            <a:schemeClr val="accent1"/>
+          </a:lnRef>
+          <a:fillRef idx="0">
+            <a:schemeClr val="accent1"/>
+          </a:fillRef>
+          <a:effectRef idx="0">
+            <a:schemeClr val="accent1"/>
+          </a:effectRef>
+          <a:fontRef idx="minor">
+            <a:schemeClr val="tx1"/>
+          </a:fontRef>
+        </p:style>
+      </p:cxnSp>
+      <p:cxnSp>
+        <p:nvCxnSpPr>
+          <p:cNvPr id="62" name="直接连接符 61">
+            <a:extLst>
+              <a:ext uri="{FF2B5EF4-FFF2-40B4-BE49-F238E27FC236}">
+                <a16:creationId xmlns:a16="http://schemas.microsoft.com/office/drawing/2014/main" id="{B51F52D1-C404-4BBF-A672-3B484F550BFF}"/>
+              </a:ext>
+            </a:extLst>
+          </p:cNvPr>
+          <p:cNvCxnSpPr>
+            <a:cxnSpLocks/>
+            <a:stCxn id="60" idx="3"/>
+            <a:endCxn id="57" idx="0"/>
+          </p:cNvCxnSpPr>
+          <p:nvPr/>
+        </p:nvCxnSpPr>
+        <p:spPr>
+          <a:xfrm flipH="1">
+            <a:off x="5135229" y="2708945"/>
+            <a:ext cx="477335" cy="345190"/>
+          </a:xfrm>
+          <a:prstGeom prst="line">
+            <a:avLst/>
+          </a:prstGeom>
+          <a:ln w="28575"/>
+        </p:spPr>
+        <p:style>
+          <a:lnRef idx="1">
+            <a:schemeClr val="accent1"/>
+          </a:lnRef>
+          <a:fillRef idx="0">
+            <a:schemeClr val="accent1"/>
+          </a:fillRef>
+          <a:effectRef idx="0">
+            <a:schemeClr val="accent1"/>
+          </a:effectRef>
+          <a:fontRef idx="minor">
+            <a:schemeClr val="tx1"/>
+          </a:fontRef>
+        </p:style>
+      </p:cxnSp>
+      <p:cxnSp>
+        <p:nvCxnSpPr>
+          <p:cNvPr id="63" name="直接连接符 62">
+            <a:extLst>
+              <a:ext uri="{FF2B5EF4-FFF2-40B4-BE49-F238E27FC236}">
+                <a16:creationId xmlns:a16="http://schemas.microsoft.com/office/drawing/2014/main" id="{F3F95B8D-FBC3-409C-BBFA-28C4491B1FF1}"/>
+              </a:ext>
+            </a:extLst>
+          </p:cNvPr>
+          <p:cNvCxnSpPr>
+            <a:cxnSpLocks/>
+            <a:stCxn id="55" idx="3"/>
+            <a:endCxn id="58" idx="0"/>
+          </p:cNvCxnSpPr>
+          <p:nvPr/>
+        </p:nvCxnSpPr>
+        <p:spPr>
+          <a:xfrm flipH="1">
+            <a:off x="6462878" y="3714937"/>
+            <a:ext cx="255553" cy="569709"/>
+          </a:xfrm>
+          <a:prstGeom prst="line">
+            <a:avLst/>
+          </a:prstGeom>
+          <a:ln w="28575"/>
+        </p:spPr>
+        <p:style>
+          <a:lnRef idx="1">
+            <a:schemeClr val="accent1"/>
+          </a:lnRef>
+          <a:fillRef idx="0">
+            <a:schemeClr val="accent1"/>
+          </a:fillRef>
+          <a:effectRef idx="0">
+            <a:schemeClr val="accent1"/>
+          </a:effectRef>
+          <a:fontRef idx="minor">
+            <a:schemeClr val="tx1"/>
+          </a:fontRef>
+        </p:style>
+      </p:cxnSp>
+      <p:sp>
+        <p:nvSpPr>
+          <p:cNvPr id="64" name="椭圆 63">
+            <a:extLst>
+              <a:ext uri="{FF2B5EF4-FFF2-40B4-BE49-F238E27FC236}">
+                <a16:creationId xmlns:a16="http://schemas.microsoft.com/office/drawing/2014/main" id="{5035E50A-4583-4330-80B3-675AEBF35BA2}"/>
+              </a:ext>
+            </a:extLst>
+          </p:cNvPr>
+          <p:cNvSpPr/>
+          <p:nvPr/>
+        </p:nvSpPr>
+        <p:spPr>
+          <a:xfrm>
+            <a:off x="6824284" y="5379627"/>
+            <a:ext cx="722812" cy="722812"/>
+          </a:xfrm>
+          <a:prstGeom prst="ellipse">
+            <a:avLst/>
+          </a:prstGeom>
+        </p:spPr>
+        <p:style>
+          <a:lnRef idx="2">
+            <a:schemeClr val="accent1">
+              <a:shade val="50000"/>
+            </a:schemeClr>
+          </a:lnRef>
+          <a:fillRef idx="1">
+            <a:schemeClr val="accent1"/>
+          </a:fillRef>
+          <a:effectRef idx="0">
+            <a:schemeClr val="accent1"/>
+          </a:effectRef>
+          <a:fontRef idx="minor">
+            <a:schemeClr val="lt1"/>
+          </a:fontRef>
+        </p:style>
+        <p:txBody>
+          <a:bodyPr rtlCol="0" anchor="ctr"/>
+          <a:lstStyle/>
+          <a:p>
+            <a:pPr algn="ctr"/>
+            <a:r>
+              <a:rPr lang="en-US" altLang="zh-CN" dirty="0"/>
+              <a:t>H</a:t>
+            </a:r>
+            <a:endParaRPr lang="zh-CN" altLang="en-US" dirty="0"/>
+          </a:p>
+        </p:txBody>
+      </p:sp>
+      <p:cxnSp>
+        <p:nvCxnSpPr>
+          <p:cNvPr id="65" name="直接连接符 64">
+            <a:extLst>
+              <a:ext uri="{FF2B5EF4-FFF2-40B4-BE49-F238E27FC236}">
+                <a16:creationId xmlns:a16="http://schemas.microsoft.com/office/drawing/2014/main" id="{3686AAC1-7ED6-4A87-AEE3-11250A6DF626}"/>
+              </a:ext>
+            </a:extLst>
+          </p:cNvPr>
+          <p:cNvCxnSpPr>
+            <a:cxnSpLocks/>
+            <a:stCxn id="58" idx="5"/>
+            <a:endCxn id="64" idx="0"/>
+          </p:cNvCxnSpPr>
+          <p:nvPr/>
+        </p:nvCxnSpPr>
+        <p:spPr>
+          <a:xfrm>
+            <a:off x="6718431" y="4901605"/>
+            <a:ext cx="467259" cy="478022"/>
+          </a:xfrm>
+          <a:prstGeom prst="line">
+            <a:avLst/>
+          </a:prstGeom>
+          <a:ln w="28575"/>
+        </p:spPr>
+        <p:style>
+          <a:lnRef idx="1">
+            <a:schemeClr val="accent1"/>
+          </a:lnRef>
+          <a:fillRef idx="0">
+            <a:schemeClr val="accent1"/>
+          </a:fillRef>
+          <a:effectRef idx="0">
+            <a:schemeClr val="accent1"/>
+          </a:effectRef>
+          <a:fontRef idx="minor">
+            <a:schemeClr val="tx1"/>
+          </a:fontRef>
+        </p:style>
+      </p:cxnSp>
+      <p:sp>
+        <p:nvSpPr>
+          <p:cNvPr id="66" name="椭圆 65">
+            <a:extLst>
+              <a:ext uri="{FF2B5EF4-FFF2-40B4-BE49-F238E27FC236}">
+                <a16:creationId xmlns:a16="http://schemas.microsoft.com/office/drawing/2014/main" id="{942BAA23-0995-4835-9FDB-0EEA58A77E96}"/>
+              </a:ext>
+            </a:extLst>
+          </p:cNvPr>
+          <p:cNvSpPr/>
+          <p:nvPr/>
+        </p:nvSpPr>
+        <p:spPr>
+          <a:xfrm>
+            <a:off x="4249322" y="4192959"/>
+            <a:ext cx="722812" cy="722812"/>
+          </a:xfrm>
+          <a:prstGeom prst="ellipse">
+            <a:avLst/>
+          </a:prstGeom>
+        </p:spPr>
+        <p:style>
+          <a:lnRef idx="2">
+            <a:schemeClr val="accent1">
+              <a:shade val="50000"/>
+            </a:schemeClr>
+          </a:lnRef>
+          <a:fillRef idx="1">
+            <a:schemeClr val="accent1"/>
+          </a:fillRef>
+          <a:effectRef idx="0">
+            <a:schemeClr val="accent1"/>
+          </a:effectRef>
+          <a:fontRef idx="minor">
+            <a:schemeClr val="lt1"/>
+          </a:fontRef>
+        </p:style>
+        <p:txBody>
+          <a:bodyPr rtlCol="0" anchor="ctr"/>
+          <a:lstStyle/>
+          <a:p>
+            <a:pPr algn="ctr"/>
+            <a:r>
+              <a:rPr lang="en-US" altLang="zh-CN" dirty="0"/>
+              <a:t>I</a:t>
+            </a:r>
+            <a:endParaRPr lang="zh-CN" altLang="en-US" dirty="0"/>
+          </a:p>
+        </p:txBody>
+      </p:sp>
+      <p:cxnSp>
+        <p:nvCxnSpPr>
+          <p:cNvPr id="67" name="直接连接符 66">
+            <a:extLst>
+              <a:ext uri="{FF2B5EF4-FFF2-40B4-BE49-F238E27FC236}">
+                <a16:creationId xmlns:a16="http://schemas.microsoft.com/office/drawing/2014/main" id="{6162D8B3-0DBC-4597-A9FF-435DD880F479}"/>
+              </a:ext>
+            </a:extLst>
+          </p:cNvPr>
+          <p:cNvCxnSpPr>
+            <a:cxnSpLocks/>
+            <a:stCxn id="57" idx="3"/>
+            <a:endCxn id="66" idx="0"/>
+          </p:cNvCxnSpPr>
+          <p:nvPr/>
+        </p:nvCxnSpPr>
+        <p:spPr>
+          <a:xfrm flipH="1">
+            <a:off x="4610728" y="3671094"/>
+            <a:ext cx="268948" cy="521865"/>
+          </a:xfrm>
+          <a:prstGeom prst="line">
+            <a:avLst/>
+          </a:prstGeom>
+          <a:ln w="28575"/>
+        </p:spPr>
+        <p:style>
+          <a:lnRef idx="1">
+            <a:schemeClr val="accent1"/>
+          </a:lnRef>
+          <a:fillRef idx="0">
+            <a:schemeClr val="accent1"/>
+          </a:fillRef>
+          <a:effectRef idx="0">
+            <a:schemeClr val="accent1"/>
+          </a:effectRef>
+          <a:fontRef idx="minor">
+            <a:schemeClr val="tx1"/>
+          </a:fontRef>
+        </p:style>
+      </p:cxnSp>
+      <p:sp>
+        <p:nvSpPr>
+          <p:cNvPr id="17" name="文本框 16">
+            <a:extLst>
+              <a:ext uri="{FF2B5EF4-FFF2-40B4-BE49-F238E27FC236}">
+                <a16:creationId xmlns:a16="http://schemas.microsoft.com/office/drawing/2014/main" id="{4A0012EF-B068-4B6A-8925-77746A32FF7D}"/>
+              </a:ext>
+            </a:extLst>
+          </p:cNvPr>
+          <p:cNvSpPr txBox="1"/>
+          <p:nvPr/>
+        </p:nvSpPr>
+        <p:spPr>
+          <a:xfrm>
+            <a:off x="3175218" y="2806872"/>
+            <a:ext cx="891880" cy="369332"/>
+          </a:xfrm>
+          <a:prstGeom prst="rect">
+            <a:avLst/>
+          </a:prstGeom>
+          <a:noFill/>
+        </p:spPr>
+        <p:txBody>
+          <a:bodyPr wrap="square" rtlCol="0">
+            <a:spAutoFit/>
+          </a:bodyPr>
+          <a:lstStyle/>
+          <a:p>
+            <a:r>
+              <a:rPr lang="zh-CN" altLang="en-US" dirty="0"/>
+              <a:t>右旋</a:t>
+            </a:r>
+          </a:p>
+        </p:txBody>
+      </p:sp>
+      <p:sp>
+        <p:nvSpPr>
+          <p:cNvPr id="140" name="椭圆 139">
+            <a:extLst>
+              <a:ext uri="{FF2B5EF4-FFF2-40B4-BE49-F238E27FC236}">
+                <a16:creationId xmlns:a16="http://schemas.microsoft.com/office/drawing/2014/main" id="{FFC6FA66-F5C4-4E1A-9E0E-E6C9475E5CE7}"/>
+              </a:ext>
+            </a:extLst>
+          </p:cNvPr>
+          <p:cNvSpPr/>
+          <p:nvPr/>
+        </p:nvSpPr>
+        <p:spPr>
+          <a:xfrm>
+            <a:off x="10173053" y="1456979"/>
+            <a:ext cx="722812" cy="722812"/>
+          </a:xfrm>
+          <a:prstGeom prst="ellipse">
+            <a:avLst/>
+          </a:prstGeom>
+          <a:solidFill>
+            <a:srgbClr val="FF0000"/>
+          </a:solidFill>
+        </p:spPr>
+        <p:style>
+          <a:lnRef idx="2">
+            <a:schemeClr val="accent1">
+              <a:shade val="50000"/>
+            </a:schemeClr>
+          </a:lnRef>
+          <a:fillRef idx="1">
+            <a:schemeClr val="accent1"/>
+          </a:fillRef>
+          <a:effectRef idx="0">
+            <a:schemeClr val="accent1"/>
+          </a:effectRef>
+          <a:fontRef idx="minor">
+            <a:schemeClr val="lt1"/>
+          </a:fontRef>
+        </p:style>
+        <p:txBody>
+          <a:bodyPr rtlCol="0" anchor="ctr"/>
+          <a:lstStyle/>
+          <a:p>
+            <a:pPr algn="ctr"/>
+            <a:r>
+              <a:rPr lang="en-US" altLang="zh-CN" dirty="0"/>
+              <a:t>A</a:t>
+            </a:r>
+            <a:endParaRPr lang="zh-CN" altLang="en-US" dirty="0"/>
+          </a:p>
+        </p:txBody>
+      </p:sp>
+      <p:sp>
+        <p:nvSpPr>
+          <p:cNvPr id="141" name="椭圆 140">
+            <a:extLst>
+              <a:ext uri="{FF2B5EF4-FFF2-40B4-BE49-F238E27FC236}">
+                <a16:creationId xmlns:a16="http://schemas.microsoft.com/office/drawing/2014/main" id="{24971992-A609-41F5-8A49-48ED64DFE74A}"/>
+              </a:ext>
+            </a:extLst>
+          </p:cNvPr>
+          <p:cNvSpPr/>
+          <p:nvPr/>
+        </p:nvSpPr>
+        <p:spPr>
+          <a:xfrm>
+            <a:off x="8677376" y="3210550"/>
+            <a:ext cx="722812" cy="722812"/>
+          </a:xfrm>
+          <a:prstGeom prst="ellipse">
+            <a:avLst/>
+          </a:prstGeom>
+        </p:spPr>
+        <p:style>
+          <a:lnRef idx="2">
+            <a:schemeClr val="accent1">
+              <a:shade val="50000"/>
+            </a:schemeClr>
+          </a:lnRef>
+          <a:fillRef idx="1">
+            <a:schemeClr val="accent1"/>
+          </a:fillRef>
+          <a:effectRef idx="0">
+            <a:schemeClr val="accent1"/>
+          </a:effectRef>
+          <a:fontRef idx="minor">
+            <a:schemeClr val="lt1"/>
+          </a:fontRef>
+        </p:style>
+        <p:txBody>
+          <a:bodyPr rtlCol="0" anchor="ctr"/>
+          <a:lstStyle/>
+          <a:p>
+            <a:pPr algn="ctr"/>
+            <a:r>
+              <a:rPr lang="en-US" altLang="zh-CN" dirty="0"/>
+              <a:t>G</a:t>
+            </a:r>
+            <a:endParaRPr lang="zh-CN" altLang="en-US" dirty="0"/>
+          </a:p>
+        </p:txBody>
+      </p:sp>
+      <p:cxnSp>
+        <p:nvCxnSpPr>
+          <p:cNvPr id="142" name="直接连接符 141">
+            <a:extLst>
+              <a:ext uri="{FF2B5EF4-FFF2-40B4-BE49-F238E27FC236}">
+                <a16:creationId xmlns:a16="http://schemas.microsoft.com/office/drawing/2014/main" id="{54679271-43F5-46DC-A8C7-61CDDE8DEB74}"/>
+              </a:ext>
+            </a:extLst>
+          </p:cNvPr>
+          <p:cNvCxnSpPr>
+            <a:cxnSpLocks/>
+            <a:stCxn id="140" idx="3"/>
+            <a:endCxn id="143" idx="0"/>
+          </p:cNvCxnSpPr>
+          <p:nvPr/>
+        </p:nvCxnSpPr>
+        <p:spPr>
+          <a:xfrm flipH="1">
+            <a:off x="9591136" y="2073938"/>
+            <a:ext cx="687770" cy="188291"/>
+          </a:xfrm>
+          <a:prstGeom prst="line">
+            <a:avLst/>
+          </a:prstGeom>
+          <a:ln w="28575"/>
+        </p:spPr>
+        <p:style>
+          <a:lnRef idx="1">
+            <a:schemeClr val="accent1"/>
+          </a:lnRef>
+          <a:fillRef idx="0">
+            <a:schemeClr val="accent1"/>
+          </a:fillRef>
+          <a:effectRef idx="0">
+            <a:schemeClr val="accent1"/>
+          </a:effectRef>
+          <a:fontRef idx="minor">
+            <a:schemeClr val="tx1"/>
+          </a:fontRef>
+        </p:style>
+      </p:cxnSp>
+      <p:sp>
+        <p:nvSpPr>
+          <p:cNvPr id="143" name="椭圆 142">
+            <a:extLst>
+              <a:ext uri="{FF2B5EF4-FFF2-40B4-BE49-F238E27FC236}">
+                <a16:creationId xmlns:a16="http://schemas.microsoft.com/office/drawing/2014/main" id="{E0131218-F653-410B-9935-F90606FC103F}"/>
+              </a:ext>
+            </a:extLst>
+          </p:cNvPr>
+          <p:cNvSpPr/>
+          <p:nvPr/>
+        </p:nvSpPr>
+        <p:spPr>
+          <a:xfrm>
+            <a:off x="9229730" y="2262229"/>
+            <a:ext cx="722812" cy="722812"/>
+          </a:xfrm>
+          <a:prstGeom prst="ellipse">
+            <a:avLst/>
+          </a:prstGeom>
+        </p:spPr>
+        <p:style>
+          <a:lnRef idx="2">
+            <a:schemeClr val="accent1">
+              <a:shade val="50000"/>
+            </a:schemeClr>
+          </a:lnRef>
+          <a:fillRef idx="1">
+            <a:schemeClr val="accent1"/>
+          </a:fillRef>
+          <a:effectRef idx="0">
+            <a:schemeClr val="accent1"/>
+          </a:effectRef>
+          <a:fontRef idx="minor">
+            <a:schemeClr val="lt1"/>
+          </a:fontRef>
+        </p:style>
+        <p:txBody>
+          <a:bodyPr rtlCol="0" anchor="ctr"/>
+          <a:lstStyle/>
+          <a:p>
+            <a:pPr algn="ctr"/>
+            <a:r>
+              <a:rPr lang="en-US" altLang="zh-CN" dirty="0"/>
+              <a:t>H</a:t>
+            </a:r>
+            <a:endParaRPr lang="zh-CN" altLang="en-US" dirty="0"/>
+          </a:p>
+        </p:txBody>
+      </p:sp>
+      <p:cxnSp>
+        <p:nvCxnSpPr>
+          <p:cNvPr id="144" name="直接连接符 143">
+            <a:extLst>
+              <a:ext uri="{FF2B5EF4-FFF2-40B4-BE49-F238E27FC236}">
+                <a16:creationId xmlns:a16="http://schemas.microsoft.com/office/drawing/2014/main" id="{FA1DA1E4-7323-4E4D-A843-F5354ABAF0D6}"/>
+              </a:ext>
+            </a:extLst>
+          </p:cNvPr>
+          <p:cNvCxnSpPr>
+            <a:cxnSpLocks/>
+            <a:stCxn id="141" idx="0"/>
+            <a:endCxn id="143" idx="3"/>
+          </p:cNvCxnSpPr>
+          <p:nvPr/>
+        </p:nvCxnSpPr>
+        <p:spPr>
+          <a:xfrm flipV="1">
+            <a:off x="9038782" y="2879188"/>
+            <a:ext cx="296801" cy="331362"/>
+          </a:xfrm>
+          <a:prstGeom prst="line">
+            <a:avLst/>
+          </a:prstGeom>
+          <a:ln w="28575"/>
+        </p:spPr>
+        <p:style>
+          <a:lnRef idx="1">
+            <a:schemeClr val="accent1"/>
+          </a:lnRef>
+          <a:fillRef idx="0">
+            <a:schemeClr val="accent1"/>
+          </a:fillRef>
+          <a:effectRef idx="0">
+            <a:schemeClr val="accent1"/>
+          </a:effectRef>
+          <a:fontRef idx="minor">
+            <a:schemeClr val="tx1"/>
+          </a:fontRef>
+        </p:style>
+      </p:cxnSp>
+      <p:sp>
+        <p:nvSpPr>
+          <p:cNvPr id="148" name="箭头: 右 147">
+            <a:extLst>
+              <a:ext uri="{FF2B5EF4-FFF2-40B4-BE49-F238E27FC236}">
+                <a16:creationId xmlns:a16="http://schemas.microsoft.com/office/drawing/2014/main" id="{6CA46E63-A797-40FC-A08A-CB41DAD1484D}"/>
+              </a:ext>
+            </a:extLst>
+          </p:cNvPr>
+          <p:cNvSpPr/>
+          <p:nvPr/>
+        </p:nvSpPr>
+        <p:spPr>
+          <a:xfrm rot="19606080">
+            <a:off x="7544526" y="2921775"/>
+            <a:ext cx="1103197" cy="722812"/>
+          </a:xfrm>
+          <a:prstGeom prst="rightArrow">
+            <a:avLst/>
+          </a:prstGeom>
+        </p:spPr>
+        <p:style>
+          <a:lnRef idx="2">
+            <a:schemeClr val="accent1">
+              <a:shade val="50000"/>
+            </a:schemeClr>
+          </a:lnRef>
+          <a:fillRef idx="1">
+            <a:schemeClr val="accent1"/>
+          </a:fillRef>
+          <a:effectRef idx="0">
+            <a:schemeClr val="accent1"/>
+          </a:effectRef>
+          <a:fontRef idx="minor">
+            <a:schemeClr val="lt1"/>
+          </a:fontRef>
+        </p:style>
+        <p:txBody>
+          <a:bodyPr rtlCol="0" anchor="ctr"/>
+          <a:lstStyle/>
+          <a:p>
+            <a:pPr algn="ctr"/>
+            <a:endParaRPr lang="zh-CN" altLang="en-US"/>
+          </a:p>
+        </p:txBody>
+      </p:sp>
+      <p:sp>
+        <p:nvSpPr>
+          <p:cNvPr id="149" name="箭头: 右 148">
+            <a:extLst>
+              <a:ext uri="{FF2B5EF4-FFF2-40B4-BE49-F238E27FC236}">
+                <a16:creationId xmlns:a16="http://schemas.microsoft.com/office/drawing/2014/main" id="{7DC04886-9780-4883-98D0-19B0CAEDAD49}"/>
+              </a:ext>
+            </a:extLst>
+          </p:cNvPr>
+          <p:cNvSpPr/>
+          <p:nvPr/>
+        </p:nvSpPr>
+        <p:spPr>
+          <a:xfrm rot="5400000">
+            <a:off x="9727886" y="3394024"/>
+            <a:ext cx="1103197" cy="722812"/>
+          </a:xfrm>
+          <a:prstGeom prst="rightArrow">
+            <a:avLst/>
+          </a:prstGeom>
+        </p:spPr>
+        <p:style>
+          <a:lnRef idx="2">
+            <a:schemeClr val="accent1">
+              <a:shade val="50000"/>
+            </a:schemeClr>
+          </a:lnRef>
+          <a:fillRef idx="1">
+            <a:schemeClr val="accent1"/>
+          </a:fillRef>
+          <a:effectRef idx="0">
+            <a:schemeClr val="accent1"/>
+          </a:effectRef>
+          <a:fontRef idx="minor">
+            <a:schemeClr val="lt1"/>
+          </a:fontRef>
+        </p:style>
+        <p:txBody>
+          <a:bodyPr rtlCol="0" anchor="ctr"/>
+          <a:lstStyle/>
+          <a:p>
+            <a:pPr algn="ctr"/>
+            <a:endParaRPr lang="zh-CN" altLang="en-US"/>
+          </a:p>
+        </p:txBody>
+      </p:sp>
+      <p:sp>
+        <p:nvSpPr>
+          <p:cNvPr id="150" name="椭圆 149">
+            <a:extLst>
+              <a:ext uri="{FF2B5EF4-FFF2-40B4-BE49-F238E27FC236}">
+                <a16:creationId xmlns:a16="http://schemas.microsoft.com/office/drawing/2014/main" id="{079E2C2A-51A9-4A0E-A39C-C4F5CA501BCC}"/>
+              </a:ext>
+            </a:extLst>
+          </p:cNvPr>
+          <p:cNvSpPr/>
+          <p:nvPr/>
+        </p:nvSpPr>
+        <p:spPr>
+          <a:xfrm>
+            <a:off x="10564033" y="5986536"/>
+            <a:ext cx="722812" cy="722812"/>
+          </a:xfrm>
+          <a:prstGeom prst="ellipse">
+            <a:avLst/>
+          </a:prstGeom>
+          <a:solidFill>
+            <a:srgbClr val="FF0000"/>
+          </a:solidFill>
+        </p:spPr>
+        <p:style>
+          <a:lnRef idx="2">
+            <a:schemeClr val="accent1">
+              <a:shade val="50000"/>
+            </a:schemeClr>
+          </a:lnRef>
+          <a:fillRef idx="1">
+            <a:schemeClr val="accent1"/>
+          </a:fillRef>
+          <a:effectRef idx="0">
+            <a:schemeClr val="accent1"/>
+          </a:effectRef>
+          <a:fontRef idx="minor">
+            <a:schemeClr val="lt1"/>
+          </a:fontRef>
+        </p:style>
+        <p:txBody>
+          <a:bodyPr rtlCol="0" anchor="ctr"/>
+          <a:lstStyle/>
+          <a:p>
+            <a:pPr algn="ctr"/>
+            <a:r>
+              <a:rPr lang="en-US" altLang="zh-CN" dirty="0"/>
+              <a:t>A</a:t>
+            </a:r>
+            <a:endParaRPr lang="zh-CN" altLang="en-US" dirty="0"/>
+          </a:p>
+        </p:txBody>
+      </p:sp>
+      <p:sp>
+        <p:nvSpPr>
+          <p:cNvPr id="151" name="椭圆 150">
+            <a:extLst>
+              <a:ext uri="{FF2B5EF4-FFF2-40B4-BE49-F238E27FC236}">
+                <a16:creationId xmlns:a16="http://schemas.microsoft.com/office/drawing/2014/main" id="{B04AEF80-D71A-4460-9E8D-8C415B533CAE}"/>
+              </a:ext>
+            </a:extLst>
+          </p:cNvPr>
+          <p:cNvSpPr/>
+          <p:nvPr/>
+        </p:nvSpPr>
+        <p:spPr>
+          <a:xfrm>
+            <a:off x="8841047" y="6017118"/>
+            <a:ext cx="722812" cy="722812"/>
+          </a:xfrm>
+          <a:prstGeom prst="ellipse">
+            <a:avLst/>
+          </a:prstGeom>
+        </p:spPr>
+        <p:style>
+          <a:lnRef idx="2">
+            <a:schemeClr val="accent1">
+              <a:shade val="50000"/>
+            </a:schemeClr>
+          </a:lnRef>
+          <a:fillRef idx="1">
+            <a:schemeClr val="accent1"/>
+          </a:fillRef>
+          <a:effectRef idx="0">
+            <a:schemeClr val="accent1"/>
+          </a:effectRef>
+          <a:fontRef idx="minor">
+            <a:schemeClr val="lt1"/>
+          </a:fontRef>
+        </p:style>
+        <p:txBody>
+          <a:bodyPr rtlCol="0" anchor="ctr"/>
+          <a:lstStyle/>
+          <a:p>
+            <a:pPr algn="ctr"/>
+            <a:r>
+              <a:rPr lang="en-US" altLang="zh-CN" dirty="0"/>
+              <a:t>G</a:t>
+            </a:r>
+            <a:endParaRPr lang="zh-CN" altLang="en-US" dirty="0"/>
+          </a:p>
+        </p:txBody>
+      </p:sp>
+      <p:cxnSp>
+        <p:nvCxnSpPr>
+          <p:cNvPr id="152" name="直接连接符 151">
+            <a:extLst>
+              <a:ext uri="{FF2B5EF4-FFF2-40B4-BE49-F238E27FC236}">
+                <a16:creationId xmlns:a16="http://schemas.microsoft.com/office/drawing/2014/main" id="{1BD3BCD4-1DB1-489D-91BB-F26C38C89D3C}"/>
+              </a:ext>
+            </a:extLst>
+          </p:cNvPr>
+          <p:cNvCxnSpPr>
+            <a:cxnSpLocks/>
+            <a:stCxn id="150" idx="1"/>
+            <a:endCxn id="153" idx="5"/>
+          </p:cNvCxnSpPr>
+          <p:nvPr/>
+        </p:nvCxnSpPr>
+        <p:spPr>
+          <a:xfrm flipH="1" flipV="1">
+            <a:off x="9952542" y="5331069"/>
+            <a:ext cx="717344" cy="761320"/>
+          </a:xfrm>
+          <a:prstGeom prst="line">
+            <a:avLst/>
+          </a:prstGeom>
+          <a:ln w="28575"/>
+        </p:spPr>
+        <p:style>
+          <a:lnRef idx="1">
+            <a:schemeClr val="accent1"/>
+          </a:lnRef>
+          <a:fillRef idx="0">
+            <a:schemeClr val="accent1"/>
+          </a:fillRef>
+          <a:effectRef idx="0">
+            <a:schemeClr val="accent1"/>
+          </a:effectRef>
+          <a:fontRef idx="minor">
+            <a:schemeClr val="tx1"/>
+          </a:fontRef>
+        </p:style>
+      </p:cxnSp>
+      <p:sp>
+        <p:nvSpPr>
+          <p:cNvPr id="153" name="椭圆 152">
+            <a:extLst>
+              <a:ext uri="{FF2B5EF4-FFF2-40B4-BE49-F238E27FC236}">
+                <a16:creationId xmlns:a16="http://schemas.microsoft.com/office/drawing/2014/main" id="{148738D6-646C-4148-B3C2-8C77F0A45F43}"/>
+              </a:ext>
+            </a:extLst>
+          </p:cNvPr>
+          <p:cNvSpPr/>
+          <p:nvPr/>
+        </p:nvSpPr>
+        <p:spPr>
+          <a:xfrm>
+            <a:off x="9335583" y="4714110"/>
+            <a:ext cx="722812" cy="722812"/>
+          </a:xfrm>
+          <a:prstGeom prst="ellipse">
+            <a:avLst/>
+          </a:prstGeom>
+        </p:spPr>
+        <p:style>
+          <a:lnRef idx="2">
+            <a:schemeClr val="accent1">
+              <a:shade val="50000"/>
+            </a:schemeClr>
+          </a:lnRef>
+          <a:fillRef idx="1">
+            <a:schemeClr val="accent1"/>
+          </a:fillRef>
+          <a:effectRef idx="0">
+            <a:schemeClr val="accent1"/>
+          </a:effectRef>
+          <a:fontRef idx="minor">
+            <a:schemeClr val="lt1"/>
+          </a:fontRef>
+        </p:style>
+        <p:txBody>
+          <a:bodyPr rtlCol="0" anchor="ctr"/>
+          <a:lstStyle/>
+          <a:p>
+            <a:pPr algn="ctr"/>
+            <a:r>
+              <a:rPr lang="en-US" altLang="zh-CN" dirty="0"/>
+              <a:t>H</a:t>
+            </a:r>
+            <a:endParaRPr lang="zh-CN" altLang="en-US" dirty="0"/>
+          </a:p>
+        </p:txBody>
+      </p:sp>
+      <p:cxnSp>
+        <p:nvCxnSpPr>
+          <p:cNvPr id="154" name="直接连接符 153">
+            <a:extLst>
+              <a:ext uri="{FF2B5EF4-FFF2-40B4-BE49-F238E27FC236}">
+                <a16:creationId xmlns:a16="http://schemas.microsoft.com/office/drawing/2014/main" id="{E207EA4D-139B-4E4C-81F2-8B1653A7C481}"/>
+              </a:ext>
+            </a:extLst>
+          </p:cNvPr>
+          <p:cNvCxnSpPr>
+            <a:cxnSpLocks/>
+            <a:stCxn id="151" idx="0"/>
+            <a:endCxn id="153" idx="3"/>
+          </p:cNvCxnSpPr>
+          <p:nvPr/>
+        </p:nvCxnSpPr>
+        <p:spPr>
+          <a:xfrm flipV="1">
+            <a:off x="9202453" y="5331069"/>
+            <a:ext cx="238983" cy="686049"/>
+          </a:xfrm>
+          <a:prstGeom prst="line">
+            <a:avLst/>
+          </a:prstGeom>
+          <a:ln w="28575"/>
+        </p:spPr>
+        <p:style>
+          <a:lnRef idx="1">
+            <a:schemeClr val="accent1"/>
+          </a:lnRef>
+          <a:fillRef idx="0">
+            <a:schemeClr val="accent1"/>
+          </a:fillRef>
+          <a:effectRef idx="0">
+            <a:schemeClr val="accent1"/>
+          </a:effectRef>
+          <a:fontRef idx="minor">
+            <a:schemeClr val="tx1"/>
+          </a:fontRef>
+        </p:style>
+      </p:cxnSp>
+      <p:cxnSp>
+        <p:nvCxnSpPr>
+          <p:cNvPr id="163" name="直接连接符 162">
+            <a:extLst>
+              <a:ext uri="{FF2B5EF4-FFF2-40B4-BE49-F238E27FC236}">
+                <a16:creationId xmlns:a16="http://schemas.microsoft.com/office/drawing/2014/main" id="{05F1F86F-DE99-4968-BD27-D0B0FFC6091C}"/>
+              </a:ext>
+            </a:extLst>
+          </p:cNvPr>
+          <p:cNvCxnSpPr>
+            <a:cxnSpLocks/>
+            <a:stCxn id="153" idx="1"/>
+          </p:cNvCxnSpPr>
+          <p:nvPr/>
+        </p:nvCxnSpPr>
+        <p:spPr>
+          <a:xfrm flipH="1" flipV="1">
+            <a:off x="8755576" y="4340443"/>
+            <a:ext cx="685860" cy="479520"/>
+          </a:xfrm>
+          <a:prstGeom prst="line">
+            <a:avLst/>
+          </a:prstGeom>
+          <a:ln w="28575"/>
+        </p:spPr>
+        <p:style>
+          <a:lnRef idx="1">
+            <a:schemeClr val="accent1"/>
+          </a:lnRef>
+          <a:fillRef idx="0">
+            <a:schemeClr val="accent1"/>
+          </a:fillRef>
+          <a:effectRef idx="0">
+            <a:schemeClr val="accent1"/>
+          </a:effectRef>
+          <a:fontRef idx="minor">
+            <a:schemeClr val="tx1"/>
+          </a:fontRef>
+        </p:style>
+      </p:cxnSp>
+      <p:cxnSp>
+        <p:nvCxnSpPr>
+          <p:cNvPr id="166" name="直接连接符 165">
+            <a:extLst>
+              <a:ext uri="{FF2B5EF4-FFF2-40B4-BE49-F238E27FC236}">
+                <a16:creationId xmlns:a16="http://schemas.microsoft.com/office/drawing/2014/main" id="{6D0396D3-1D5F-4C78-87A4-6FB1EF882CF0}"/>
+              </a:ext>
+            </a:extLst>
+          </p:cNvPr>
+          <p:cNvCxnSpPr>
+            <a:cxnSpLocks/>
+            <a:stCxn id="140" idx="1"/>
+          </p:cNvCxnSpPr>
+          <p:nvPr/>
+        </p:nvCxnSpPr>
+        <p:spPr>
+          <a:xfrm flipH="1" flipV="1">
+            <a:off x="9696989" y="1269677"/>
+            <a:ext cx="581917" cy="293155"/>
+          </a:xfrm>
+          <a:prstGeom prst="line">
+            <a:avLst/>
+          </a:prstGeom>
+          <a:ln w="28575"/>
+        </p:spPr>
+        <p:style>
+          <a:lnRef idx="1">
+            <a:schemeClr val="accent1"/>
+          </a:lnRef>
+          <a:fillRef idx="0">
+            <a:schemeClr val="accent1"/>
+          </a:fillRef>
+          <a:effectRef idx="0">
+            <a:schemeClr val="accent1"/>
+          </a:effectRef>
+          <a:fontRef idx="minor">
+            <a:schemeClr val="tx1"/>
+          </a:fontRef>
+        </p:style>
+      </p:cxnSp>
+      <p:sp>
+        <p:nvSpPr>
+          <p:cNvPr id="75" name="文本框 74">
+            <a:extLst>
+              <a:ext uri="{FF2B5EF4-FFF2-40B4-BE49-F238E27FC236}">
+                <a16:creationId xmlns:a16="http://schemas.microsoft.com/office/drawing/2014/main" id="{54615C48-5B59-44CA-9B4F-A872E8E072C6}"/>
+              </a:ext>
+            </a:extLst>
+          </p:cNvPr>
+          <p:cNvSpPr txBox="1"/>
+          <p:nvPr/>
+        </p:nvSpPr>
+        <p:spPr>
+          <a:xfrm>
+            <a:off x="7436673" y="2151672"/>
+            <a:ext cx="921094" cy="923330"/>
+          </a:xfrm>
+          <a:prstGeom prst="rect">
+            <a:avLst/>
+          </a:prstGeom>
+          <a:noFill/>
+        </p:spPr>
+        <p:txBody>
+          <a:bodyPr wrap="square" rtlCol="0">
+            <a:spAutoFit/>
+          </a:bodyPr>
+          <a:lstStyle/>
+          <a:p>
+            <a:r>
+              <a:rPr lang="zh-CN" altLang="en-US" dirty="0"/>
+              <a:t>先进行局部左单旋</a:t>
+            </a:r>
+          </a:p>
+        </p:txBody>
+      </p:sp>
+      <p:sp>
+        <p:nvSpPr>
+          <p:cNvPr id="174" name="文本框 173">
+            <a:extLst>
+              <a:ext uri="{FF2B5EF4-FFF2-40B4-BE49-F238E27FC236}">
+                <a16:creationId xmlns:a16="http://schemas.microsoft.com/office/drawing/2014/main" id="{121A715C-BB1B-4742-AB85-AEEF3F88BD37}"/>
+              </a:ext>
+            </a:extLst>
+          </p:cNvPr>
+          <p:cNvSpPr txBox="1"/>
+          <p:nvPr/>
+        </p:nvSpPr>
+        <p:spPr>
+          <a:xfrm>
+            <a:off x="10426513" y="4735212"/>
+            <a:ext cx="921094" cy="646331"/>
+          </a:xfrm>
+          <a:prstGeom prst="rect">
+            <a:avLst/>
+          </a:prstGeom>
+          <a:noFill/>
+        </p:spPr>
+        <p:txBody>
+          <a:bodyPr wrap="square" rtlCol="0">
+            <a:spAutoFit/>
+          </a:bodyPr>
+          <a:lstStyle/>
+          <a:p>
+            <a:r>
+              <a:rPr lang="zh-CN" altLang="en-US" dirty="0"/>
+              <a:t>再进行右单旋</a:t>
+            </a:r>
+          </a:p>
+        </p:txBody>
+      </p:sp>
+      <p:sp>
+        <p:nvSpPr>
+          <p:cNvPr id="175" name="文本框 174">
+            <a:extLst>
+              <a:ext uri="{FF2B5EF4-FFF2-40B4-BE49-F238E27FC236}">
+                <a16:creationId xmlns:a16="http://schemas.microsoft.com/office/drawing/2014/main" id="{0F5B2E2E-7ECE-4C4A-A21E-FA883A8EE6DD}"/>
+              </a:ext>
+            </a:extLst>
+          </p:cNvPr>
+          <p:cNvSpPr txBox="1"/>
+          <p:nvPr/>
+        </p:nvSpPr>
+        <p:spPr>
+          <a:xfrm>
+            <a:off x="7406779" y="4294769"/>
+            <a:ext cx="1213050" cy="369332"/>
+          </a:xfrm>
+          <a:prstGeom prst="rect">
+            <a:avLst/>
+          </a:prstGeom>
+          <a:noFill/>
+        </p:spPr>
+        <p:txBody>
+          <a:bodyPr wrap="square" rtlCol="0">
+            <a:spAutoFit/>
+          </a:bodyPr>
+          <a:lstStyle/>
+          <a:p>
+            <a:r>
+              <a:rPr lang="zh-CN" altLang="en-US" dirty="0"/>
+              <a:t>左右单旋</a:t>
+            </a:r>
+          </a:p>
+        </p:txBody>
+      </p:sp>
+    </p:spTree>
+    <p:extLst>
+      <p:ext uri="{BB962C8B-B14F-4D97-AF65-F5344CB8AC3E}">
+        <p14:creationId xmlns:p14="http://schemas.microsoft.com/office/powerpoint/2010/main" val="1329625626"/>
       </p:ext>
     </p:extLst>
   </p:cSld>
